--- a/docs/high-level-architecture.pptx
+++ b/docs/high-level-architecture.pptx
@@ -107,6 +107,11 @@
       </a:defRPr>
     </a:lvl9pPr>
   </p:defaultTextStyle>
+  <p:extLst>
+    <p:ext uri="{EFAFB233-063F-42B5-8137-9DF3F51BA10A}">
+      <p15:sldGuideLst xmlns:p15="http://schemas.microsoft.com/office/powerpoint/2012/main"/>
+    </p:ext>
+  </p:extLst>
 </p:presentation>
 </file>
 
@@ -3385,8 +3390,8 @@
         </p:nvSpPr>
         <p:spPr>
           <a:xfrm>
-            <a:off x="4480114" y="3214608"/>
-            <a:ext cx="588624" cy="215444"/>
+            <a:off x="4278137" y="3214608"/>
+            <a:ext cx="992580" cy="215444"/>
           </a:xfrm>
           <a:prstGeom prst="rect">
             <a:avLst/>
@@ -3408,7 +3413,7 @@
           <a:p>
             <a:r>
               <a:rPr lang="en-US" dirty="0" smtClean="0"/>
-              <a:t>Logic App</a:t>
+              <a:t>Mobile App Service</a:t>
             </a:r>
             <a:endParaRPr lang="en-US" dirty="0"/>
           </a:p>
@@ -3418,19 +3423,19 @@
         <p:nvCxnSpPr>
           <p:cNvPr id="7" name="Elbow Connector 6"/>
           <p:cNvCxnSpPr>
-            <a:stCxn id="95" idx="1"/>
+            <a:stCxn id="2" idx="1"/>
             <a:endCxn id="4" idx="3"/>
           </p:cNvCxnSpPr>
           <p:nvPr/>
         </p:nvCxnSpPr>
         <p:spPr>
           <a:xfrm rot="10800000">
-            <a:off x="2772879" y="2551672"/>
-            <a:ext cx="1727314" cy="467933"/>
+            <a:off x="2772880" y="2551671"/>
+            <a:ext cx="1757431" cy="466194"/>
           </a:xfrm>
           <a:prstGeom prst="bentConnector3">
             <a:avLst>
-              <a:gd name="adj1" fmla="val 48109"/>
+              <a:gd name="adj1" fmla="val 47522"/>
             </a:avLst>
           </a:prstGeom>
           <a:ln w="6350">
@@ -3525,7 +3530,7 @@
         <p:spPr>
           <a:xfrm rot="10800000">
             <a:off x="4774427" y="3430052"/>
-            <a:ext cx="225293" cy="1696972"/>
+            <a:ext cx="225292" cy="1696972"/>
           </a:xfrm>
           <a:prstGeom prst="bentConnector2">
             <a:avLst/>
@@ -3799,14 +3804,14 @@
           <p:cNvPr id="36" name="Straight Arrow Connector 35"/>
           <p:cNvCxnSpPr>
             <a:stCxn id="23" idx="1"/>
-            <a:endCxn id="95" idx="3"/>
+            <a:endCxn id="2" idx="3"/>
           </p:cNvCxnSpPr>
           <p:nvPr/>
         </p:nvCxnSpPr>
         <p:spPr>
           <a:xfrm flipH="1">
-            <a:off x="5044999" y="3014812"/>
-            <a:ext cx="2706100" cy="4792"/>
+            <a:off x="5042211" y="3014812"/>
+            <a:ext cx="2708888" cy="3053"/>
           </a:xfrm>
           <a:prstGeom prst="straightConnector1">
             <a:avLst/>
@@ -3893,7 +3898,6 @@
               <a:rPr lang="en-US" dirty="0" smtClean="0"/>
               <a:t>Blob Storage</a:t>
             </a:r>
-            <a:endParaRPr lang="en-US" dirty="0" smtClean="0"/>
           </a:p>
         </p:txBody>
       </p:sp>
@@ -3901,15 +3905,15 @@
         <p:nvCxnSpPr>
           <p:cNvPr id="47" name="Elbow Connector 46"/>
           <p:cNvCxnSpPr>
-            <a:stCxn id="95" idx="1"/>
+            <a:stCxn id="2" idx="1"/>
             <a:endCxn id="45" idx="3"/>
           </p:cNvCxnSpPr>
           <p:nvPr/>
         </p:nvCxnSpPr>
         <p:spPr>
           <a:xfrm rot="10800000" flipV="1">
-            <a:off x="2849845" y="3019604"/>
-            <a:ext cx="1650349" cy="400760"/>
+            <a:off x="2849844" y="3017864"/>
+            <a:ext cx="1680466" cy="402499"/>
           </a:xfrm>
           <a:prstGeom prst="bentConnector3">
             <a:avLst>
@@ -4057,14 +4061,14 @@
           <p:cNvPr id="80" name="Elbow Connector 79"/>
           <p:cNvCxnSpPr>
             <a:stCxn id="78" idx="3"/>
-            <a:endCxn id="95" idx="0"/>
+            <a:endCxn id="2" idx="0"/>
           </p:cNvCxnSpPr>
           <p:nvPr/>
         </p:nvCxnSpPr>
         <p:spPr>
           <a:xfrm>
             <a:off x="2785825" y="1842038"/>
-            <a:ext cx="1986771" cy="951262"/>
+            <a:ext cx="2000436" cy="923431"/>
           </a:xfrm>
           <a:prstGeom prst="bentConnector2">
             <a:avLst/>
@@ -4096,7 +4100,7 @@
       </p:cxnSp>
       <p:pic>
         <p:nvPicPr>
-          <p:cNvPr id="95" name="Picture 94"/>
+          <p:cNvPr id="2" name="Picture 1"/>
           <p:cNvPicPr>
             <a:picLocks noChangeAspect="1"/>
           </p:cNvPicPr>
@@ -4110,8 +4114,8 @@
         </p:blipFill>
         <p:spPr>
           <a:xfrm>
-            <a:off x="4500193" y="2793300"/>
-            <a:ext cx="544806" cy="452608"/>
+            <a:off x="4530310" y="2765469"/>
+            <a:ext cx="511901" cy="504791"/>
           </a:xfrm>
           <a:prstGeom prst="rect">
             <a:avLst/>

--- a/docs/high-level-architecture.pptx
+++ b/docs/high-level-architecture.pptx
@@ -3390,8 +3390,8 @@
         </p:nvSpPr>
         <p:spPr>
           <a:xfrm>
-            <a:off x="4278137" y="3214608"/>
-            <a:ext cx="992580" cy="215444"/>
+            <a:off x="4437636" y="3214608"/>
+            <a:ext cx="673582" cy="215444"/>
           </a:xfrm>
           <a:prstGeom prst="rect">
             <a:avLst/>
@@ -3413,7 +3413,11 @@
           <a:p>
             <a:r>
               <a:rPr lang="en-US" dirty="0" smtClean="0"/>
-              <a:t>Mobile App Service</a:t>
+              <a:t>App </a:t>
+            </a:r>
+            <a:r>
+              <a:rPr lang="en-US" dirty="0" smtClean="0"/>
+              <a:t>Service</a:t>
             </a:r>
             <a:endParaRPr lang="en-US" dirty="0"/>
           </a:p>
@@ -3423,7 +3427,6 @@
         <p:nvCxnSpPr>
           <p:cNvPr id="7" name="Elbow Connector 6"/>
           <p:cNvCxnSpPr>
-            <a:stCxn id="2" idx="1"/>
             <a:endCxn id="4" idx="3"/>
           </p:cNvCxnSpPr>
           <p:nvPr/>
@@ -3804,14 +3807,14 @@
           <p:cNvPr id="36" name="Straight Arrow Connector 35"/>
           <p:cNvCxnSpPr>
             <a:stCxn id="23" idx="1"/>
-            <a:endCxn id="2" idx="3"/>
+            <a:endCxn id="27" idx="3"/>
           </p:cNvCxnSpPr>
           <p:nvPr/>
         </p:nvCxnSpPr>
         <p:spPr>
-          <a:xfrm flipH="1">
-            <a:off x="5042211" y="3014812"/>
-            <a:ext cx="2708888" cy="3053"/>
+          <a:xfrm flipH="1" flipV="1">
+            <a:off x="4991028" y="3010825"/>
+            <a:ext cx="2760071" cy="3987"/>
           </a:xfrm>
           <a:prstGeom prst="straightConnector1">
             <a:avLst/>
@@ -3905,15 +3908,15 @@
         <p:nvCxnSpPr>
           <p:cNvPr id="47" name="Elbow Connector 46"/>
           <p:cNvCxnSpPr>
-            <a:stCxn id="2" idx="1"/>
+            <a:stCxn id="27" idx="1"/>
             <a:endCxn id="45" idx="3"/>
           </p:cNvCxnSpPr>
           <p:nvPr/>
         </p:nvCxnSpPr>
         <p:spPr>
           <a:xfrm rot="10800000" flipV="1">
-            <a:off x="2849844" y="3017864"/>
-            <a:ext cx="1680466" cy="402499"/>
+            <a:off x="2849845" y="3010824"/>
+            <a:ext cx="1707979" cy="409539"/>
           </a:xfrm>
           <a:prstGeom prst="bentConnector3">
             <a:avLst>
@@ -4061,14 +4064,14 @@
           <p:cNvPr id="80" name="Elbow Connector 79"/>
           <p:cNvCxnSpPr>
             <a:stCxn id="78" idx="3"/>
-            <a:endCxn id="2" idx="0"/>
+            <a:endCxn id="27" idx="0"/>
           </p:cNvCxnSpPr>
           <p:nvPr/>
         </p:nvCxnSpPr>
         <p:spPr>
           <a:xfrm>
             <a:off x="2785825" y="1842038"/>
-            <a:ext cx="2000436" cy="923431"/>
+            <a:ext cx="1988601" cy="1003988"/>
           </a:xfrm>
           <a:prstGeom prst="bentConnector2">
             <a:avLst/>
@@ -4100,7 +4103,7 @@
       </p:cxnSp>
       <p:pic>
         <p:nvPicPr>
-          <p:cNvPr id="2" name="Picture 1"/>
+          <p:cNvPr id="27" name="Picture 26"/>
           <p:cNvPicPr>
             <a:picLocks noChangeAspect="1"/>
           </p:cNvPicPr>
@@ -4114,8 +4117,8 @@
         </p:blipFill>
         <p:spPr>
           <a:xfrm>
-            <a:off x="4530310" y="2765469"/>
-            <a:ext cx="511901" cy="504791"/>
+            <a:off x="4557823" y="2846026"/>
+            <a:ext cx="433205" cy="329598"/>
           </a:xfrm>
           <a:prstGeom prst="rect">
             <a:avLst/>

--- a/docs/high-level-architecture.pptx
+++ b/docs/high-level-architecture.pptx
@@ -5,10 +5,12 @@
     <p:sldMasterId id="2147483648" r:id="rId1"/>
   </p:sldMasterIdLst>
   <p:notesMasterIdLst>
-    <p:notesMasterId r:id="rId3"/>
+    <p:notesMasterId r:id="rId5"/>
   </p:notesMasterIdLst>
   <p:sldIdLst>
     <p:sldId id="256" r:id="rId2"/>
+    <p:sldId id="257" r:id="rId3"/>
+    <p:sldId id="258" r:id="rId4"/>
   </p:sldIdLst>
   <p:sldSz cx="12192000" cy="6858000"/>
   <p:notesSz cx="6858000" cy="9144000"/>
@@ -3413,11 +3415,7 @@
           <a:p>
             <a:r>
               <a:rPr lang="en-US" dirty="0" smtClean="0"/>
-              <a:t>App </a:t>
-            </a:r>
-            <a:r>
-              <a:rPr lang="en-US" dirty="0" smtClean="0"/>
-              <a:t>Service</a:t>
+              <a:t>App Service</a:t>
             </a:r>
             <a:endParaRPr lang="en-US" dirty="0"/>
           </a:p>
@@ -4129,6 +4127,1014 @@
     <p:extLst>
       <p:ext uri="{BB962C8B-B14F-4D97-AF65-F5344CB8AC3E}">
         <p14:creationId xmlns:p14="http://schemas.microsoft.com/office/powerpoint/2010/main" val="1327905015"/>
+      </p:ext>
+    </p:extLst>
+  </p:cSld>
+  <p:clrMapOvr>
+    <a:masterClrMapping/>
+  </p:clrMapOvr>
+</p:sld>
+</file>
+
+<file path=ppt/slides/slide2.xml><?xml version="1.0" encoding="utf-8"?>
+<p:sld xmlns:a="http://schemas.openxmlformats.org/drawingml/2006/main" xmlns:r="http://schemas.openxmlformats.org/officeDocument/2006/relationships" xmlns:p="http://schemas.openxmlformats.org/presentationml/2006/main">
+  <p:cSld>
+    <p:spTree>
+      <p:nvGrpSpPr>
+        <p:cNvPr id="1" name=""/>
+        <p:cNvGrpSpPr/>
+        <p:nvPr/>
+      </p:nvGrpSpPr>
+      <p:grpSpPr>
+        <a:xfrm>
+          <a:off x="0" y="0"/>
+          <a:ext cx="0" cy="0"/>
+          <a:chOff x="0" y="0"/>
+          <a:chExt cx="0" cy="0"/>
+        </a:xfrm>
+      </p:grpSpPr>
+      <p:sp>
+        <p:nvSpPr>
+          <p:cNvPr id="4" name="Rectangle 3"/>
+          <p:cNvSpPr/>
+          <p:nvPr/>
+        </p:nvSpPr>
+        <p:spPr>
+          <a:xfrm>
+            <a:off x="1589314" y="1698171"/>
+            <a:ext cx="2601685" cy="4049486"/>
+          </a:xfrm>
+          <a:prstGeom prst="rect">
+            <a:avLst/>
+          </a:prstGeom>
+          <a:noFill/>
+          <a:ln>
+            <a:solidFill>
+              <a:schemeClr val="bg1">
+                <a:lumMod val="65000"/>
+              </a:schemeClr>
+            </a:solidFill>
+          </a:ln>
+        </p:spPr>
+        <p:style>
+          <a:lnRef idx="2">
+            <a:schemeClr val="accent1">
+              <a:shade val="50000"/>
+            </a:schemeClr>
+          </a:lnRef>
+          <a:fillRef idx="1">
+            <a:schemeClr val="accent1"/>
+          </a:fillRef>
+          <a:effectRef idx="0">
+            <a:schemeClr val="accent1"/>
+          </a:effectRef>
+          <a:fontRef idx="minor">
+            <a:schemeClr val="lt1"/>
+          </a:fontRef>
+        </p:style>
+        <p:txBody>
+          <a:bodyPr rtlCol="0" anchor="ctr"/>
+          <a:lstStyle/>
+          <a:p>
+            <a:pPr algn="ctr"/>
+            <a:endParaRPr lang="en-US"/>
+          </a:p>
+        </p:txBody>
+      </p:sp>
+      <p:sp>
+        <p:nvSpPr>
+          <p:cNvPr id="5" name="Rectangle 4"/>
+          <p:cNvSpPr/>
+          <p:nvPr/>
+        </p:nvSpPr>
+        <p:spPr>
+          <a:xfrm>
+            <a:off x="2111827" y="3036821"/>
+            <a:ext cx="1556657" cy="381000"/>
+          </a:xfrm>
+          <a:prstGeom prst="rect">
+            <a:avLst/>
+          </a:prstGeom>
+        </p:spPr>
+        <p:style>
+          <a:lnRef idx="2">
+            <a:schemeClr val="accent1">
+              <a:shade val="50000"/>
+            </a:schemeClr>
+          </a:lnRef>
+          <a:fillRef idx="1">
+            <a:schemeClr val="accent1"/>
+          </a:fillRef>
+          <a:effectRef idx="0">
+            <a:schemeClr val="accent1"/>
+          </a:effectRef>
+          <a:fontRef idx="minor">
+            <a:schemeClr val="lt1"/>
+          </a:fontRef>
+        </p:style>
+        <p:txBody>
+          <a:bodyPr rtlCol="0" anchor="ctr"/>
+          <a:lstStyle/>
+          <a:p>
+            <a:pPr algn="ctr"/>
+            <a:r>
+              <a:rPr lang="en-US" smtClean="0"/>
+              <a:t>Reportar</a:t>
+            </a:r>
+            <a:endParaRPr lang="en-US" dirty="0"/>
+          </a:p>
+        </p:txBody>
+      </p:sp>
+      <p:sp>
+        <p:nvSpPr>
+          <p:cNvPr id="6" name="TextBox 5"/>
+          <p:cNvSpPr txBox="1"/>
+          <p:nvPr/>
+        </p:nvSpPr>
+        <p:spPr>
+          <a:xfrm>
+            <a:off x="1910559" y="2144877"/>
+            <a:ext cx="1959191" cy="369332"/>
+          </a:xfrm>
+          <a:prstGeom prst="rect">
+            <a:avLst/>
+          </a:prstGeom>
+          <a:noFill/>
+        </p:spPr>
+        <p:txBody>
+          <a:bodyPr wrap="none" rtlCol="0">
+            <a:spAutoFit/>
+          </a:bodyPr>
+          <a:lstStyle/>
+          <a:p>
+            <a:r>
+              <a:rPr lang="en-US" dirty="0" smtClean="0"/>
+              <a:t>Que </a:t>
+            </a:r>
+            <a:r>
+              <a:rPr lang="en-US" dirty="0" err="1" smtClean="0"/>
+              <a:t>deseas</a:t>
+            </a:r>
+            <a:r>
+              <a:rPr lang="en-US" dirty="0" smtClean="0"/>
+              <a:t> </a:t>
+            </a:r>
+            <a:r>
+              <a:rPr lang="en-US" dirty="0" err="1" smtClean="0"/>
+              <a:t>hacer</a:t>
+            </a:r>
+            <a:r>
+              <a:rPr lang="en-US" dirty="0" smtClean="0"/>
+              <a:t>?</a:t>
+            </a:r>
+            <a:endParaRPr lang="en-US" dirty="0"/>
+          </a:p>
+        </p:txBody>
+      </p:sp>
+      <p:sp>
+        <p:nvSpPr>
+          <p:cNvPr id="7" name="Rectangle 6"/>
+          <p:cNvSpPr/>
+          <p:nvPr/>
+        </p:nvSpPr>
+        <p:spPr>
+          <a:xfrm>
+            <a:off x="2111827" y="3940433"/>
+            <a:ext cx="1556657" cy="381000"/>
+          </a:xfrm>
+          <a:prstGeom prst="rect">
+            <a:avLst/>
+          </a:prstGeom>
+        </p:spPr>
+        <p:style>
+          <a:lnRef idx="2">
+            <a:schemeClr val="accent1">
+              <a:shade val="50000"/>
+            </a:schemeClr>
+          </a:lnRef>
+          <a:fillRef idx="1">
+            <a:schemeClr val="accent1"/>
+          </a:fillRef>
+          <a:effectRef idx="0">
+            <a:schemeClr val="accent1"/>
+          </a:effectRef>
+          <a:fontRef idx="minor">
+            <a:schemeClr val="lt1"/>
+          </a:fontRef>
+        </p:style>
+        <p:txBody>
+          <a:bodyPr rtlCol="0" anchor="ctr"/>
+          <a:lstStyle/>
+          <a:p>
+            <a:pPr algn="ctr"/>
+            <a:r>
+              <a:rPr lang="en-US" dirty="0" err="1" smtClean="0"/>
+              <a:t>Buscar</a:t>
+            </a:r>
+            <a:endParaRPr lang="en-US" dirty="0"/>
+          </a:p>
+        </p:txBody>
+      </p:sp>
+      <p:sp>
+        <p:nvSpPr>
+          <p:cNvPr id="8" name="Rectangle 7"/>
+          <p:cNvSpPr/>
+          <p:nvPr/>
+        </p:nvSpPr>
+        <p:spPr>
+          <a:xfrm>
+            <a:off x="5987145" y="103122"/>
+            <a:ext cx="2601685" cy="4049486"/>
+          </a:xfrm>
+          <a:prstGeom prst="rect">
+            <a:avLst/>
+          </a:prstGeom>
+          <a:noFill/>
+          <a:ln>
+            <a:solidFill>
+              <a:schemeClr val="bg1">
+                <a:lumMod val="65000"/>
+              </a:schemeClr>
+            </a:solidFill>
+          </a:ln>
+        </p:spPr>
+        <p:style>
+          <a:lnRef idx="2">
+            <a:schemeClr val="accent1">
+              <a:shade val="50000"/>
+            </a:schemeClr>
+          </a:lnRef>
+          <a:fillRef idx="1">
+            <a:schemeClr val="accent1"/>
+          </a:fillRef>
+          <a:effectRef idx="0">
+            <a:schemeClr val="accent1"/>
+          </a:effectRef>
+          <a:fontRef idx="minor">
+            <a:schemeClr val="lt1"/>
+          </a:fontRef>
+        </p:style>
+        <p:txBody>
+          <a:bodyPr rtlCol="0" anchor="ctr"/>
+          <a:lstStyle/>
+          <a:p>
+            <a:pPr algn="ctr"/>
+            <a:endParaRPr lang="en-US"/>
+          </a:p>
+        </p:txBody>
+      </p:sp>
+      <p:sp>
+        <p:nvSpPr>
+          <p:cNvPr id="9" name="Rectangle 8"/>
+          <p:cNvSpPr/>
+          <p:nvPr/>
+        </p:nvSpPr>
+        <p:spPr>
+          <a:xfrm>
+            <a:off x="6509658" y="648972"/>
+            <a:ext cx="1556657" cy="381000"/>
+          </a:xfrm>
+          <a:prstGeom prst="rect">
+            <a:avLst/>
+          </a:prstGeom>
+        </p:spPr>
+        <p:style>
+          <a:lnRef idx="2">
+            <a:schemeClr val="accent1">
+              <a:shade val="50000"/>
+            </a:schemeClr>
+          </a:lnRef>
+          <a:fillRef idx="1">
+            <a:schemeClr val="accent1"/>
+          </a:fillRef>
+          <a:effectRef idx="0">
+            <a:schemeClr val="accent1"/>
+          </a:effectRef>
+          <a:fontRef idx="minor">
+            <a:schemeClr val="lt1"/>
+          </a:fontRef>
+        </p:style>
+        <p:txBody>
+          <a:bodyPr rtlCol="0" anchor="ctr"/>
+          <a:lstStyle/>
+          <a:p>
+            <a:pPr algn="ctr"/>
+            <a:r>
+              <a:rPr lang="en-US" dirty="0" err="1" smtClean="0"/>
+              <a:t>Subir</a:t>
+            </a:r>
+            <a:r>
+              <a:rPr lang="en-US" dirty="0" smtClean="0"/>
+              <a:t> </a:t>
+            </a:r>
+            <a:r>
+              <a:rPr lang="en-US" dirty="0" err="1" smtClean="0"/>
+              <a:t>Foto</a:t>
+            </a:r>
+            <a:endParaRPr lang="en-US" dirty="0"/>
+          </a:p>
+        </p:txBody>
+      </p:sp>
+      <p:sp>
+        <p:nvSpPr>
+          <p:cNvPr id="10" name="TextBox 9"/>
+          <p:cNvSpPr txBox="1"/>
+          <p:nvPr/>
+        </p:nvSpPr>
+        <p:spPr>
+          <a:xfrm>
+            <a:off x="6004680" y="191381"/>
+            <a:ext cx="1009956" cy="369332"/>
+          </a:xfrm>
+          <a:prstGeom prst="rect">
+            <a:avLst/>
+          </a:prstGeom>
+          <a:noFill/>
+        </p:spPr>
+        <p:txBody>
+          <a:bodyPr wrap="none" rtlCol="0">
+            <a:spAutoFit/>
+          </a:bodyPr>
+          <a:lstStyle/>
+          <a:p>
+            <a:r>
+              <a:rPr lang="en-US" dirty="0" err="1" smtClean="0"/>
+              <a:t>Reportar</a:t>
+            </a:r>
+            <a:endParaRPr lang="en-US" dirty="0"/>
+          </a:p>
+        </p:txBody>
+      </p:sp>
+      <p:sp>
+        <p:nvSpPr>
+          <p:cNvPr id="12" name="TextBox 11"/>
+          <p:cNvSpPr txBox="1"/>
+          <p:nvPr/>
+        </p:nvSpPr>
+        <p:spPr>
+          <a:xfrm>
+            <a:off x="6270172" y="1529150"/>
+            <a:ext cx="957313" cy="1477328"/>
+          </a:xfrm>
+          <a:prstGeom prst="rect">
+            <a:avLst/>
+          </a:prstGeom>
+          <a:noFill/>
+        </p:spPr>
+        <p:txBody>
+          <a:bodyPr wrap="none" rtlCol="0">
+            <a:spAutoFit/>
+          </a:bodyPr>
+          <a:lstStyle/>
+          <a:p>
+            <a:r>
+              <a:rPr lang="en-US" dirty="0" err="1" smtClean="0"/>
+              <a:t>Nombre</a:t>
+            </a:r>
+            <a:endParaRPr lang="en-US" dirty="0" smtClean="0"/>
+          </a:p>
+          <a:p>
+            <a:r>
+              <a:rPr lang="en-US" dirty="0" err="1" smtClean="0"/>
+              <a:t>Apellido</a:t>
+            </a:r>
+            <a:endParaRPr lang="en-US" dirty="0" smtClean="0"/>
+          </a:p>
+          <a:p>
+            <a:r>
+              <a:rPr lang="en-US" dirty="0" smtClean="0"/>
+              <a:t>.</a:t>
+            </a:r>
+          </a:p>
+          <a:p>
+            <a:r>
+              <a:rPr lang="en-US" dirty="0" smtClean="0"/>
+              <a:t>.</a:t>
+            </a:r>
+          </a:p>
+          <a:p>
+            <a:r>
+              <a:rPr lang="en-US" dirty="0"/>
+              <a:t>.</a:t>
+            </a:r>
+          </a:p>
+        </p:txBody>
+      </p:sp>
+      <p:sp>
+        <p:nvSpPr>
+          <p:cNvPr id="13" name="Rectangle 12"/>
+          <p:cNvSpPr/>
+          <p:nvPr/>
+        </p:nvSpPr>
+        <p:spPr>
+          <a:xfrm>
+            <a:off x="6513894" y="3593915"/>
+            <a:ext cx="1556657" cy="381000"/>
+          </a:xfrm>
+          <a:prstGeom prst="rect">
+            <a:avLst/>
+          </a:prstGeom>
+        </p:spPr>
+        <p:style>
+          <a:lnRef idx="2">
+            <a:schemeClr val="accent1">
+              <a:shade val="50000"/>
+            </a:schemeClr>
+          </a:lnRef>
+          <a:fillRef idx="1">
+            <a:schemeClr val="accent1"/>
+          </a:fillRef>
+          <a:effectRef idx="0">
+            <a:schemeClr val="accent1"/>
+          </a:effectRef>
+          <a:fontRef idx="minor">
+            <a:schemeClr val="lt1"/>
+          </a:fontRef>
+        </p:style>
+        <p:txBody>
+          <a:bodyPr rtlCol="0" anchor="ctr"/>
+          <a:lstStyle/>
+          <a:p>
+            <a:pPr algn="ctr"/>
+            <a:r>
+              <a:rPr lang="en-US" dirty="0" smtClean="0"/>
+              <a:t>Preview</a:t>
+            </a:r>
+            <a:endParaRPr lang="en-US" dirty="0"/>
+          </a:p>
+        </p:txBody>
+      </p:sp>
+      <p:sp>
+        <p:nvSpPr>
+          <p:cNvPr id="15" name="Rectangle 14"/>
+          <p:cNvSpPr/>
+          <p:nvPr/>
+        </p:nvSpPr>
+        <p:spPr>
+          <a:xfrm>
+            <a:off x="8871857" y="114007"/>
+            <a:ext cx="2601685" cy="4049486"/>
+          </a:xfrm>
+          <a:prstGeom prst="rect">
+            <a:avLst/>
+          </a:prstGeom>
+          <a:noFill/>
+          <a:ln>
+            <a:solidFill>
+              <a:schemeClr val="bg1">
+                <a:lumMod val="65000"/>
+              </a:schemeClr>
+            </a:solidFill>
+          </a:ln>
+        </p:spPr>
+        <p:style>
+          <a:lnRef idx="2">
+            <a:schemeClr val="accent1">
+              <a:shade val="50000"/>
+            </a:schemeClr>
+          </a:lnRef>
+          <a:fillRef idx="1">
+            <a:schemeClr val="accent1"/>
+          </a:fillRef>
+          <a:effectRef idx="0">
+            <a:schemeClr val="accent1"/>
+          </a:effectRef>
+          <a:fontRef idx="minor">
+            <a:schemeClr val="lt1"/>
+          </a:fontRef>
+        </p:style>
+        <p:txBody>
+          <a:bodyPr rtlCol="0" anchor="ctr"/>
+          <a:lstStyle/>
+          <a:p>
+            <a:pPr algn="ctr"/>
+            <a:endParaRPr lang="en-US"/>
+          </a:p>
+        </p:txBody>
+      </p:sp>
+      <p:sp>
+        <p:nvSpPr>
+          <p:cNvPr id="16" name="Rectangle 15"/>
+          <p:cNvSpPr/>
+          <p:nvPr/>
+        </p:nvSpPr>
+        <p:spPr>
+          <a:xfrm>
+            <a:off x="9394370" y="2546769"/>
+            <a:ext cx="1556657" cy="381000"/>
+          </a:xfrm>
+          <a:prstGeom prst="rect">
+            <a:avLst/>
+          </a:prstGeom>
+        </p:spPr>
+        <p:style>
+          <a:lnRef idx="2">
+            <a:schemeClr val="accent1">
+              <a:shade val="50000"/>
+            </a:schemeClr>
+          </a:lnRef>
+          <a:fillRef idx="1">
+            <a:schemeClr val="accent1"/>
+          </a:fillRef>
+          <a:effectRef idx="0">
+            <a:schemeClr val="accent1"/>
+          </a:effectRef>
+          <a:fontRef idx="minor">
+            <a:schemeClr val="lt1"/>
+          </a:fontRef>
+        </p:style>
+        <p:txBody>
+          <a:bodyPr rtlCol="0" anchor="ctr"/>
+          <a:lstStyle/>
+          <a:p>
+            <a:pPr algn="ctr"/>
+            <a:r>
+              <a:rPr lang="en-US" dirty="0" err="1" smtClean="0"/>
+              <a:t>Aceptar</a:t>
+            </a:r>
+            <a:endParaRPr lang="en-US" dirty="0"/>
+          </a:p>
+        </p:txBody>
+      </p:sp>
+      <p:sp>
+        <p:nvSpPr>
+          <p:cNvPr id="17" name="TextBox 16"/>
+          <p:cNvSpPr txBox="1"/>
+          <p:nvPr/>
+        </p:nvSpPr>
+        <p:spPr>
+          <a:xfrm>
+            <a:off x="9061913" y="990992"/>
+            <a:ext cx="2221570" cy="923330"/>
+          </a:xfrm>
+          <a:prstGeom prst="rect">
+            <a:avLst/>
+          </a:prstGeom>
+          <a:noFill/>
+        </p:spPr>
+        <p:txBody>
+          <a:bodyPr wrap="none" rtlCol="0">
+            <a:spAutoFit/>
+          </a:bodyPr>
+          <a:lstStyle/>
+          <a:p>
+            <a:pPr algn="ctr"/>
+            <a:r>
+              <a:rPr lang="en-US" dirty="0" err="1" smtClean="0"/>
+              <a:t>Reporte</a:t>
+            </a:r>
+            <a:r>
+              <a:rPr lang="en-US" dirty="0" smtClean="0"/>
+              <a:t> </a:t>
+            </a:r>
+            <a:r>
+              <a:rPr lang="en-US" dirty="0" err="1" smtClean="0"/>
+              <a:t>exitoso</a:t>
+            </a:r>
+            <a:endParaRPr lang="en-US" dirty="0" smtClean="0"/>
+          </a:p>
+          <a:p>
+            <a:pPr algn="ctr"/>
+            <a:endParaRPr lang="en-US" dirty="0"/>
+          </a:p>
+          <a:p>
+            <a:pPr algn="ctr"/>
+            <a:r>
+              <a:rPr lang="en-US" dirty="0" smtClean="0"/>
+              <a:t>Gracias </a:t>
+            </a:r>
+            <a:r>
+              <a:rPr lang="en-US" dirty="0" err="1" smtClean="0"/>
+              <a:t>por</a:t>
+            </a:r>
+            <a:r>
+              <a:rPr lang="en-US" dirty="0" smtClean="0"/>
+              <a:t> </a:t>
+            </a:r>
+            <a:r>
+              <a:rPr lang="en-US" dirty="0" err="1" smtClean="0"/>
+              <a:t>contribuir</a:t>
+            </a:r>
+            <a:endParaRPr lang="en-US" dirty="0"/>
+          </a:p>
+        </p:txBody>
+      </p:sp>
+      <p:sp>
+        <p:nvSpPr>
+          <p:cNvPr id="19" name="Rectangle 18"/>
+          <p:cNvSpPr/>
+          <p:nvPr/>
+        </p:nvSpPr>
+        <p:spPr>
+          <a:xfrm>
+            <a:off x="6509658" y="1148150"/>
+            <a:ext cx="1560893" cy="381000"/>
+          </a:xfrm>
+          <a:prstGeom prst="rect">
+            <a:avLst/>
+          </a:prstGeom>
+        </p:spPr>
+        <p:style>
+          <a:lnRef idx="2">
+            <a:schemeClr val="accent1">
+              <a:shade val="50000"/>
+            </a:schemeClr>
+          </a:lnRef>
+          <a:fillRef idx="1">
+            <a:schemeClr val="accent1"/>
+          </a:fillRef>
+          <a:effectRef idx="0">
+            <a:schemeClr val="accent1"/>
+          </a:effectRef>
+          <a:fontRef idx="minor">
+            <a:schemeClr val="lt1"/>
+          </a:fontRef>
+        </p:style>
+        <p:txBody>
+          <a:bodyPr rtlCol="0" anchor="ctr"/>
+          <a:lstStyle/>
+          <a:p>
+            <a:pPr algn="ctr"/>
+            <a:endParaRPr lang="en-US"/>
+          </a:p>
+        </p:txBody>
+      </p:sp>
+    </p:spTree>
+    <p:extLst>
+      <p:ext uri="{BB962C8B-B14F-4D97-AF65-F5344CB8AC3E}">
+        <p14:creationId xmlns:p14="http://schemas.microsoft.com/office/powerpoint/2010/main" val="579012479"/>
+      </p:ext>
+    </p:extLst>
+  </p:cSld>
+  <p:clrMapOvr>
+    <a:masterClrMapping/>
+  </p:clrMapOvr>
+</p:sld>
+</file>
+
+<file path=ppt/slides/slide3.xml><?xml version="1.0" encoding="utf-8"?>
+<p:sld xmlns:a="http://schemas.openxmlformats.org/drawingml/2006/main" xmlns:r="http://schemas.openxmlformats.org/officeDocument/2006/relationships" xmlns:p="http://schemas.openxmlformats.org/presentationml/2006/main">
+  <p:cSld>
+    <p:spTree>
+      <p:nvGrpSpPr>
+        <p:cNvPr id="1" name=""/>
+        <p:cNvGrpSpPr/>
+        <p:nvPr/>
+      </p:nvGrpSpPr>
+      <p:grpSpPr>
+        <a:xfrm>
+          <a:off x="0" y="0"/>
+          <a:ext cx="0" cy="0"/>
+          <a:chOff x="0" y="0"/>
+          <a:chExt cx="0" cy="0"/>
+        </a:xfrm>
+      </p:grpSpPr>
+      <p:sp>
+        <p:nvSpPr>
+          <p:cNvPr id="8" name="Rectangle 7"/>
+          <p:cNvSpPr/>
+          <p:nvPr/>
+        </p:nvSpPr>
+        <p:spPr>
+          <a:xfrm>
+            <a:off x="348345" y="168436"/>
+            <a:ext cx="2601685" cy="4049486"/>
+          </a:xfrm>
+          <a:prstGeom prst="rect">
+            <a:avLst/>
+          </a:prstGeom>
+          <a:noFill/>
+          <a:ln>
+            <a:solidFill>
+              <a:schemeClr val="bg1">
+                <a:lumMod val="65000"/>
+              </a:schemeClr>
+            </a:solidFill>
+          </a:ln>
+        </p:spPr>
+        <p:style>
+          <a:lnRef idx="2">
+            <a:schemeClr val="accent1">
+              <a:shade val="50000"/>
+            </a:schemeClr>
+          </a:lnRef>
+          <a:fillRef idx="1">
+            <a:schemeClr val="accent1"/>
+          </a:fillRef>
+          <a:effectRef idx="0">
+            <a:schemeClr val="accent1"/>
+          </a:effectRef>
+          <a:fontRef idx="minor">
+            <a:schemeClr val="lt1"/>
+          </a:fontRef>
+        </p:style>
+        <p:txBody>
+          <a:bodyPr rtlCol="0" anchor="ctr"/>
+          <a:lstStyle/>
+          <a:p>
+            <a:pPr algn="ctr"/>
+            <a:endParaRPr lang="en-US"/>
+          </a:p>
+        </p:txBody>
+      </p:sp>
+      <p:sp>
+        <p:nvSpPr>
+          <p:cNvPr id="9" name="Rectangle 8"/>
+          <p:cNvSpPr/>
+          <p:nvPr/>
+        </p:nvSpPr>
+        <p:spPr>
+          <a:xfrm>
+            <a:off x="870858" y="714286"/>
+            <a:ext cx="1556657" cy="381000"/>
+          </a:xfrm>
+          <a:prstGeom prst="rect">
+            <a:avLst/>
+          </a:prstGeom>
+        </p:spPr>
+        <p:style>
+          <a:lnRef idx="2">
+            <a:schemeClr val="accent1">
+              <a:shade val="50000"/>
+            </a:schemeClr>
+          </a:lnRef>
+          <a:fillRef idx="1">
+            <a:schemeClr val="accent1"/>
+          </a:fillRef>
+          <a:effectRef idx="0">
+            <a:schemeClr val="accent1"/>
+          </a:effectRef>
+          <a:fontRef idx="minor">
+            <a:schemeClr val="lt1"/>
+          </a:fontRef>
+        </p:style>
+        <p:txBody>
+          <a:bodyPr rtlCol="0" anchor="ctr"/>
+          <a:lstStyle/>
+          <a:p>
+            <a:pPr algn="ctr"/>
+            <a:r>
+              <a:rPr lang="en-US" dirty="0" err="1" smtClean="0"/>
+              <a:t>Subir</a:t>
+            </a:r>
+            <a:r>
+              <a:rPr lang="en-US" dirty="0" smtClean="0"/>
+              <a:t> </a:t>
+            </a:r>
+            <a:r>
+              <a:rPr lang="en-US" dirty="0" err="1" smtClean="0"/>
+              <a:t>Foto</a:t>
+            </a:r>
+            <a:endParaRPr lang="en-US" dirty="0"/>
+          </a:p>
+        </p:txBody>
+      </p:sp>
+      <p:sp>
+        <p:nvSpPr>
+          <p:cNvPr id="10" name="TextBox 9"/>
+          <p:cNvSpPr txBox="1"/>
+          <p:nvPr/>
+        </p:nvSpPr>
+        <p:spPr>
+          <a:xfrm>
+            <a:off x="365880" y="256695"/>
+            <a:ext cx="807978" cy="369332"/>
+          </a:xfrm>
+          <a:prstGeom prst="rect">
+            <a:avLst/>
+          </a:prstGeom>
+          <a:noFill/>
+        </p:spPr>
+        <p:txBody>
+          <a:bodyPr wrap="none" rtlCol="0">
+            <a:spAutoFit/>
+          </a:bodyPr>
+          <a:lstStyle/>
+          <a:p>
+            <a:r>
+              <a:rPr lang="en-US" dirty="0" err="1" smtClean="0"/>
+              <a:t>Buscar</a:t>
+            </a:r>
+            <a:endParaRPr lang="en-US" dirty="0"/>
+          </a:p>
+        </p:txBody>
+      </p:sp>
+      <p:cxnSp>
+        <p:nvCxnSpPr>
+          <p:cNvPr id="14" name="Straight Arrow Connector 13"/>
+          <p:cNvCxnSpPr>
+            <a:stCxn id="9" idx="3"/>
+            <a:endCxn id="19" idx="2"/>
+          </p:cNvCxnSpPr>
+          <p:nvPr/>
+        </p:nvCxnSpPr>
+        <p:spPr>
+          <a:xfrm flipV="1">
+            <a:off x="2427515" y="893509"/>
+            <a:ext cx="5519218" cy="11277"/>
+          </a:xfrm>
+          <a:prstGeom prst="straightConnector1">
+            <a:avLst/>
+          </a:prstGeom>
+          <a:ln>
+            <a:tailEnd type="triangle"/>
+          </a:ln>
+        </p:spPr>
+        <p:style>
+          <a:lnRef idx="1">
+            <a:schemeClr val="accent1"/>
+          </a:lnRef>
+          <a:fillRef idx="0">
+            <a:schemeClr val="accent1"/>
+          </a:fillRef>
+          <a:effectRef idx="0">
+            <a:schemeClr val="accent1"/>
+          </a:effectRef>
+          <a:fontRef idx="minor">
+            <a:schemeClr val="tx1"/>
+          </a:fontRef>
+        </p:style>
+      </p:cxnSp>
+      <p:cxnSp>
+        <p:nvCxnSpPr>
+          <p:cNvPr id="16" name="Straight Arrow Connector 15"/>
+          <p:cNvCxnSpPr>
+            <a:stCxn id="19" idx="2"/>
+          </p:cNvCxnSpPr>
+          <p:nvPr/>
+        </p:nvCxnSpPr>
+        <p:spPr>
+          <a:xfrm flipH="1">
+            <a:off x="2427515" y="893509"/>
+            <a:ext cx="5519218" cy="1784377"/>
+          </a:xfrm>
+          <a:prstGeom prst="straightConnector1">
+            <a:avLst/>
+          </a:prstGeom>
+          <a:ln>
+            <a:tailEnd type="triangle"/>
+          </a:ln>
+        </p:spPr>
+        <p:style>
+          <a:lnRef idx="1">
+            <a:schemeClr val="accent1"/>
+          </a:lnRef>
+          <a:fillRef idx="0">
+            <a:schemeClr val="accent1"/>
+          </a:fillRef>
+          <a:effectRef idx="0">
+            <a:schemeClr val="accent1"/>
+          </a:effectRef>
+          <a:fontRef idx="minor">
+            <a:schemeClr val="tx1"/>
+          </a:fontRef>
+        </p:style>
+      </p:cxnSp>
+      <p:sp>
+        <p:nvSpPr>
+          <p:cNvPr id="17" name="TextBox 16"/>
+          <p:cNvSpPr txBox="1"/>
+          <p:nvPr/>
+        </p:nvSpPr>
+        <p:spPr>
+          <a:xfrm>
+            <a:off x="572131" y="2190572"/>
+            <a:ext cx="957313" cy="1754326"/>
+          </a:xfrm>
+          <a:prstGeom prst="rect">
+            <a:avLst/>
+          </a:prstGeom>
+          <a:noFill/>
+        </p:spPr>
+        <p:txBody>
+          <a:bodyPr wrap="none" rtlCol="0">
+            <a:spAutoFit/>
+          </a:bodyPr>
+          <a:lstStyle/>
+          <a:p>
+            <a:r>
+              <a:rPr lang="en-US" dirty="0" err="1" smtClean="0"/>
+              <a:t>Nombre</a:t>
+            </a:r>
+            <a:endParaRPr lang="en-US" dirty="0" smtClean="0"/>
+          </a:p>
+          <a:p>
+            <a:r>
+              <a:rPr lang="en-US" dirty="0" err="1" smtClean="0"/>
+              <a:t>Apellido</a:t>
+            </a:r>
+            <a:endParaRPr lang="en-US" dirty="0" smtClean="0"/>
+          </a:p>
+          <a:p>
+            <a:r>
+              <a:rPr lang="en-US" dirty="0" smtClean="0"/>
+              <a:t>.</a:t>
+            </a:r>
+          </a:p>
+          <a:p>
+            <a:r>
+              <a:rPr lang="en-US" dirty="0" smtClean="0"/>
+              <a:t>.</a:t>
+            </a:r>
+          </a:p>
+          <a:p>
+            <a:r>
+              <a:rPr lang="en-US" dirty="0" smtClean="0"/>
+              <a:t>.</a:t>
+            </a:r>
+          </a:p>
+          <a:p>
+            <a:r>
+              <a:rPr lang="en-US" dirty="0"/>
+              <a:t>.</a:t>
+            </a:r>
+          </a:p>
+        </p:txBody>
+      </p:sp>
+      <p:sp>
+        <p:nvSpPr>
+          <p:cNvPr id="18" name="Rectangle 17"/>
+          <p:cNvSpPr/>
+          <p:nvPr/>
+        </p:nvSpPr>
+        <p:spPr>
+          <a:xfrm>
+            <a:off x="866622" y="1183544"/>
+            <a:ext cx="1560893" cy="862969"/>
+          </a:xfrm>
+          <a:prstGeom prst="rect">
+            <a:avLst/>
+          </a:prstGeom>
+        </p:spPr>
+        <p:style>
+          <a:lnRef idx="2">
+            <a:schemeClr val="accent1">
+              <a:shade val="50000"/>
+            </a:schemeClr>
+          </a:lnRef>
+          <a:fillRef idx="1">
+            <a:schemeClr val="accent1"/>
+          </a:fillRef>
+          <a:effectRef idx="0">
+            <a:schemeClr val="accent1"/>
+          </a:effectRef>
+          <a:fontRef idx="minor">
+            <a:schemeClr val="lt1"/>
+          </a:fontRef>
+        </p:style>
+        <p:txBody>
+          <a:bodyPr rtlCol="0" anchor="ctr"/>
+          <a:lstStyle/>
+          <a:p>
+            <a:pPr algn="ctr"/>
+            <a:endParaRPr lang="en-US"/>
+          </a:p>
+        </p:txBody>
+      </p:sp>
+      <p:sp>
+        <p:nvSpPr>
+          <p:cNvPr id="19" name="Cloud 18"/>
+          <p:cNvSpPr/>
+          <p:nvPr/>
+        </p:nvSpPr>
+        <p:spPr>
+          <a:xfrm>
+            <a:off x="7941128" y="256695"/>
+            <a:ext cx="1807028" cy="1273628"/>
+          </a:xfrm>
+          <a:prstGeom prst="cloud">
+            <a:avLst/>
+          </a:prstGeom>
+        </p:spPr>
+        <p:style>
+          <a:lnRef idx="2">
+            <a:schemeClr val="accent1">
+              <a:shade val="50000"/>
+            </a:schemeClr>
+          </a:lnRef>
+          <a:fillRef idx="1">
+            <a:schemeClr val="accent1"/>
+          </a:fillRef>
+          <a:effectRef idx="0">
+            <a:schemeClr val="accent1"/>
+          </a:effectRef>
+          <a:fontRef idx="minor">
+            <a:schemeClr val="lt1"/>
+          </a:fontRef>
+        </p:style>
+        <p:txBody>
+          <a:bodyPr rtlCol="0" anchor="ctr"/>
+          <a:lstStyle/>
+          <a:p>
+            <a:pPr algn="ctr"/>
+            <a:endParaRPr lang="en-US"/>
+          </a:p>
+        </p:txBody>
+      </p:sp>
+    </p:spTree>
+    <p:extLst>
+      <p:ext uri="{BB962C8B-B14F-4D97-AF65-F5344CB8AC3E}">
+        <p14:creationId xmlns:p14="http://schemas.microsoft.com/office/powerpoint/2010/main" val="1125753750"/>
       </p:ext>
     </p:extLst>
   </p:cSld>

--- a/docs/high-level-architecture.pptx
+++ b/docs/high-level-architecture.pptx
@@ -199,7 +199,7 @@
           <a:p>
             <a:fld id="{2712D60C-53E1-EB4B-A0D4-1C1DBEDFE290}" type="datetimeFigureOut">
               <a:rPr lang="en-US" smtClean="0"/>
-              <a:t>9/21/17</a:t>
+              <a:t>9/22/17</a:t>
             </a:fld>
             <a:endParaRPr lang="en-US"/>
           </a:p>
@@ -598,7 +598,7 @@
           <a:p>
             <a:fld id="{7A578F14-283A-954B-93B6-F5883A28CC6E}" type="datetimeFigureOut">
               <a:rPr lang="en-US" smtClean="0"/>
-              <a:t>9/21/17</a:t>
+              <a:t>9/22/17</a:t>
             </a:fld>
             <a:endParaRPr lang="en-US"/>
           </a:p>
@@ -768,7 +768,7 @@
           <a:p>
             <a:fld id="{7A578F14-283A-954B-93B6-F5883A28CC6E}" type="datetimeFigureOut">
               <a:rPr lang="en-US" smtClean="0"/>
-              <a:t>9/21/17</a:t>
+              <a:t>9/22/17</a:t>
             </a:fld>
             <a:endParaRPr lang="en-US"/>
           </a:p>
@@ -948,7 +948,7 @@
           <a:p>
             <a:fld id="{7A578F14-283A-954B-93B6-F5883A28CC6E}" type="datetimeFigureOut">
               <a:rPr lang="en-US" smtClean="0"/>
-              <a:t>9/21/17</a:t>
+              <a:t>9/22/17</a:t>
             </a:fld>
             <a:endParaRPr lang="en-US"/>
           </a:p>
@@ -1118,7 +1118,7 @@
           <a:p>
             <a:fld id="{7A578F14-283A-954B-93B6-F5883A28CC6E}" type="datetimeFigureOut">
               <a:rPr lang="en-US" smtClean="0"/>
-              <a:t>9/21/17</a:t>
+              <a:t>9/22/17</a:t>
             </a:fld>
             <a:endParaRPr lang="en-US"/>
           </a:p>
@@ -1364,7 +1364,7 @@
           <a:p>
             <a:fld id="{7A578F14-283A-954B-93B6-F5883A28CC6E}" type="datetimeFigureOut">
               <a:rPr lang="en-US" smtClean="0"/>
-              <a:t>9/21/17</a:t>
+              <a:t>9/22/17</a:t>
             </a:fld>
             <a:endParaRPr lang="en-US"/>
           </a:p>
@@ -1596,7 +1596,7 @@
           <a:p>
             <a:fld id="{7A578F14-283A-954B-93B6-F5883A28CC6E}" type="datetimeFigureOut">
               <a:rPr lang="en-US" smtClean="0"/>
-              <a:t>9/21/17</a:t>
+              <a:t>9/22/17</a:t>
             </a:fld>
             <a:endParaRPr lang="en-US"/>
           </a:p>
@@ -1963,7 +1963,7 @@
           <a:p>
             <a:fld id="{7A578F14-283A-954B-93B6-F5883A28CC6E}" type="datetimeFigureOut">
               <a:rPr lang="en-US" smtClean="0"/>
-              <a:t>9/21/17</a:t>
+              <a:t>9/22/17</a:t>
             </a:fld>
             <a:endParaRPr lang="en-US"/>
           </a:p>
@@ -2081,7 +2081,7 @@
           <a:p>
             <a:fld id="{7A578F14-283A-954B-93B6-F5883A28CC6E}" type="datetimeFigureOut">
               <a:rPr lang="en-US" smtClean="0"/>
-              <a:t>9/21/17</a:t>
+              <a:t>9/22/17</a:t>
             </a:fld>
             <a:endParaRPr lang="en-US"/>
           </a:p>
@@ -2176,7 +2176,7 @@
           <a:p>
             <a:fld id="{7A578F14-283A-954B-93B6-F5883A28CC6E}" type="datetimeFigureOut">
               <a:rPr lang="en-US" smtClean="0"/>
-              <a:t>9/21/17</a:t>
+              <a:t>9/22/17</a:t>
             </a:fld>
             <a:endParaRPr lang="en-US"/>
           </a:p>
@@ -2453,7 +2453,7 @@
           <a:p>
             <a:fld id="{7A578F14-283A-954B-93B6-F5883A28CC6E}" type="datetimeFigureOut">
               <a:rPr lang="en-US" smtClean="0"/>
-              <a:t>9/21/17</a:t>
+              <a:t>9/22/17</a:t>
             </a:fld>
             <a:endParaRPr lang="en-US"/>
           </a:p>
@@ -2706,7 +2706,7 @@
           <a:p>
             <a:fld id="{7A578F14-283A-954B-93B6-F5883A28CC6E}" type="datetimeFigureOut">
               <a:rPr lang="en-US" smtClean="0"/>
-              <a:t>9/21/17</a:t>
+              <a:t>9/22/17</a:t>
             </a:fld>
             <a:endParaRPr lang="en-US"/>
           </a:p>
@@ -2919,7 +2919,7 @@
           <a:p>
             <a:fld id="{7A578F14-283A-954B-93B6-F5883A28CC6E}" type="datetimeFigureOut">
               <a:rPr lang="en-US" smtClean="0"/>
-              <a:t>9/21/17</a:t>
+              <a:t>9/22/17</a:t>
             </a:fld>
             <a:endParaRPr lang="en-US"/>
           </a:p>
@@ -5131,10 +5131,1060 @@
           </a:p>
         </p:txBody>
       </p:sp>
+      <p:sp>
+        <p:nvSpPr>
+          <p:cNvPr id="11" name="Rectangle 10"/>
+          <p:cNvSpPr/>
+          <p:nvPr/>
+        </p:nvSpPr>
+        <p:spPr>
+          <a:xfrm>
+            <a:off x="4776910" y="2170001"/>
+            <a:ext cx="2601685" cy="4049486"/>
+          </a:xfrm>
+          <a:prstGeom prst="rect">
+            <a:avLst/>
+          </a:prstGeom>
+          <a:noFill/>
+          <a:ln>
+            <a:solidFill>
+              <a:schemeClr val="bg1">
+                <a:lumMod val="65000"/>
+              </a:schemeClr>
+            </a:solidFill>
+          </a:ln>
+        </p:spPr>
+        <p:style>
+          <a:lnRef idx="2">
+            <a:schemeClr val="accent1">
+              <a:shade val="50000"/>
+            </a:schemeClr>
+          </a:lnRef>
+          <a:fillRef idx="1">
+            <a:schemeClr val="accent1"/>
+          </a:fillRef>
+          <a:effectRef idx="0">
+            <a:schemeClr val="accent1"/>
+          </a:effectRef>
+          <a:fontRef idx="minor">
+            <a:schemeClr val="lt1"/>
+          </a:fontRef>
+        </p:style>
+        <p:txBody>
+          <a:bodyPr rtlCol="0" anchor="ctr"/>
+          <a:lstStyle/>
+          <a:p>
+            <a:pPr algn="ctr"/>
+            <a:endParaRPr lang="en-US"/>
+          </a:p>
+        </p:txBody>
+      </p:sp>
+      <p:sp>
+        <p:nvSpPr>
+          <p:cNvPr id="3" name="Rectangle 2"/>
+          <p:cNvSpPr/>
+          <p:nvPr/>
+        </p:nvSpPr>
+        <p:spPr>
+          <a:xfrm>
+            <a:off x="4776910" y="2190572"/>
+            <a:ext cx="2601685" cy="830534"/>
+          </a:xfrm>
+          <a:prstGeom prst="rect">
+            <a:avLst/>
+          </a:prstGeom>
+          <a:noFill/>
+          <a:ln>
+            <a:solidFill>
+              <a:schemeClr val="accent1"/>
+            </a:solidFill>
+          </a:ln>
+        </p:spPr>
+        <p:style>
+          <a:lnRef idx="2">
+            <a:schemeClr val="accent1">
+              <a:shade val="50000"/>
+            </a:schemeClr>
+          </a:lnRef>
+          <a:fillRef idx="1">
+            <a:schemeClr val="accent1"/>
+          </a:fillRef>
+          <a:effectRef idx="0">
+            <a:schemeClr val="accent1"/>
+          </a:effectRef>
+          <a:fontRef idx="minor">
+            <a:schemeClr val="lt1"/>
+          </a:fontRef>
+        </p:style>
+        <p:txBody>
+          <a:bodyPr rtlCol="0" anchor="ctr"/>
+          <a:lstStyle/>
+          <a:p>
+            <a:pPr algn="ctr"/>
+            <a:endParaRPr lang="en-US"/>
+          </a:p>
+        </p:txBody>
+      </p:sp>
+      <p:sp>
+        <p:nvSpPr>
+          <p:cNvPr id="4" name="Rectangle 3"/>
+          <p:cNvSpPr/>
+          <p:nvPr/>
+        </p:nvSpPr>
+        <p:spPr>
+          <a:xfrm>
+            <a:off x="5029200" y="2366682"/>
+            <a:ext cx="546847" cy="490427"/>
+          </a:xfrm>
+          <a:prstGeom prst="rect">
+            <a:avLst/>
+          </a:prstGeom>
+        </p:spPr>
+        <p:style>
+          <a:lnRef idx="2">
+            <a:schemeClr val="accent1">
+              <a:shade val="50000"/>
+            </a:schemeClr>
+          </a:lnRef>
+          <a:fillRef idx="1">
+            <a:schemeClr val="accent1"/>
+          </a:fillRef>
+          <a:effectRef idx="0">
+            <a:schemeClr val="accent1"/>
+          </a:effectRef>
+          <a:fontRef idx="minor">
+            <a:schemeClr val="lt1"/>
+          </a:fontRef>
+        </p:style>
+        <p:txBody>
+          <a:bodyPr rtlCol="0" anchor="ctr"/>
+          <a:lstStyle/>
+          <a:p>
+            <a:pPr algn="ctr"/>
+            <a:endParaRPr lang="en-US"/>
+          </a:p>
+        </p:txBody>
+      </p:sp>
+      <p:sp>
+        <p:nvSpPr>
+          <p:cNvPr id="5" name="TextBox 4"/>
+          <p:cNvSpPr txBox="1"/>
+          <p:nvPr/>
+        </p:nvSpPr>
+        <p:spPr>
+          <a:xfrm>
+            <a:off x="5665694" y="2236507"/>
+            <a:ext cx="954300" cy="369332"/>
+          </a:xfrm>
+          <a:prstGeom prst="rect">
+            <a:avLst/>
+          </a:prstGeom>
+          <a:noFill/>
+        </p:spPr>
+        <p:txBody>
+          <a:bodyPr wrap="none" rtlCol="0">
+            <a:spAutoFit/>
+          </a:bodyPr>
+          <a:lstStyle/>
+          <a:p>
+            <a:r>
+              <a:rPr lang="en-US" smtClean="0"/>
+              <a:t>Nombre</a:t>
+            </a:r>
+            <a:endParaRPr lang="en-US" dirty="0"/>
+          </a:p>
+        </p:txBody>
+      </p:sp>
+      <p:sp>
+        <p:nvSpPr>
+          <p:cNvPr id="21" name="TextBox 20"/>
+          <p:cNvSpPr txBox="1"/>
+          <p:nvPr/>
+        </p:nvSpPr>
+        <p:spPr>
+          <a:xfrm>
+            <a:off x="5665694" y="2529244"/>
+            <a:ext cx="699872" cy="369332"/>
+          </a:xfrm>
+          <a:prstGeom prst="rect">
+            <a:avLst/>
+          </a:prstGeom>
+          <a:noFill/>
+        </p:spPr>
+        <p:txBody>
+          <a:bodyPr wrap="none" rtlCol="0">
+            <a:spAutoFit/>
+          </a:bodyPr>
+          <a:lstStyle/>
+          <a:p>
+            <a:r>
+              <a:rPr lang="en-US" dirty="0" smtClean="0"/>
+              <a:t>Lugar</a:t>
+            </a:r>
+            <a:endParaRPr lang="en-US" dirty="0"/>
+          </a:p>
+        </p:txBody>
+      </p:sp>
+      <p:sp>
+        <p:nvSpPr>
+          <p:cNvPr id="22" name="Rectangle 21"/>
+          <p:cNvSpPr/>
+          <p:nvPr/>
+        </p:nvSpPr>
+        <p:spPr>
+          <a:xfrm>
+            <a:off x="4776910" y="3021106"/>
+            <a:ext cx="2601685" cy="830534"/>
+          </a:xfrm>
+          <a:prstGeom prst="rect">
+            <a:avLst/>
+          </a:prstGeom>
+          <a:noFill/>
+          <a:ln>
+            <a:solidFill>
+              <a:schemeClr val="accent1"/>
+            </a:solidFill>
+          </a:ln>
+        </p:spPr>
+        <p:style>
+          <a:lnRef idx="2">
+            <a:schemeClr val="accent1">
+              <a:shade val="50000"/>
+            </a:schemeClr>
+          </a:lnRef>
+          <a:fillRef idx="1">
+            <a:schemeClr val="accent1"/>
+          </a:fillRef>
+          <a:effectRef idx="0">
+            <a:schemeClr val="accent1"/>
+          </a:effectRef>
+          <a:fontRef idx="minor">
+            <a:schemeClr val="lt1"/>
+          </a:fontRef>
+        </p:style>
+        <p:txBody>
+          <a:bodyPr rtlCol="0" anchor="ctr"/>
+          <a:lstStyle/>
+          <a:p>
+            <a:pPr algn="ctr"/>
+            <a:endParaRPr lang="en-US"/>
+          </a:p>
+        </p:txBody>
+      </p:sp>
+      <p:sp>
+        <p:nvSpPr>
+          <p:cNvPr id="23" name="Rectangle 22"/>
+          <p:cNvSpPr/>
+          <p:nvPr/>
+        </p:nvSpPr>
+        <p:spPr>
+          <a:xfrm>
+            <a:off x="5029200" y="3197216"/>
+            <a:ext cx="546847" cy="490427"/>
+          </a:xfrm>
+          <a:prstGeom prst="rect">
+            <a:avLst/>
+          </a:prstGeom>
+        </p:spPr>
+        <p:style>
+          <a:lnRef idx="2">
+            <a:schemeClr val="accent1">
+              <a:shade val="50000"/>
+            </a:schemeClr>
+          </a:lnRef>
+          <a:fillRef idx="1">
+            <a:schemeClr val="accent1"/>
+          </a:fillRef>
+          <a:effectRef idx="0">
+            <a:schemeClr val="accent1"/>
+          </a:effectRef>
+          <a:fontRef idx="minor">
+            <a:schemeClr val="lt1"/>
+          </a:fontRef>
+        </p:style>
+        <p:txBody>
+          <a:bodyPr rtlCol="0" anchor="ctr"/>
+          <a:lstStyle/>
+          <a:p>
+            <a:pPr algn="ctr"/>
+            <a:endParaRPr lang="en-US"/>
+          </a:p>
+        </p:txBody>
+      </p:sp>
+      <p:sp>
+        <p:nvSpPr>
+          <p:cNvPr id="24" name="TextBox 23"/>
+          <p:cNvSpPr txBox="1"/>
+          <p:nvPr/>
+        </p:nvSpPr>
+        <p:spPr>
+          <a:xfrm>
+            <a:off x="5665694" y="3067041"/>
+            <a:ext cx="954300" cy="369332"/>
+          </a:xfrm>
+          <a:prstGeom prst="rect">
+            <a:avLst/>
+          </a:prstGeom>
+          <a:noFill/>
+        </p:spPr>
+        <p:txBody>
+          <a:bodyPr wrap="none" rtlCol="0">
+            <a:spAutoFit/>
+          </a:bodyPr>
+          <a:lstStyle/>
+          <a:p>
+            <a:r>
+              <a:rPr lang="en-US" smtClean="0"/>
+              <a:t>Nombre</a:t>
+            </a:r>
+            <a:endParaRPr lang="en-US" dirty="0"/>
+          </a:p>
+        </p:txBody>
+      </p:sp>
+      <p:sp>
+        <p:nvSpPr>
+          <p:cNvPr id="25" name="TextBox 24"/>
+          <p:cNvSpPr txBox="1"/>
+          <p:nvPr/>
+        </p:nvSpPr>
+        <p:spPr>
+          <a:xfrm>
+            <a:off x="5665694" y="3359778"/>
+            <a:ext cx="699872" cy="369332"/>
+          </a:xfrm>
+          <a:prstGeom prst="rect">
+            <a:avLst/>
+          </a:prstGeom>
+          <a:noFill/>
+        </p:spPr>
+        <p:txBody>
+          <a:bodyPr wrap="none" rtlCol="0">
+            <a:spAutoFit/>
+          </a:bodyPr>
+          <a:lstStyle/>
+          <a:p>
+            <a:r>
+              <a:rPr lang="en-US" dirty="0" smtClean="0"/>
+              <a:t>Lugar</a:t>
+            </a:r>
+            <a:endParaRPr lang="en-US" dirty="0"/>
+          </a:p>
+        </p:txBody>
+      </p:sp>
+      <p:sp>
+        <p:nvSpPr>
+          <p:cNvPr id="26" name="Rectangle 25"/>
+          <p:cNvSpPr/>
+          <p:nvPr/>
+        </p:nvSpPr>
+        <p:spPr>
+          <a:xfrm>
+            <a:off x="4776910" y="3851640"/>
+            <a:ext cx="2601685" cy="830534"/>
+          </a:xfrm>
+          <a:prstGeom prst="rect">
+            <a:avLst/>
+          </a:prstGeom>
+          <a:noFill/>
+          <a:ln>
+            <a:solidFill>
+              <a:schemeClr val="accent1"/>
+            </a:solidFill>
+          </a:ln>
+        </p:spPr>
+        <p:style>
+          <a:lnRef idx="2">
+            <a:schemeClr val="accent1">
+              <a:shade val="50000"/>
+            </a:schemeClr>
+          </a:lnRef>
+          <a:fillRef idx="1">
+            <a:schemeClr val="accent1"/>
+          </a:fillRef>
+          <a:effectRef idx="0">
+            <a:schemeClr val="accent1"/>
+          </a:effectRef>
+          <a:fontRef idx="minor">
+            <a:schemeClr val="lt1"/>
+          </a:fontRef>
+        </p:style>
+        <p:txBody>
+          <a:bodyPr rtlCol="0" anchor="ctr"/>
+          <a:lstStyle/>
+          <a:p>
+            <a:pPr algn="ctr"/>
+            <a:endParaRPr lang="en-US"/>
+          </a:p>
+        </p:txBody>
+      </p:sp>
+      <p:sp>
+        <p:nvSpPr>
+          <p:cNvPr id="27" name="Rectangle 26"/>
+          <p:cNvSpPr/>
+          <p:nvPr/>
+        </p:nvSpPr>
+        <p:spPr>
+          <a:xfrm>
+            <a:off x="5029200" y="4027750"/>
+            <a:ext cx="546847" cy="490427"/>
+          </a:xfrm>
+          <a:prstGeom prst="rect">
+            <a:avLst/>
+          </a:prstGeom>
+        </p:spPr>
+        <p:style>
+          <a:lnRef idx="2">
+            <a:schemeClr val="accent1">
+              <a:shade val="50000"/>
+            </a:schemeClr>
+          </a:lnRef>
+          <a:fillRef idx="1">
+            <a:schemeClr val="accent1"/>
+          </a:fillRef>
+          <a:effectRef idx="0">
+            <a:schemeClr val="accent1"/>
+          </a:effectRef>
+          <a:fontRef idx="minor">
+            <a:schemeClr val="lt1"/>
+          </a:fontRef>
+        </p:style>
+        <p:txBody>
+          <a:bodyPr rtlCol="0" anchor="ctr"/>
+          <a:lstStyle/>
+          <a:p>
+            <a:pPr algn="ctr"/>
+            <a:endParaRPr lang="en-US"/>
+          </a:p>
+        </p:txBody>
+      </p:sp>
+      <p:sp>
+        <p:nvSpPr>
+          <p:cNvPr id="28" name="TextBox 27"/>
+          <p:cNvSpPr txBox="1"/>
+          <p:nvPr/>
+        </p:nvSpPr>
+        <p:spPr>
+          <a:xfrm>
+            <a:off x="5665694" y="3897575"/>
+            <a:ext cx="954300" cy="369332"/>
+          </a:xfrm>
+          <a:prstGeom prst="rect">
+            <a:avLst/>
+          </a:prstGeom>
+          <a:noFill/>
+        </p:spPr>
+        <p:txBody>
+          <a:bodyPr wrap="none" rtlCol="0">
+            <a:spAutoFit/>
+          </a:bodyPr>
+          <a:lstStyle/>
+          <a:p>
+            <a:r>
+              <a:rPr lang="en-US" smtClean="0"/>
+              <a:t>Nombre</a:t>
+            </a:r>
+            <a:endParaRPr lang="en-US" dirty="0"/>
+          </a:p>
+        </p:txBody>
+      </p:sp>
+      <p:sp>
+        <p:nvSpPr>
+          <p:cNvPr id="29" name="TextBox 28"/>
+          <p:cNvSpPr txBox="1"/>
+          <p:nvPr/>
+        </p:nvSpPr>
+        <p:spPr>
+          <a:xfrm>
+            <a:off x="5665694" y="4190312"/>
+            <a:ext cx="699872" cy="369332"/>
+          </a:xfrm>
+          <a:prstGeom prst="rect">
+            <a:avLst/>
+          </a:prstGeom>
+          <a:noFill/>
+        </p:spPr>
+        <p:txBody>
+          <a:bodyPr wrap="none" rtlCol="0">
+            <a:spAutoFit/>
+          </a:bodyPr>
+          <a:lstStyle/>
+          <a:p>
+            <a:r>
+              <a:rPr lang="en-US" dirty="0" smtClean="0"/>
+              <a:t>Lugar</a:t>
+            </a:r>
+            <a:endParaRPr lang="en-US" dirty="0"/>
+          </a:p>
+        </p:txBody>
+      </p:sp>
+      <p:sp>
+        <p:nvSpPr>
+          <p:cNvPr id="30" name="Rectangle 29"/>
+          <p:cNvSpPr/>
+          <p:nvPr/>
+        </p:nvSpPr>
+        <p:spPr>
+          <a:xfrm>
+            <a:off x="4776910" y="4682174"/>
+            <a:ext cx="2601685" cy="830534"/>
+          </a:xfrm>
+          <a:prstGeom prst="rect">
+            <a:avLst/>
+          </a:prstGeom>
+          <a:noFill/>
+          <a:ln>
+            <a:solidFill>
+              <a:schemeClr val="accent1"/>
+            </a:solidFill>
+          </a:ln>
+        </p:spPr>
+        <p:style>
+          <a:lnRef idx="2">
+            <a:schemeClr val="accent1">
+              <a:shade val="50000"/>
+            </a:schemeClr>
+          </a:lnRef>
+          <a:fillRef idx="1">
+            <a:schemeClr val="accent1"/>
+          </a:fillRef>
+          <a:effectRef idx="0">
+            <a:schemeClr val="accent1"/>
+          </a:effectRef>
+          <a:fontRef idx="minor">
+            <a:schemeClr val="lt1"/>
+          </a:fontRef>
+        </p:style>
+        <p:txBody>
+          <a:bodyPr rtlCol="0" anchor="ctr"/>
+          <a:lstStyle/>
+          <a:p>
+            <a:pPr algn="ctr"/>
+            <a:endParaRPr lang="en-US"/>
+          </a:p>
+        </p:txBody>
+      </p:sp>
+      <p:sp>
+        <p:nvSpPr>
+          <p:cNvPr id="31" name="Rectangle 30"/>
+          <p:cNvSpPr/>
+          <p:nvPr/>
+        </p:nvSpPr>
+        <p:spPr>
+          <a:xfrm>
+            <a:off x="5029200" y="4858284"/>
+            <a:ext cx="546847" cy="490427"/>
+          </a:xfrm>
+          <a:prstGeom prst="rect">
+            <a:avLst/>
+          </a:prstGeom>
+        </p:spPr>
+        <p:style>
+          <a:lnRef idx="2">
+            <a:schemeClr val="accent1">
+              <a:shade val="50000"/>
+            </a:schemeClr>
+          </a:lnRef>
+          <a:fillRef idx="1">
+            <a:schemeClr val="accent1"/>
+          </a:fillRef>
+          <a:effectRef idx="0">
+            <a:schemeClr val="accent1"/>
+          </a:effectRef>
+          <a:fontRef idx="minor">
+            <a:schemeClr val="lt1"/>
+          </a:fontRef>
+        </p:style>
+        <p:txBody>
+          <a:bodyPr rtlCol="0" anchor="ctr"/>
+          <a:lstStyle/>
+          <a:p>
+            <a:pPr algn="ctr"/>
+            <a:endParaRPr lang="en-US"/>
+          </a:p>
+        </p:txBody>
+      </p:sp>
+      <p:sp>
+        <p:nvSpPr>
+          <p:cNvPr id="32" name="TextBox 31"/>
+          <p:cNvSpPr txBox="1"/>
+          <p:nvPr/>
+        </p:nvSpPr>
+        <p:spPr>
+          <a:xfrm>
+            <a:off x="5665694" y="4728109"/>
+            <a:ext cx="954300" cy="369332"/>
+          </a:xfrm>
+          <a:prstGeom prst="rect">
+            <a:avLst/>
+          </a:prstGeom>
+          <a:noFill/>
+        </p:spPr>
+        <p:txBody>
+          <a:bodyPr wrap="none" rtlCol="0">
+            <a:spAutoFit/>
+          </a:bodyPr>
+          <a:lstStyle/>
+          <a:p>
+            <a:r>
+              <a:rPr lang="en-US" smtClean="0"/>
+              <a:t>Nombre</a:t>
+            </a:r>
+            <a:endParaRPr lang="en-US" dirty="0"/>
+          </a:p>
+        </p:txBody>
+      </p:sp>
+      <p:sp>
+        <p:nvSpPr>
+          <p:cNvPr id="33" name="TextBox 32"/>
+          <p:cNvSpPr txBox="1"/>
+          <p:nvPr/>
+        </p:nvSpPr>
+        <p:spPr>
+          <a:xfrm>
+            <a:off x="5665694" y="5020846"/>
+            <a:ext cx="699872" cy="369332"/>
+          </a:xfrm>
+          <a:prstGeom prst="rect">
+            <a:avLst/>
+          </a:prstGeom>
+          <a:noFill/>
+        </p:spPr>
+        <p:txBody>
+          <a:bodyPr wrap="none" rtlCol="0">
+            <a:spAutoFit/>
+          </a:bodyPr>
+          <a:lstStyle/>
+          <a:p>
+            <a:r>
+              <a:rPr lang="en-US" dirty="0" smtClean="0"/>
+              <a:t>Lugar</a:t>
+            </a:r>
+            <a:endParaRPr lang="en-US" dirty="0"/>
+          </a:p>
+        </p:txBody>
+      </p:sp>
+      <p:sp>
+        <p:nvSpPr>
+          <p:cNvPr id="34" name="Rectangle 33"/>
+          <p:cNvSpPr/>
+          <p:nvPr/>
+        </p:nvSpPr>
+        <p:spPr>
+          <a:xfrm>
+            <a:off x="4776910" y="5517902"/>
+            <a:ext cx="2601685" cy="830534"/>
+          </a:xfrm>
+          <a:prstGeom prst="rect">
+            <a:avLst/>
+          </a:prstGeom>
+          <a:noFill/>
+          <a:ln>
+            <a:solidFill>
+              <a:schemeClr val="accent1"/>
+            </a:solidFill>
+          </a:ln>
+        </p:spPr>
+        <p:style>
+          <a:lnRef idx="2">
+            <a:schemeClr val="accent1">
+              <a:shade val="50000"/>
+            </a:schemeClr>
+          </a:lnRef>
+          <a:fillRef idx="1">
+            <a:schemeClr val="accent1"/>
+          </a:fillRef>
+          <a:effectRef idx="0">
+            <a:schemeClr val="accent1"/>
+          </a:effectRef>
+          <a:fontRef idx="minor">
+            <a:schemeClr val="lt1"/>
+          </a:fontRef>
+        </p:style>
+        <p:txBody>
+          <a:bodyPr rtlCol="0" anchor="ctr"/>
+          <a:lstStyle/>
+          <a:p>
+            <a:pPr algn="ctr"/>
+            <a:endParaRPr lang="en-US"/>
+          </a:p>
+        </p:txBody>
+      </p:sp>
+      <p:sp>
+        <p:nvSpPr>
+          <p:cNvPr id="35" name="Rectangle 34"/>
+          <p:cNvSpPr/>
+          <p:nvPr/>
+        </p:nvSpPr>
+        <p:spPr>
+          <a:xfrm>
+            <a:off x="5029200" y="5694012"/>
+            <a:ext cx="546847" cy="490427"/>
+          </a:xfrm>
+          <a:prstGeom prst="rect">
+            <a:avLst/>
+          </a:prstGeom>
+        </p:spPr>
+        <p:style>
+          <a:lnRef idx="2">
+            <a:schemeClr val="accent1">
+              <a:shade val="50000"/>
+            </a:schemeClr>
+          </a:lnRef>
+          <a:fillRef idx="1">
+            <a:schemeClr val="accent1"/>
+          </a:fillRef>
+          <a:effectRef idx="0">
+            <a:schemeClr val="accent1"/>
+          </a:effectRef>
+          <a:fontRef idx="minor">
+            <a:schemeClr val="lt1"/>
+          </a:fontRef>
+        </p:style>
+        <p:txBody>
+          <a:bodyPr rtlCol="0" anchor="ctr"/>
+          <a:lstStyle/>
+          <a:p>
+            <a:pPr algn="ctr"/>
+            <a:endParaRPr lang="en-US"/>
+          </a:p>
+        </p:txBody>
+      </p:sp>
+      <p:sp>
+        <p:nvSpPr>
+          <p:cNvPr id="36" name="TextBox 35"/>
+          <p:cNvSpPr txBox="1"/>
+          <p:nvPr/>
+        </p:nvSpPr>
+        <p:spPr>
+          <a:xfrm>
+            <a:off x="5665694" y="5563837"/>
+            <a:ext cx="954300" cy="369332"/>
+          </a:xfrm>
+          <a:prstGeom prst="rect">
+            <a:avLst/>
+          </a:prstGeom>
+          <a:noFill/>
+        </p:spPr>
+        <p:txBody>
+          <a:bodyPr wrap="none" rtlCol="0">
+            <a:spAutoFit/>
+          </a:bodyPr>
+          <a:lstStyle/>
+          <a:p>
+            <a:r>
+              <a:rPr lang="en-US" smtClean="0"/>
+              <a:t>Nombre</a:t>
+            </a:r>
+            <a:endParaRPr lang="en-US" dirty="0"/>
+          </a:p>
+        </p:txBody>
+      </p:sp>
+      <p:sp>
+        <p:nvSpPr>
+          <p:cNvPr id="37" name="TextBox 36"/>
+          <p:cNvSpPr txBox="1"/>
+          <p:nvPr/>
+        </p:nvSpPr>
+        <p:spPr>
+          <a:xfrm>
+            <a:off x="5665694" y="5856574"/>
+            <a:ext cx="699872" cy="369332"/>
+          </a:xfrm>
+          <a:prstGeom prst="rect">
+            <a:avLst/>
+          </a:prstGeom>
+          <a:noFill/>
+        </p:spPr>
+        <p:txBody>
+          <a:bodyPr wrap="none" rtlCol="0">
+            <a:spAutoFit/>
+          </a:bodyPr>
+          <a:lstStyle/>
+          <a:p>
+            <a:r>
+              <a:rPr lang="en-US" dirty="0" smtClean="0"/>
+              <a:t>Lugar</a:t>
+            </a:r>
+            <a:endParaRPr lang="en-US" dirty="0"/>
+          </a:p>
+        </p:txBody>
+      </p:sp>
+      <p:sp>
+        <p:nvSpPr>
+          <p:cNvPr id="38" name="Rectangle 37"/>
+          <p:cNvSpPr/>
+          <p:nvPr/>
+        </p:nvSpPr>
+        <p:spPr>
+          <a:xfrm>
+            <a:off x="8447313" y="2253606"/>
+            <a:ext cx="2601685" cy="4049486"/>
+          </a:xfrm>
+          <a:prstGeom prst="rect">
+            <a:avLst/>
+          </a:prstGeom>
+          <a:noFill/>
+          <a:ln>
+            <a:solidFill>
+              <a:schemeClr val="bg1">
+                <a:lumMod val="65000"/>
+              </a:schemeClr>
+            </a:solidFill>
+          </a:ln>
+        </p:spPr>
+        <p:style>
+          <a:lnRef idx="2">
+            <a:schemeClr val="accent1">
+              <a:shade val="50000"/>
+            </a:schemeClr>
+          </a:lnRef>
+          <a:fillRef idx="1">
+            <a:schemeClr val="accent1"/>
+          </a:fillRef>
+          <a:effectRef idx="0">
+            <a:schemeClr val="accent1"/>
+          </a:effectRef>
+          <a:fontRef idx="minor">
+            <a:schemeClr val="lt1"/>
+          </a:fontRef>
+        </p:style>
+        <p:txBody>
+          <a:bodyPr rtlCol="0" anchor="ctr"/>
+          <a:lstStyle/>
+          <a:p>
+            <a:pPr algn="ctr"/>
+            <a:endParaRPr lang="en-US"/>
+          </a:p>
+        </p:txBody>
+      </p:sp>
+      <p:sp>
+        <p:nvSpPr>
+          <p:cNvPr id="40" name="TextBox 39"/>
+          <p:cNvSpPr txBox="1"/>
+          <p:nvPr/>
+        </p:nvSpPr>
+        <p:spPr>
+          <a:xfrm>
+            <a:off x="8464848" y="2341865"/>
+            <a:ext cx="954300" cy="369332"/>
+          </a:xfrm>
+          <a:prstGeom prst="rect">
+            <a:avLst/>
+          </a:prstGeom>
+          <a:noFill/>
+        </p:spPr>
+        <p:txBody>
+          <a:bodyPr wrap="none" rtlCol="0">
+            <a:spAutoFit/>
+          </a:bodyPr>
+          <a:lstStyle/>
+          <a:p>
+            <a:r>
+              <a:rPr lang="en-US" dirty="0" err="1" smtClean="0"/>
+              <a:t>Nombre</a:t>
+            </a:r>
+            <a:endParaRPr lang="en-US" dirty="0"/>
+          </a:p>
+        </p:txBody>
+      </p:sp>
+      <p:sp>
+        <p:nvSpPr>
+          <p:cNvPr id="41" name="TextBox 40"/>
+          <p:cNvSpPr txBox="1"/>
+          <p:nvPr/>
+        </p:nvSpPr>
+        <p:spPr>
+          <a:xfrm>
+            <a:off x="8560233" y="3884054"/>
+            <a:ext cx="1399555" cy="923330"/>
+          </a:xfrm>
+          <a:prstGeom prst="rect">
+            <a:avLst/>
+          </a:prstGeom>
+          <a:noFill/>
+        </p:spPr>
+        <p:txBody>
+          <a:bodyPr wrap="square" rtlCol="0">
+            <a:spAutoFit/>
+          </a:bodyPr>
+          <a:lstStyle/>
+          <a:p>
+            <a:r>
+              <a:rPr lang="en-US" dirty="0" err="1" smtClean="0"/>
+              <a:t>Datos</a:t>
+            </a:r>
+            <a:r>
+              <a:rPr lang="en-US" dirty="0" smtClean="0"/>
+              <a:t> Lugar</a:t>
+            </a:r>
+            <a:endParaRPr lang="en-US" dirty="0" smtClean="0"/>
+          </a:p>
+          <a:p>
+            <a:r>
+              <a:rPr lang="en-US" dirty="0" err="1" smtClean="0"/>
+              <a:t>Telefóno</a:t>
+            </a:r>
+            <a:endParaRPr lang="en-US" dirty="0" smtClean="0"/>
+          </a:p>
+          <a:p>
+            <a:r>
+              <a:rPr lang="en-US" dirty="0" err="1" smtClean="0"/>
+              <a:t>Dirección</a:t>
+            </a:r>
+            <a:endParaRPr lang="en-US" dirty="0" smtClean="0"/>
+          </a:p>
+        </p:txBody>
+      </p:sp>
+      <p:sp>
+        <p:nvSpPr>
+          <p:cNvPr id="42" name="Rectangle 41"/>
+          <p:cNvSpPr/>
+          <p:nvPr/>
+        </p:nvSpPr>
+        <p:spPr>
+          <a:xfrm>
+            <a:off x="8967708" y="2866141"/>
+            <a:ext cx="1560893" cy="862969"/>
+          </a:xfrm>
+          <a:prstGeom prst="rect">
+            <a:avLst/>
+          </a:prstGeom>
+        </p:spPr>
+        <p:style>
+          <a:lnRef idx="2">
+            <a:schemeClr val="accent1">
+              <a:shade val="50000"/>
+            </a:schemeClr>
+          </a:lnRef>
+          <a:fillRef idx="1">
+            <a:schemeClr val="accent1"/>
+          </a:fillRef>
+          <a:effectRef idx="0">
+            <a:schemeClr val="accent1"/>
+          </a:effectRef>
+          <a:fontRef idx="minor">
+            <a:schemeClr val="lt1"/>
+          </a:fontRef>
+        </p:style>
+        <p:txBody>
+          <a:bodyPr rtlCol="0" anchor="ctr"/>
+          <a:lstStyle/>
+          <a:p>
+            <a:pPr algn="ctr"/>
+            <a:endParaRPr lang="en-US"/>
+          </a:p>
+        </p:txBody>
+      </p:sp>
+      <p:sp>
+        <p:nvSpPr>
+          <p:cNvPr id="6" name="Rectangle 5"/>
+          <p:cNvSpPr/>
+          <p:nvPr/>
+        </p:nvSpPr>
+        <p:spPr>
+          <a:xfrm>
+            <a:off x="8560233" y="5020470"/>
+            <a:ext cx="2349813" cy="1020394"/>
+          </a:xfrm>
+          <a:prstGeom prst="rect">
+            <a:avLst/>
+          </a:prstGeom>
+        </p:spPr>
+        <p:style>
+          <a:lnRef idx="2">
+            <a:schemeClr val="accent1">
+              <a:shade val="50000"/>
+            </a:schemeClr>
+          </a:lnRef>
+          <a:fillRef idx="1">
+            <a:schemeClr val="accent1"/>
+          </a:fillRef>
+          <a:effectRef idx="0">
+            <a:schemeClr val="accent1"/>
+          </a:effectRef>
+          <a:fontRef idx="minor">
+            <a:schemeClr val="lt1"/>
+          </a:fontRef>
+        </p:style>
+        <p:txBody>
+          <a:bodyPr rtlCol="0" anchor="ctr"/>
+          <a:lstStyle/>
+          <a:p>
+            <a:pPr algn="ctr"/>
+            <a:endParaRPr lang="en-US"/>
+          </a:p>
+        </p:txBody>
+      </p:sp>
+      <p:cxnSp>
+        <p:nvCxnSpPr>
+          <p:cNvPr id="43" name="Straight Arrow Connector 42"/>
+          <p:cNvCxnSpPr/>
+          <p:nvPr/>
+        </p:nvCxnSpPr>
+        <p:spPr>
+          <a:xfrm>
+            <a:off x="2312894" y="3436373"/>
+            <a:ext cx="2581835" cy="830534"/>
+          </a:xfrm>
+          <a:prstGeom prst="straightConnector1">
+            <a:avLst/>
+          </a:prstGeom>
+          <a:ln>
+            <a:tailEnd type="triangle"/>
+          </a:ln>
+        </p:spPr>
+        <p:style>
+          <a:lnRef idx="1">
+            <a:schemeClr val="accent1"/>
+          </a:lnRef>
+          <a:fillRef idx="0">
+            <a:schemeClr val="accent1"/>
+          </a:fillRef>
+          <a:effectRef idx="0">
+            <a:schemeClr val="accent1"/>
+          </a:effectRef>
+          <a:fontRef idx="minor">
+            <a:schemeClr val="tx1"/>
+          </a:fontRef>
+        </p:style>
+      </p:cxnSp>
+      <p:cxnSp>
+        <p:nvCxnSpPr>
+          <p:cNvPr id="44" name="Straight Arrow Connector 43"/>
+          <p:cNvCxnSpPr/>
+          <p:nvPr/>
+        </p:nvCxnSpPr>
+        <p:spPr>
+          <a:xfrm>
+            <a:off x="6916047" y="3265212"/>
+            <a:ext cx="1824541" cy="302275"/>
+          </a:xfrm>
+          <a:prstGeom prst="straightConnector1">
+            <a:avLst/>
+          </a:prstGeom>
+          <a:ln>
+            <a:tailEnd type="triangle"/>
+          </a:ln>
+        </p:spPr>
+        <p:style>
+          <a:lnRef idx="1">
+            <a:schemeClr val="accent1"/>
+          </a:lnRef>
+          <a:fillRef idx="0">
+            <a:schemeClr val="accent1"/>
+          </a:fillRef>
+          <a:effectRef idx="0">
+            <a:schemeClr val="accent1"/>
+          </a:effectRef>
+          <a:fontRef idx="minor">
+            <a:schemeClr val="tx1"/>
+          </a:fontRef>
+        </p:style>
+      </p:cxnSp>
     </p:spTree>
     <p:extLst>
       <p:ext uri="{BB962C8B-B14F-4D97-AF65-F5344CB8AC3E}">
-        <p14:creationId xmlns:p14="http://schemas.microsoft.com/office/powerpoint/2010/main" val="1125753750"/>
+        <p14:creationId xmlns:p14="http://schemas.microsoft.com/office/powerpoint/2010/main" val="150213315"/>
       </p:ext>
     </p:extLst>
   </p:cSld>

--- a/docs/high-level-architecture.pptx
+++ b/docs/high-level-architecture.pptx
@@ -10,7 +10,7 @@
   <p:sldIdLst>
     <p:sldId id="256" r:id="rId2"/>
     <p:sldId id="257" r:id="rId3"/>
-    <p:sldId id="258" r:id="rId4"/>
+    <p:sldId id="259" r:id="rId4"/>
   </p:sldIdLst>
   <p:sldSz cx="12192000" cy="6858000"/>
   <p:notesSz cx="6858000" cy="9144000"/>
@@ -4161,20 +4161,13 @@
         </p:nvSpPr>
         <p:spPr>
           <a:xfrm>
-            <a:off x="1589314" y="1698171"/>
+            <a:off x="489857" y="326571"/>
             <a:ext cx="2601685" cy="4049486"/>
           </a:xfrm>
           <a:prstGeom prst="rect">
             <a:avLst/>
           </a:prstGeom>
-          <a:noFill/>
-          <a:ln>
-            <a:solidFill>
-              <a:schemeClr val="bg1">
-                <a:lumMod val="65000"/>
-              </a:schemeClr>
-            </a:solidFill>
-          </a:ln>
+          <a:ln/>
         </p:spPr>
         <p:style>
           <a:lnRef idx="2">
@@ -4209,12 +4202,156 @@
         </p:nvSpPr>
         <p:spPr>
           <a:xfrm>
-            <a:off x="2111827" y="3036821"/>
+            <a:off x="1012369" y="1413367"/>
             <a:ext cx="1556657" cy="381000"/>
           </a:xfrm>
           <a:prstGeom prst="rect">
             <a:avLst/>
           </a:prstGeom>
+          <a:solidFill>
+            <a:schemeClr val="accent4">
+              <a:lumMod val="60000"/>
+              <a:lumOff val="40000"/>
+            </a:schemeClr>
+          </a:solidFill>
+        </p:spPr>
+        <p:style>
+          <a:lnRef idx="2">
+            <a:schemeClr val="accent1"/>
+          </a:lnRef>
+          <a:fillRef idx="1">
+            <a:schemeClr val="lt1"/>
+          </a:fillRef>
+          <a:effectRef idx="0">
+            <a:schemeClr val="accent1"/>
+          </a:effectRef>
+          <a:fontRef idx="minor">
+            <a:schemeClr val="dk1"/>
+          </a:fontRef>
+        </p:style>
+        <p:txBody>
+          <a:bodyPr rtlCol="0" anchor="ctr"/>
+          <a:lstStyle/>
+          <a:p>
+            <a:pPr algn="ctr"/>
+            <a:r>
+              <a:rPr lang="en-US" sz="1200" dirty="0" smtClean="0"/>
+              <a:t>Reportar</a:t>
+            </a:r>
+            <a:endParaRPr lang="en-US" sz="1200" dirty="0"/>
+          </a:p>
+        </p:txBody>
+      </p:sp>
+      <p:sp>
+        <p:nvSpPr>
+          <p:cNvPr id="6" name="TextBox 5"/>
+          <p:cNvSpPr txBox="1"/>
+          <p:nvPr/>
+        </p:nvSpPr>
+        <p:spPr>
+          <a:xfrm>
+            <a:off x="489857" y="773277"/>
+            <a:ext cx="2601685" cy="276999"/>
+          </a:xfrm>
+          <a:prstGeom prst="rect">
+            <a:avLst/>
+          </a:prstGeom>
+          <a:noFill/>
+        </p:spPr>
+        <p:txBody>
+          <a:bodyPr wrap="square" rtlCol="0">
+            <a:spAutoFit/>
+          </a:bodyPr>
+          <a:lstStyle/>
+          <a:p>
+            <a:pPr algn="ctr"/>
+            <a:r>
+              <a:rPr lang="en-US" sz="1200" dirty="0" smtClean="0">
+                <a:solidFill>
+                  <a:schemeClr val="bg1"/>
+                </a:solidFill>
+              </a:rPr>
+              <a:t>¿Qué </a:t>
+            </a:r>
+            <a:r>
+              <a:rPr lang="en-US" sz="1200" dirty="0" smtClean="0">
+                <a:solidFill>
+                  <a:schemeClr val="bg1"/>
+                </a:solidFill>
+              </a:rPr>
+              <a:t>deseas hacer?</a:t>
+            </a:r>
+            <a:endParaRPr lang="en-US" sz="1200" dirty="0">
+              <a:solidFill>
+                <a:schemeClr val="bg1"/>
+              </a:solidFill>
+            </a:endParaRPr>
+          </a:p>
+        </p:txBody>
+      </p:sp>
+      <p:sp>
+        <p:nvSpPr>
+          <p:cNvPr id="7" name="Rectangle 6"/>
+          <p:cNvSpPr/>
+          <p:nvPr/>
+        </p:nvSpPr>
+        <p:spPr>
+          <a:xfrm>
+            <a:off x="1012368" y="2165769"/>
+            <a:ext cx="1556657" cy="381000"/>
+          </a:xfrm>
+          <a:prstGeom prst="rect">
+            <a:avLst/>
+          </a:prstGeom>
+          <a:solidFill>
+            <a:schemeClr val="accent2">
+              <a:lumMod val="20000"/>
+              <a:lumOff val="80000"/>
+            </a:schemeClr>
+          </a:solidFill>
+        </p:spPr>
+        <p:style>
+          <a:lnRef idx="2">
+            <a:schemeClr val="accent1"/>
+          </a:lnRef>
+          <a:fillRef idx="1">
+            <a:schemeClr val="lt1"/>
+          </a:fillRef>
+          <a:effectRef idx="0">
+            <a:schemeClr val="accent1"/>
+          </a:effectRef>
+          <a:fontRef idx="minor">
+            <a:schemeClr val="dk1"/>
+          </a:fontRef>
+        </p:style>
+        <p:txBody>
+          <a:bodyPr rtlCol="0" anchor="ctr"/>
+          <a:lstStyle/>
+          <a:p>
+            <a:pPr algn="ctr"/>
+            <a:r>
+              <a:rPr lang="en-US" sz="1200" dirty="0" smtClean="0"/>
+              <a:t>Buscar</a:t>
+            </a:r>
+            <a:endParaRPr lang="en-US" sz="1200" dirty="0"/>
+          </a:p>
+        </p:txBody>
+      </p:sp>
+      <p:sp>
+        <p:nvSpPr>
+          <p:cNvPr id="8" name="Rectangle 7"/>
+          <p:cNvSpPr/>
+          <p:nvPr/>
+        </p:nvSpPr>
+        <p:spPr>
+          <a:xfrm>
+            <a:off x="3497639" y="326571"/>
+            <a:ext cx="2601685" cy="5388430"/>
+          </a:xfrm>
+          <a:prstGeom prst="rect">
+            <a:avLst/>
+          </a:prstGeom>
+          <a:ln/>
         </p:spPr>
         <p:style>
           <a:lnRef idx="2">
@@ -4237,74 +4374,31 @@
           <a:lstStyle/>
           <a:p>
             <a:pPr algn="ctr"/>
-            <a:r>
-              <a:rPr lang="en-US" smtClean="0"/>
-              <a:t>Reportar</a:t>
-            </a:r>
-            <a:endParaRPr lang="en-US" dirty="0"/>
-          </a:p>
-        </p:txBody>
-      </p:sp>
-      <p:sp>
-        <p:nvSpPr>
-          <p:cNvPr id="6" name="TextBox 5"/>
+            <a:endParaRPr lang="en-US"/>
+          </a:p>
+        </p:txBody>
+      </p:sp>
+      <p:sp>
+        <p:nvSpPr>
+          <p:cNvPr id="10" name="TextBox 9"/>
           <p:cNvSpPr txBox="1"/>
           <p:nvPr/>
         </p:nvSpPr>
         <p:spPr>
           <a:xfrm>
-            <a:off x="1910559" y="2144877"/>
-            <a:ext cx="1959191" cy="369332"/>
+            <a:off x="3497639" y="326571"/>
+            <a:ext cx="2601685" cy="369332"/>
           </a:xfrm>
           <a:prstGeom prst="rect">
             <a:avLst/>
           </a:prstGeom>
-          <a:noFill/>
-        </p:spPr>
-        <p:txBody>
-          <a:bodyPr wrap="none" rtlCol="0">
-            <a:spAutoFit/>
-          </a:bodyPr>
-          <a:lstStyle/>
-          <a:p>
-            <a:r>
-              <a:rPr lang="en-US" dirty="0" smtClean="0"/>
-              <a:t>Que </a:t>
-            </a:r>
-            <a:r>
-              <a:rPr lang="en-US" dirty="0" err="1" smtClean="0"/>
-              <a:t>deseas</a:t>
-            </a:r>
-            <a:r>
-              <a:rPr lang="en-US" dirty="0" smtClean="0"/>
-              <a:t> </a:t>
-            </a:r>
-            <a:r>
-              <a:rPr lang="en-US" dirty="0" err="1" smtClean="0"/>
-              <a:t>hacer</a:t>
-            </a:r>
-            <a:r>
-              <a:rPr lang="en-US" dirty="0" smtClean="0"/>
-              <a:t>?</a:t>
-            </a:r>
-            <a:endParaRPr lang="en-US" dirty="0"/>
-          </a:p>
-        </p:txBody>
-      </p:sp>
-      <p:sp>
-        <p:nvSpPr>
-          <p:cNvPr id="7" name="Rectangle 6"/>
-          <p:cNvSpPr/>
-          <p:nvPr/>
-        </p:nvSpPr>
-        <p:spPr>
-          <a:xfrm>
-            <a:off x="2111827" y="3940433"/>
-            <a:ext cx="1556657" cy="381000"/>
-          </a:xfrm>
-          <a:prstGeom prst="rect">
-            <a:avLst/>
-          </a:prstGeom>
+          <a:solidFill>
+            <a:schemeClr val="accent4">
+              <a:lumMod val="60000"/>
+              <a:lumOff val="40000"/>
+            </a:schemeClr>
+          </a:solidFill>
+          <a:ln/>
         </p:spPr>
         <p:style>
           <a:lnRef idx="2">
@@ -4324,39 +4418,295 @@
         </p:style>
         <p:txBody>
           <a:bodyPr rtlCol="0" anchor="ctr"/>
-          <a:lstStyle/>
-          <a:p>
-            <a:pPr algn="ctr"/>
-            <a:r>
-              <a:rPr lang="en-US" dirty="0" err="1" smtClean="0"/>
-              <a:t>Buscar</a:t>
-            </a:r>
-            <a:endParaRPr lang="en-US" dirty="0"/>
-          </a:p>
-        </p:txBody>
-      </p:sp>
-      <p:sp>
-        <p:nvSpPr>
-          <p:cNvPr id="8" name="Rectangle 7"/>
-          <p:cNvSpPr/>
+          <a:lstStyle>
+            <a:defPPr>
+              <a:defRPr lang="en-US"/>
+            </a:defPPr>
+            <a:lvl1pPr algn="ctr">
+              <a:defRPr>
+                <a:solidFill>
+                  <a:schemeClr val="lt1"/>
+                </a:solidFill>
+              </a:defRPr>
+            </a:lvl1pPr>
+            <a:lvl2pPr>
+              <a:defRPr>
+                <a:solidFill>
+                  <a:schemeClr val="lt1"/>
+                </a:solidFill>
+              </a:defRPr>
+            </a:lvl2pPr>
+            <a:lvl3pPr>
+              <a:defRPr>
+                <a:solidFill>
+                  <a:schemeClr val="lt1"/>
+                </a:solidFill>
+              </a:defRPr>
+            </a:lvl3pPr>
+            <a:lvl4pPr>
+              <a:defRPr>
+                <a:solidFill>
+                  <a:schemeClr val="lt1"/>
+                </a:solidFill>
+              </a:defRPr>
+            </a:lvl4pPr>
+            <a:lvl5pPr>
+              <a:defRPr>
+                <a:solidFill>
+                  <a:schemeClr val="lt1"/>
+                </a:solidFill>
+              </a:defRPr>
+            </a:lvl5pPr>
+            <a:lvl6pPr>
+              <a:defRPr>
+                <a:solidFill>
+                  <a:schemeClr val="lt1"/>
+                </a:solidFill>
+              </a:defRPr>
+            </a:lvl6pPr>
+            <a:lvl7pPr>
+              <a:defRPr>
+                <a:solidFill>
+                  <a:schemeClr val="lt1"/>
+                </a:solidFill>
+              </a:defRPr>
+            </a:lvl7pPr>
+            <a:lvl8pPr>
+              <a:defRPr>
+                <a:solidFill>
+                  <a:schemeClr val="lt1"/>
+                </a:solidFill>
+              </a:defRPr>
+            </a:lvl8pPr>
+            <a:lvl9pPr>
+              <a:defRPr>
+                <a:solidFill>
+                  <a:schemeClr val="lt1"/>
+                </a:solidFill>
+              </a:defRPr>
+            </a:lvl9pPr>
+          </a:lstStyle>
+          <a:p>
+            <a:r>
+              <a:rPr lang="en-US" dirty="0">
+                <a:solidFill>
+                  <a:schemeClr val="tx1"/>
+                </a:solidFill>
+              </a:rPr>
+              <a:t>Reportar</a:t>
+            </a:r>
+            <a:endParaRPr lang="en-US" dirty="0">
+              <a:solidFill>
+                <a:schemeClr val="tx1"/>
+              </a:solidFill>
+            </a:endParaRPr>
+          </a:p>
+        </p:txBody>
+      </p:sp>
+      <p:sp>
+        <p:nvSpPr>
+          <p:cNvPr id="12" name="TextBox 11"/>
+          <p:cNvSpPr txBox="1"/>
           <p:nvPr/>
         </p:nvSpPr>
         <p:spPr>
           <a:xfrm>
-            <a:off x="5987145" y="103122"/>
-            <a:ext cx="2601685" cy="4049486"/>
+            <a:off x="3690255" y="3784415"/>
+            <a:ext cx="2173817" cy="1015663"/>
           </a:xfrm>
           <a:prstGeom prst="rect">
             <a:avLst/>
           </a:prstGeom>
           <a:noFill/>
-          <a:ln>
-            <a:solidFill>
-              <a:schemeClr val="bg1">
-                <a:lumMod val="65000"/>
-              </a:schemeClr>
-            </a:solidFill>
-          </a:ln>
+        </p:spPr>
+        <p:txBody>
+          <a:bodyPr wrap="square" rtlCol="0">
+            <a:spAutoFit/>
+          </a:bodyPr>
+          <a:lstStyle/>
+          <a:p>
+            <a:r>
+              <a:rPr lang="en-US" sz="1200" dirty="0" smtClean="0">
+                <a:solidFill>
+                  <a:schemeClr val="bg1"/>
+                </a:solidFill>
+              </a:rPr>
+              <a:t>Nombre</a:t>
+            </a:r>
+          </a:p>
+          <a:p>
+            <a:r>
+              <a:rPr lang="en-US" sz="1200" dirty="0" smtClean="0">
+                <a:solidFill>
+                  <a:schemeClr val="bg1"/>
+                </a:solidFill>
+              </a:rPr>
+              <a:t>Apellido</a:t>
+            </a:r>
+          </a:p>
+          <a:p>
+            <a:r>
+              <a:rPr lang="en-US" sz="1200" dirty="0" smtClean="0">
+                <a:solidFill>
+                  <a:schemeClr val="bg1"/>
+                </a:solidFill>
+              </a:rPr>
+              <a:t>.</a:t>
+            </a:r>
+          </a:p>
+          <a:p>
+            <a:r>
+              <a:rPr lang="en-US" sz="1200" dirty="0" smtClean="0">
+                <a:solidFill>
+                  <a:schemeClr val="bg1"/>
+                </a:solidFill>
+              </a:rPr>
+              <a:t>.</a:t>
+            </a:r>
+          </a:p>
+          <a:p>
+            <a:r>
+              <a:rPr lang="en-US" sz="1200" dirty="0">
+                <a:solidFill>
+                  <a:schemeClr val="bg1"/>
+                </a:solidFill>
+              </a:rPr>
+              <a:t>.</a:t>
+            </a:r>
+          </a:p>
+        </p:txBody>
+      </p:sp>
+      <p:sp>
+        <p:nvSpPr>
+          <p:cNvPr id="13" name="Rectangle 12"/>
+          <p:cNvSpPr/>
+          <p:nvPr/>
+        </p:nvSpPr>
+        <p:spPr>
+          <a:xfrm>
+            <a:off x="3690256" y="5013979"/>
+            <a:ext cx="2173816" cy="381000"/>
+          </a:xfrm>
+          <a:prstGeom prst="rect">
+            <a:avLst/>
+          </a:prstGeom>
+        </p:spPr>
+        <p:style>
+          <a:lnRef idx="2">
+            <a:schemeClr val="accent1"/>
+          </a:lnRef>
+          <a:fillRef idx="1">
+            <a:schemeClr val="lt1"/>
+          </a:fillRef>
+          <a:effectRef idx="0">
+            <a:schemeClr val="accent1"/>
+          </a:effectRef>
+          <a:fontRef idx="minor">
+            <a:schemeClr val="dk1"/>
+          </a:fontRef>
+        </p:style>
+        <p:txBody>
+          <a:bodyPr rtlCol="0" anchor="ctr"/>
+          <a:lstStyle/>
+          <a:p>
+            <a:pPr algn="ctr"/>
+            <a:r>
+              <a:rPr lang="en-US" sz="1200" dirty="0">
+                <a:solidFill>
+                  <a:schemeClr val="dk1"/>
+                </a:solidFill>
+              </a:rPr>
+              <a:t>Reportar</a:t>
+            </a:r>
+            <a:endParaRPr lang="en-US" sz="1200" dirty="0">
+              <a:solidFill>
+                <a:schemeClr val="dk1"/>
+              </a:solidFill>
+            </a:endParaRPr>
+          </a:p>
+        </p:txBody>
+      </p:sp>
+      <p:pic>
+        <p:nvPicPr>
+          <p:cNvPr id="2" name="Picture 1"/>
+          <p:cNvPicPr>
+            <a:picLocks noChangeAspect="1"/>
+          </p:cNvPicPr>
+          <p:nvPr/>
+        </p:nvPicPr>
+        <p:blipFill>
+          <a:blip r:embed="rId2"/>
+          <a:stretch>
+            <a:fillRect/>
+          </a:stretch>
+        </p:blipFill>
+        <p:spPr>
+          <a:xfrm>
+            <a:off x="3690256" y="1452656"/>
+            <a:ext cx="2173817" cy="2173817"/>
+          </a:xfrm>
+          <a:prstGeom prst="rect">
+            <a:avLst/>
+          </a:prstGeom>
+        </p:spPr>
+      </p:pic>
+      <p:sp>
+        <p:nvSpPr>
+          <p:cNvPr id="20" name="Rectangle 19"/>
+          <p:cNvSpPr/>
+          <p:nvPr/>
+        </p:nvSpPr>
+        <p:spPr>
+          <a:xfrm>
+            <a:off x="3690257" y="942657"/>
+            <a:ext cx="2173817" cy="381000"/>
+          </a:xfrm>
+          <a:prstGeom prst="rect">
+            <a:avLst/>
+          </a:prstGeom>
+        </p:spPr>
+        <p:style>
+          <a:lnRef idx="2">
+            <a:schemeClr val="accent1"/>
+          </a:lnRef>
+          <a:fillRef idx="1">
+            <a:schemeClr val="lt1"/>
+          </a:fillRef>
+          <a:effectRef idx="0">
+            <a:schemeClr val="accent1"/>
+          </a:effectRef>
+          <a:fontRef idx="minor">
+            <a:schemeClr val="dk1"/>
+          </a:fontRef>
+        </p:style>
+        <p:txBody>
+          <a:bodyPr rtlCol="0" anchor="ctr"/>
+          <a:lstStyle/>
+          <a:p>
+            <a:pPr algn="ctr"/>
+            <a:r>
+              <a:rPr lang="en-US" sz="1200" dirty="0" smtClean="0"/>
+              <a:t>Subir Imagen</a:t>
+            </a:r>
+            <a:endParaRPr lang="en-US" sz="1200" dirty="0"/>
+          </a:p>
+        </p:txBody>
+      </p:sp>
+      <p:sp>
+        <p:nvSpPr>
+          <p:cNvPr id="21" name="Rectangle 20"/>
+          <p:cNvSpPr/>
+          <p:nvPr/>
+        </p:nvSpPr>
+        <p:spPr>
+          <a:xfrm>
+            <a:off x="6460228" y="326571"/>
+            <a:ext cx="2601685" cy="4049486"/>
+          </a:xfrm>
+          <a:prstGeom prst="rect">
+            <a:avLst/>
+          </a:prstGeom>
+          <a:ln/>
         </p:spPr>
         <p:style>
           <a:lnRef idx="2">
@@ -4385,33 +4735,150 @@
       </p:sp>
       <p:sp>
         <p:nvSpPr>
-          <p:cNvPr id="9" name="Rectangle 8"/>
-          <p:cNvSpPr/>
+          <p:cNvPr id="22" name="TextBox 21"/>
+          <p:cNvSpPr txBox="1"/>
           <p:nvPr/>
         </p:nvSpPr>
         <p:spPr>
           <a:xfrm>
-            <a:off x="6509658" y="648972"/>
-            <a:ext cx="1556657" cy="381000"/>
+            <a:off x="6941423" y="1142202"/>
+            <a:ext cx="1639295" cy="646331"/>
           </a:xfrm>
           <a:prstGeom prst="rect">
             <a:avLst/>
           </a:prstGeom>
+          <a:noFill/>
+        </p:spPr>
+        <p:txBody>
+          <a:bodyPr wrap="none" rtlCol="0">
+            <a:spAutoFit/>
+          </a:bodyPr>
+          <a:lstStyle/>
+          <a:p>
+            <a:pPr algn="ctr"/>
+            <a:r>
+              <a:rPr lang="en-US" sz="1200" dirty="0" err="1" smtClean="0">
+                <a:solidFill>
+                  <a:schemeClr val="bg1"/>
+                </a:solidFill>
+              </a:rPr>
+              <a:t>Reporte</a:t>
+            </a:r>
+            <a:r>
+              <a:rPr lang="en-US" sz="1200" dirty="0" smtClean="0">
+                <a:solidFill>
+                  <a:schemeClr val="bg1"/>
+                </a:solidFill>
+              </a:rPr>
+              <a:t> </a:t>
+            </a:r>
+            <a:r>
+              <a:rPr lang="en-US" sz="1200" dirty="0" err="1" smtClean="0">
+                <a:solidFill>
+                  <a:schemeClr val="bg1"/>
+                </a:solidFill>
+              </a:rPr>
+              <a:t>exitoso</a:t>
+            </a:r>
+            <a:r>
+              <a:rPr lang="en-US" sz="1200" dirty="0" smtClean="0">
+                <a:solidFill>
+                  <a:schemeClr val="bg1"/>
+                </a:solidFill>
+              </a:rPr>
+              <a:t>!!</a:t>
+            </a:r>
+            <a:endParaRPr lang="en-US" sz="1200" dirty="0" smtClean="0">
+              <a:solidFill>
+                <a:schemeClr val="bg1"/>
+              </a:solidFill>
+            </a:endParaRPr>
+          </a:p>
+          <a:p>
+            <a:pPr algn="ctr"/>
+            <a:endParaRPr lang="en-US" sz="1200" dirty="0">
+              <a:solidFill>
+                <a:schemeClr val="bg1"/>
+              </a:solidFill>
+            </a:endParaRPr>
+          </a:p>
+          <a:p>
+            <a:pPr algn="ctr"/>
+            <a:r>
+              <a:rPr lang="en-US" sz="1200" dirty="0" smtClean="0">
+                <a:solidFill>
+                  <a:schemeClr val="bg1"/>
+                </a:solidFill>
+              </a:rPr>
+              <a:t>Gracias </a:t>
+            </a:r>
+            <a:r>
+              <a:rPr lang="en-US" sz="1200" dirty="0" err="1" smtClean="0">
+                <a:solidFill>
+                  <a:schemeClr val="bg1"/>
+                </a:solidFill>
+              </a:rPr>
+              <a:t>por</a:t>
+            </a:r>
+            <a:r>
+              <a:rPr lang="en-US" sz="1200" dirty="0" smtClean="0">
+                <a:solidFill>
+                  <a:schemeClr val="bg1"/>
+                </a:solidFill>
+              </a:rPr>
+              <a:t> </a:t>
+            </a:r>
+            <a:r>
+              <a:rPr lang="en-US" sz="1200" dirty="0" err="1" smtClean="0">
+                <a:solidFill>
+                  <a:schemeClr val="bg1"/>
+                </a:solidFill>
+              </a:rPr>
+              <a:t>contribuir</a:t>
+            </a:r>
+            <a:r>
+              <a:rPr lang="en-US" sz="1200" dirty="0" smtClean="0">
+                <a:solidFill>
+                  <a:schemeClr val="bg1"/>
+                </a:solidFill>
+              </a:rPr>
+              <a:t>!!</a:t>
+            </a:r>
+            <a:endParaRPr lang="en-US" sz="1200" dirty="0">
+              <a:solidFill>
+                <a:schemeClr val="bg1"/>
+              </a:solidFill>
+            </a:endParaRPr>
+          </a:p>
+        </p:txBody>
+      </p:sp>
+      <p:sp>
+        <p:nvSpPr>
+          <p:cNvPr id="23" name="Rectangle 22"/>
+          <p:cNvSpPr/>
+          <p:nvPr/>
+        </p:nvSpPr>
+        <p:spPr>
+          <a:xfrm>
+            <a:off x="6674162" y="2158564"/>
+            <a:ext cx="2173816" cy="381000"/>
+          </a:xfrm>
+          <a:prstGeom prst="rect">
+            <a:avLst/>
+          </a:prstGeom>
         </p:spPr>
         <p:style>
           <a:lnRef idx="2">
-            <a:schemeClr val="accent1">
-              <a:shade val="50000"/>
-            </a:schemeClr>
+            <a:schemeClr val="accent1"/>
           </a:lnRef>
           <a:fillRef idx="1">
-            <a:schemeClr val="accent1"/>
+            <a:schemeClr val="lt1"/>
           </a:fillRef>
           <a:effectRef idx="0">
             <a:schemeClr val="accent1"/>
           </a:effectRef>
           <a:fontRef idx="minor">
-            <a:schemeClr val="lt1"/>
+            <a:schemeClr val="dk1"/>
           </a:fontRef>
         </p:style>
         <p:txBody>
@@ -4420,342 +4887,18 @@
           <a:p>
             <a:pPr algn="ctr"/>
             <a:r>
-              <a:rPr lang="en-US" dirty="0" err="1" smtClean="0"/>
-              <a:t>Subir</a:t>
-            </a:r>
-            <a:r>
-              <a:rPr lang="en-US" dirty="0" smtClean="0"/>
-              <a:t> </a:t>
-            </a:r>
-            <a:r>
-              <a:rPr lang="en-US" dirty="0" err="1" smtClean="0"/>
-              <a:t>Foto</a:t>
-            </a:r>
-            <a:endParaRPr lang="en-US" dirty="0"/>
-          </a:p>
-        </p:txBody>
-      </p:sp>
-      <p:sp>
-        <p:nvSpPr>
-          <p:cNvPr id="10" name="TextBox 9"/>
-          <p:cNvSpPr txBox="1"/>
-          <p:nvPr/>
-        </p:nvSpPr>
-        <p:spPr>
-          <a:xfrm>
-            <a:off x="6004680" y="191381"/>
-            <a:ext cx="1009956" cy="369332"/>
-          </a:xfrm>
-          <a:prstGeom prst="rect">
-            <a:avLst/>
-          </a:prstGeom>
-          <a:noFill/>
-        </p:spPr>
-        <p:txBody>
-          <a:bodyPr wrap="none" rtlCol="0">
-            <a:spAutoFit/>
-          </a:bodyPr>
-          <a:lstStyle/>
-          <a:p>
-            <a:r>
-              <a:rPr lang="en-US" dirty="0" err="1" smtClean="0"/>
-              <a:t>Reportar</a:t>
-            </a:r>
-            <a:endParaRPr lang="en-US" dirty="0"/>
-          </a:p>
-        </p:txBody>
-      </p:sp>
-      <p:sp>
-        <p:nvSpPr>
-          <p:cNvPr id="12" name="TextBox 11"/>
-          <p:cNvSpPr txBox="1"/>
-          <p:nvPr/>
-        </p:nvSpPr>
-        <p:spPr>
-          <a:xfrm>
-            <a:off x="6270172" y="1529150"/>
-            <a:ext cx="957313" cy="1477328"/>
-          </a:xfrm>
-          <a:prstGeom prst="rect">
-            <a:avLst/>
-          </a:prstGeom>
-          <a:noFill/>
-        </p:spPr>
-        <p:txBody>
-          <a:bodyPr wrap="none" rtlCol="0">
-            <a:spAutoFit/>
-          </a:bodyPr>
-          <a:lstStyle/>
-          <a:p>
-            <a:r>
-              <a:rPr lang="en-US" dirty="0" err="1" smtClean="0"/>
-              <a:t>Nombre</a:t>
-            </a:r>
-            <a:endParaRPr lang="en-US" dirty="0" smtClean="0"/>
-          </a:p>
-          <a:p>
-            <a:r>
-              <a:rPr lang="en-US" dirty="0" err="1" smtClean="0"/>
-              <a:t>Apellido</a:t>
-            </a:r>
-            <a:endParaRPr lang="en-US" dirty="0" smtClean="0"/>
-          </a:p>
-          <a:p>
-            <a:r>
-              <a:rPr lang="en-US" dirty="0" smtClean="0"/>
-              <a:t>.</a:t>
-            </a:r>
-          </a:p>
-          <a:p>
-            <a:r>
-              <a:rPr lang="en-US" dirty="0" smtClean="0"/>
-              <a:t>.</a:t>
-            </a:r>
-          </a:p>
-          <a:p>
-            <a:r>
-              <a:rPr lang="en-US" dirty="0"/>
-              <a:t>.</a:t>
-            </a:r>
-          </a:p>
-        </p:txBody>
-      </p:sp>
-      <p:sp>
-        <p:nvSpPr>
-          <p:cNvPr id="13" name="Rectangle 12"/>
-          <p:cNvSpPr/>
-          <p:nvPr/>
-        </p:nvSpPr>
-        <p:spPr>
-          <a:xfrm>
-            <a:off x="6513894" y="3593915"/>
-            <a:ext cx="1556657" cy="381000"/>
-          </a:xfrm>
-          <a:prstGeom prst="rect">
-            <a:avLst/>
-          </a:prstGeom>
-        </p:spPr>
-        <p:style>
-          <a:lnRef idx="2">
-            <a:schemeClr val="accent1">
-              <a:shade val="50000"/>
-            </a:schemeClr>
-          </a:lnRef>
-          <a:fillRef idx="1">
-            <a:schemeClr val="accent1"/>
-          </a:fillRef>
-          <a:effectRef idx="0">
-            <a:schemeClr val="accent1"/>
-          </a:effectRef>
-          <a:fontRef idx="minor">
-            <a:schemeClr val="lt1"/>
-          </a:fontRef>
-        </p:style>
-        <p:txBody>
-          <a:bodyPr rtlCol="0" anchor="ctr"/>
-          <a:lstStyle/>
-          <a:p>
-            <a:pPr algn="ctr"/>
-            <a:r>
-              <a:rPr lang="en-US" dirty="0" smtClean="0"/>
-              <a:t>Preview</a:t>
-            </a:r>
-            <a:endParaRPr lang="en-US" dirty="0"/>
-          </a:p>
-        </p:txBody>
-      </p:sp>
-      <p:sp>
-        <p:nvSpPr>
-          <p:cNvPr id="15" name="Rectangle 14"/>
-          <p:cNvSpPr/>
-          <p:nvPr/>
-        </p:nvSpPr>
-        <p:spPr>
-          <a:xfrm>
-            <a:off x="8871857" y="114007"/>
-            <a:ext cx="2601685" cy="4049486"/>
-          </a:xfrm>
-          <a:prstGeom prst="rect">
-            <a:avLst/>
-          </a:prstGeom>
-          <a:noFill/>
-          <a:ln>
-            <a:solidFill>
-              <a:schemeClr val="bg1">
-                <a:lumMod val="65000"/>
-              </a:schemeClr>
-            </a:solidFill>
-          </a:ln>
-        </p:spPr>
-        <p:style>
-          <a:lnRef idx="2">
-            <a:schemeClr val="accent1">
-              <a:shade val="50000"/>
-            </a:schemeClr>
-          </a:lnRef>
-          <a:fillRef idx="1">
-            <a:schemeClr val="accent1"/>
-          </a:fillRef>
-          <a:effectRef idx="0">
-            <a:schemeClr val="accent1"/>
-          </a:effectRef>
-          <a:fontRef idx="minor">
-            <a:schemeClr val="lt1"/>
-          </a:fontRef>
-        </p:style>
-        <p:txBody>
-          <a:bodyPr rtlCol="0" anchor="ctr"/>
-          <a:lstStyle/>
-          <a:p>
-            <a:pPr algn="ctr"/>
-            <a:endParaRPr lang="en-US"/>
-          </a:p>
-        </p:txBody>
-      </p:sp>
-      <p:sp>
-        <p:nvSpPr>
-          <p:cNvPr id="16" name="Rectangle 15"/>
-          <p:cNvSpPr/>
-          <p:nvPr/>
-        </p:nvSpPr>
-        <p:spPr>
-          <a:xfrm>
-            <a:off x="9394370" y="2546769"/>
-            <a:ext cx="1556657" cy="381000"/>
-          </a:xfrm>
-          <a:prstGeom prst="rect">
-            <a:avLst/>
-          </a:prstGeom>
-        </p:spPr>
-        <p:style>
-          <a:lnRef idx="2">
-            <a:schemeClr val="accent1">
-              <a:shade val="50000"/>
-            </a:schemeClr>
-          </a:lnRef>
-          <a:fillRef idx="1">
-            <a:schemeClr val="accent1"/>
-          </a:fillRef>
-          <a:effectRef idx="0">
-            <a:schemeClr val="accent1"/>
-          </a:effectRef>
-          <a:fontRef idx="minor">
-            <a:schemeClr val="lt1"/>
-          </a:fontRef>
-        </p:style>
-        <p:txBody>
-          <a:bodyPr rtlCol="0" anchor="ctr"/>
-          <a:lstStyle/>
-          <a:p>
-            <a:pPr algn="ctr"/>
-            <a:r>
-              <a:rPr lang="en-US" dirty="0" err="1" smtClean="0"/>
+              <a:rPr lang="en-US" sz="1200" dirty="0" smtClean="0">
+                <a:solidFill>
+                  <a:schemeClr val="dk1"/>
+                </a:solidFill>
+              </a:rPr>
               <a:t>Aceptar</a:t>
             </a:r>
-            <a:endParaRPr lang="en-US" dirty="0"/>
-          </a:p>
-        </p:txBody>
-      </p:sp>
-      <p:sp>
-        <p:nvSpPr>
-          <p:cNvPr id="17" name="TextBox 16"/>
-          <p:cNvSpPr txBox="1"/>
-          <p:nvPr/>
-        </p:nvSpPr>
-        <p:spPr>
-          <a:xfrm>
-            <a:off x="9061913" y="990992"/>
-            <a:ext cx="2221570" cy="923330"/>
-          </a:xfrm>
-          <a:prstGeom prst="rect">
-            <a:avLst/>
-          </a:prstGeom>
-          <a:noFill/>
-        </p:spPr>
-        <p:txBody>
-          <a:bodyPr wrap="none" rtlCol="0">
-            <a:spAutoFit/>
-          </a:bodyPr>
-          <a:lstStyle/>
-          <a:p>
-            <a:pPr algn="ctr"/>
-            <a:r>
-              <a:rPr lang="en-US" dirty="0" err="1" smtClean="0"/>
-              <a:t>Reporte</a:t>
-            </a:r>
-            <a:r>
-              <a:rPr lang="en-US" dirty="0" smtClean="0"/>
-              <a:t> </a:t>
-            </a:r>
-            <a:r>
-              <a:rPr lang="en-US" dirty="0" err="1" smtClean="0"/>
-              <a:t>exitoso</a:t>
-            </a:r>
-            <a:endParaRPr lang="en-US" dirty="0" smtClean="0"/>
-          </a:p>
-          <a:p>
-            <a:pPr algn="ctr"/>
-            <a:endParaRPr lang="en-US" dirty="0"/>
-          </a:p>
-          <a:p>
-            <a:pPr algn="ctr"/>
-            <a:r>
-              <a:rPr lang="en-US" dirty="0" smtClean="0"/>
-              <a:t>Gracias </a:t>
-            </a:r>
-            <a:r>
-              <a:rPr lang="en-US" dirty="0" err="1" smtClean="0"/>
-              <a:t>por</a:t>
-            </a:r>
-            <a:r>
-              <a:rPr lang="en-US" dirty="0" smtClean="0"/>
-              <a:t> </a:t>
-            </a:r>
-            <a:r>
-              <a:rPr lang="en-US" dirty="0" err="1" smtClean="0"/>
-              <a:t>contribuir</a:t>
-            </a:r>
-            <a:endParaRPr lang="en-US" dirty="0"/>
-          </a:p>
-        </p:txBody>
-      </p:sp>
-      <p:sp>
-        <p:nvSpPr>
-          <p:cNvPr id="19" name="Rectangle 18"/>
-          <p:cNvSpPr/>
-          <p:nvPr/>
-        </p:nvSpPr>
-        <p:spPr>
-          <a:xfrm>
-            <a:off x="6509658" y="1148150"/>
-            <a:ext cx="1560893" cy="381000"/>
-          </a:xfrm>
-          <a:prstGeom prst="rect">
-            <a:avLst/>
-          </a:prstGeom>
-        </p:spPr>
-        <p:style>
-          <a:lnRef idx="2">
-            <a:schemeClr val="accent1">
-              <a:shade val="50000"/>
-            </a:schemeClr>
-          </a:lnRef>
-          <a:fillRef idx="1">
-            <a:schemeClr val="accent1"/>
-          </a:fillRef>
-          <a:effectRef idx="0">
-            <a:schemeClr val="accent1"/>
-          </a:effectRef>
-          <a:fontRef idx="minor">
-            <a:schemeClr val="lt1"/>
-          </a:fontRef>
-        </p:style>
-        <p:txBody>
-          <a:bodyPr rtlCol="0" anchor="ctr"/>
-          <a:lstStyle/>
-          <a:p>
-            <a:pPr algn="ctr"/>
-            <a:endParaRPr lang="en-US"/>
+            <a:endParaRPr lang="en-US" sz="1200" dirty="0">
+              <a:solidFill>
+                <a:schemeClr val="dk1"/>
+              </a:solidFill>
+            </a:endParaRPr>
           </a:p>
         </p:txBody>
       </p:sp>
@@ -4791,26 +4934,19 @@
       </p:grpSpPr>
       <p:sp>
         <p:nvSpPr>
-          <p:cNvPr id="8" name="Rectangle 7"/>
+          <p:cNvPr id="4" name="Rectangle 3"/>
           <p:cNvSpPr/>
           <p:nvPr/>
         </p:nvSpPr>
         <p:spPr>
           <a:xfrm>
-            <a:off x="348345" y="168436"/>
+            <a:off x="489857" y="326571"/>
             <a:ext cx="2601685" cy="4049486"/>
           </a:xfrm>
           <a:prstGeom prst="rect">
             <a:avLst/>
           </a:prstGeom>
-          <a:noFill/>
-          <a:ln>
-            <a:solidFill>
-              <a:schemeClr val="bg1">
-                <a:lumMod val="65000"/>
-              </a:schemeClr>
-            </a:solidFill>
-          </a:ln>
+          <a:ln/>
         </p:spPr>
         <p:style>
           <a:lnRef idx="2">
@@ -4839,18 +4975,162 @@
       </p:sp>
       <p:sp>
         <p:nvSpPr>
-          <p:cNvPr id="9" name="Rectangle 8"/>
+          <p:cNvPr id="5" name="Rectangle 4"/>
           <p:cNvSpPr/>
           <p:nvPr/>
         </p:nvSpPr>
         <p:spPr>
           <a:xfrm>
-            <a:off x="870858" y="714286"/>
+            <a:off x="1012369" y="1413367"/>
             <a:ext cx="1556657" cy="381000"/>
           </a:xfrm>
           <a:prstGeom prst="rect">
             <a:avLst/>
           </a:prstGeom>
+          <a:solidFill>
+            <a:schemeClr val="accent4">
+              <a:lumMod val="60000"/>
+              <a:lumOff val="40000"/>
+            </a:schemeClr>
+          </a:solidFill>
+        </p:spPr>
+        <p:style>
+          <a:lnRef idx="2">
+            <a:schemeClr val="accent1"/>
+          </a:lnRef>
+          <a:fillRef idx="1">
+            <a:schemeClr val="lt1"/>
+          </a:fillRef>
+          <a:effectRef idx="0">
+            <a:schemeClr val="accent1"/>
+          </a:effectRef>
+          <a:fontRef idx="minor">
+            <a:schemeClr val="dk1"/>
+          </a:fontRef>
+        </p:style>
+        <p:txBody>
+          <a:bodyPr rtlCol="0" anchor="ctr"/>
+          <a:lstStyle/>
+          <a:p>
+            <a:pPr algn="ctr"/>
+            <a:r>
+              <a:rPr lang="en-US" sz="1200" dirty="0" smtClean="0"/>
+              <a:t>Reportar</a:t>
+            </a:r>
+            <a:endParaRPr lang="en-US" sz="1200" dirty="0"/>
+          </a:p>
+        </p:txBody>
+      </p:sp>
+      <p:sp>
+        <p:nvSpPr>
+          <p:cNvPr id="6" name="TextBox 5"/>
+          <p:cNvSpPr txBox="1"/>
+          <p:nvPr/>
+        </p:nvSpPr>
+        <p:spPr>
+          <a:xfrm>
+            <a:off x="489857" y="773277"/>
+            <a:ext cx="2601685" cy="276999"/>
+          </a:xfrm>
+          <a:prstGeom prst="rect">
+            <a:avLst/>
+          </a:prstGeom>
+          <a:noFill/>
+        </p:spPr>
+        <p:txBody>
+          <a:bodyPr wrap="square" rtlCol="0">
+            <a:spAutoFit/>
+          </a:bodyPr>
+          <a:lstStyle/>
+          <a:p>
+            <a:pPr algn="ctr"/>
+            <a:r>
+              <a:rPr lang="en-US" sz="1200" dirty="0" smtClean="0">
+                <a:solidFill>
+                  <a:schemeClr val="bg1"/>
+                </a:solidFill>
+              </a:rPr>
+              <a:t>¿Qué </a:t>
+            </a:r>
+            <a:r>
+              <a:rPr lang="en-US" sz="1200" dirty="0" smtClean="0">
+                <a:solidFill>
+                  <a:schemeClr val="bg1"/>
+                </a:solidFill>
+              </a:rPr>
+              <a:t>deseas hacer?</a:t>
+            </a:r>
+            <a:endParaRPr lang="en-US" sz="1200" dirty="0">
+              <a:solidFill>
+                <a:schemeClr val="bg1"/>
+              </a:solidFill>
+            </a:endParaRPr>
+          </a:p>
+        </p:txBody>
+      </p:sp>
+      <p:sp>
+        <p:nvSpPr>
+          <p:cNvPr id="7" name="Rectangle 6"/>
+          <p:cNvSpPr/>
+          <p:nvPr/>
+        </p:nvSpPr>
+        <p:spPr>
+          <a:xfrm>
+            <a:off x="1012368" y="2165769"/>
+            <a:ext cx="1556657" cy="381000"/>
+          </a:xfrm>
+          <a:prstGeom prst="rect">
+            <a:avLst/>
+          </a:prstGeom>
+          <a:solidFill>
+            <a:schemeClr val="accent2">
+              <a:lumMod val="20000"/>
+              <a:lumOff val="80000"/>
+            </a:schemeClr>
+          </a:solidFill>
+        </p:spPr>
+        <p:style>
+          <a:lnRef idx="2">
+            <a:schemeClr val="accent1"/>
+          </a:lnRef>
+          <a:fillRef idx="1">
+            <a:schemeClr val="lt1"/>
+          </a:fillRef>
+          <a:effectRef idx="0">
+            <a:schemeClr val="accent1"/>
+          </a:effectRef>
+          <a:fontRef idx="minor">
+            <a:schemeClr val="dk1"/>
+          </a:fontRef>
+        </p:style>
+        <p:txBody>
+          <a:bodyPr rtlCol="0" anchor="ctr"/>
+          <a:lstStyle/>
+          <a:p>
+            <a:pPr algn="ctr"/>
+            <a:r>
+              <a:rPr lang="en-US" sz="1200" dirty="0" smtClean="0"/>
+              <a:t>Buscar</a:t>
+            </a:r>
+            <a:endParaRPr lang="en-US" sz="1200" dirty="0"/>
+          </a:p>
+        </p:txBody>
+      </p:sp>
+      <p:sp>
+        <p:nvSpPr>
+          <p:cNvPr id="8" name="Rectangle 7"/>
+          <p:cNvSpPr/>
+          <p:nvPr/>
+        </p:nvSpPr>
+        <p:spPr>
+          <a:xfrm>
+            <a:off x="3497639" y="326570"/>
+            <a:ext cx="2601685" cy="4534445"/>
+          </a:xfrm>
+          <a:prstGeom prst="rect">
+            <a:avLst/>
+          </a:prstGeom>
+          <a:ln/>
         </p:spPr>
         <p:style>
           <a:lnRef idx="2">
@@ -4873,19 +5153,7 @@
           <a:lstStyle/>
           <a:p>
             <a:pPr algn="ctr"/>
-            <a:r>
-              <a:rPr lang="en-US" dirty="0" err="1" smtClean="0"/>
-              <a:t>Subir</a:t>
-            </a:r>
-            <a:r>
-              <a:rPr lang="en-US" dirty="0" smtClean="0"/>
-              <a:t> </a:t>
-            </a:r>
-            <a:r>
-              <a:rPr lang="en-US" dirty="0" err="1" smtClean="0"/>
-              <a:t>Foto</a:t>
-            </a:r>
-            <a:endParaRPr lang="en-US" dirty="0"/>
+            <a:endParaRPr lang="en-US"/>
           </a:p>
         </p:txBody>
       </p:sp>
@@ -4897,57 +5165,213 @@
         </p:nvSpPr>
         <p:spPr>
           <a:xfrm>
-            <a:off x="365880" y="256695"/>
-            <a:ext cx="807978" cy="369332"/>
+            <a:off x="3497639" y="326571"/>
+            <a:ext cx="2601685" cy="369332"/>
           </a:xfrm>
           <a:prstGeom prst="rect">
             <a:avLst/>
           </a:prstGeom>
-          <a:noFill/>
-        </p:spPr>
-        <p:txBody>
-          <a:bodyPr wrap="none" rtlCol="0">
-            <a:spAutoFit/>
-          </a:bodyPr>
-          <a:lstStyle/>
-          <a:p>
-            <a:r>
-              <a:rPr lang="en-US" dirty="0" err="1" smtClean="0"/>
+          <a:solidFill>
+            <a:schemeClr val="accent2">
+              <a:lumMod val="20000"/>
+              <a:lumOff val="80000"/>
+            </a:schemeClr>
+          </a:solidFill>
+        </p:spPr>
+        <p:style>
+          <a:lnRef idx="2">
+            <a:schemeClr val="accent1"/>
+          </a:lnRef>
+          <a:fillRef idx="1">
+            <a:schemeClr val="lt1"/>
+          </a:fillRef>
+          <a:effectRef idx="0">
+            <a:schemeClr val="accent1"/>
+          </a:effectRef>
+          <a:fontRef idx="minor">
+            <a:schemeClr val="dk1"/>
+          </a:fontRef>
+        </p:style>
+        <p:txBody>
+          <a:bodyPr rtlCol="0" anchor="ctr"/>
+          <a:lstStyle>
+            <a:defPPr>
+              <a:defRPr lang="en-US"/>
+            </a:defPPr>
+            <a:lvl1pPr algn="ctr">
+              <a:defRPr sz="1200">
+                <a:solidFill>
+                  <a:schemeClr val="dk1"/>
+                </a:solidFill>
+              </a:defRPr>
+            </a:lvl1pPr>
+            <a:lvl2pPr>
+              <a:defRPr>
+                <a:solidFill>
+                  <a:schemeClr val="dk1"/>
+                </a:solidFill>
+              </a:defRPr>
+            </a:lvl2pPr>
+            <a:lvl3pPr>
+              <a:defRPr>
+                <a:solidFill>
+                  <a:schemeClr val="dk1"/>
+                </a:solidFill>
+              </a:defRPr>
+            </a:lvl3pPr>
+            <a:lvl4pPr>
+              <a:defRPr>
+                <a:solidFill>
+                  <a:schemeClr val="dk1"/>
+                </a:solidFill>
+              </a:defRPr>
+            </a:lvl4pPr>
+            <a:lvl5pPr>
+              <a:defRPr>
+                <a:solidFill>
+                  <a:schemeClr val="dk1"/>
+                </a:solidFill>
+              </a:defRPr>
+            </a:lvl5pPr>
+            <a:lvl6pPr>
+              <a:defRPr>
+                <a:solidFill>
+                  <a:schemeClr val="dk1"/>
+                </a:solidFill>
+              </a:defRPr>
+            </a:lvl6pPr>
+            <a:lvl7pPr>
+              <a:defRPr>
+                <a:solidFill>
+                  <a:schemeClr val="dk1"/>
+                </a:solidFill>
+              </a:defRPr>
+            </a:lvl7pPr>
+            <a:lvl8pPr>
+              <a:defRPr>
+                <a:solidFill>
+                  <a:schemeClr val="dk1"/>
+                </a:solidFill>
+              </a:defRPr>
+            </a:lvl8pPr>
+            <a:lvl9pPr>
+              <a:defRPr>
+                <a:solidFill>
+                  <a:schemeClr val="dk1"/>
+                </a:solidFill>
+              </a:defRPr>
+            </a:lvl9pPr>
+          </a:lstStyle>
+          <a:p>
+            <a:r>
+              <a:rPr lang="en-US" sz="1800" dirty="0"/>
               <a:t>Buscar</a:t>
             </a:r>
-            <a:endParaRPr lang="en-US" dirty="0"/>
-          </a:p>
-        </p:txBody>
-      </p:sp>
+            <a:endParaRPr lang="en-US" sz="1800" dirty="0"/>
+          </a:p>
+        </p:txBody>
+      </p:sp>
+      <p:sp>
+        <p:nvSpPr>
+          <p:cNvPr id="20" name="Rectangle 19"/>
+          <p:cNvSpPr/>
+          <p:nvPr/>
+        </p:nvSpPr>
+        <p:spPr>
+          <a:xfrm>
+            <a:off x="3690257" y="942657"/>
+            <a:ext cx="2173817" cy="381000"/>
+          </a:xfrm>
+          <a:prstGeom prst="rect">
+            <a:avLst/>
+          </a:prstGeom>
+        </p:spPr>
+        <p:style>
+          <a:lnRef idx="2">
+            <a:schemeClr val="accent1"/>
+          </a:lnRef>
+          <a:fillRef idx="1">
+            <a:schemeClr val="lt1"/>
+          </a:fillRef>
+          <a:effectRef idx="0">
+            <a:schemeClr val="accent1"/>
+          </a:effectRef>
+          <a:fontRef idx="minor">
+            <a:schemeClr val="dk1"/>
+          </a:fontRef>
+        </p:style>
+        <p:txBody>
+          <a:bodyPr rtlCol="0" anchor="ctr"/>
+          <a:lstStyle/>
+          <a:p>
+            <a:pPr algn="ctr"/>
+            <a:r>
+              <a:rPr lang="en-US" sz="1200" dirty="0" smtClean="0"/>
+              <a:t>Subir Imagen</a:t>
+            </a:r>
+            <a:endParaRPr lang="en-US" sz="1200" dirty="0"/>
+          </a:p>
+        </p:txBody>
+      </p:sp>
+      <p:pic>
+        <p:nvPicPr>
+          <p:cNvPr id="15" name="Picture 14"/>
+          <p:cNvPicPr>
+            <a:picLocks noChangeAspect="1"/>
+          </p:cNvPicPr>
+          <p:nvPr/>
+        </p:nvPicPr>
+        <p:blipFill>
+          <a:blip r:embed="rId2"/>
+          <a:stretch>
+            <a:fillRect/>
+          </a:stretch>
+        </p:blipFill>
+        <p:spPr>
+          <a:xfrm>
+            <a:off x="8520034" y="796474"/>
+            <a:ext cx="885034" cy="673366"/>
+          </a:xfrm>
+          <a:prstGeom prst="rect">
+            <a:avLst/>
+          </a:prstGeom>
+        </p:spPr>
+      </p:pic>
       <p:cxnSp>
         <p:nvCxnSpPr>
-          <p:cNvPr id="14" name="Straight Arrow Connector 13"/>
+          <p:cNvPr id="16" name="Straight Arrow Connector 15"/>
           <p:cNvCxnSpPr>
-            <a:stCxn id="9" idx="3"/>
-            <a:endCxn id="19" idx="2"/>
+            <a:stCxn id="20" idx="3"/>
+            <a:endCxn id="15" idx="1"/>
           </p:cNvCxnSpPr>
           <p:nvPr/>
         </p:nvCxnSpPr>
         <p:spPr>
-          <a:xfrm flipV="1">
-            <a:off x="2427515" y="893509"/>
-            <a:ext cx="5519218" cy="11277"/>
+          <a:xfrm>
+            <a:off x="5864074" y="1133157"/>
+            <a:ext cx="2655960" cy="0"/>
           </a:xfrm>
           <a:prstGeom prst="straightConnector1">
             <a:avLst/>
           </a:prstGeom>
-          <a:ln>
+          <a:ln w="6350">
+            <a:solidFill>
+              <a:schemeClr val="bg1">
+                <a:lumMod val="65000"/>
+              </a:schemeClr>
+            </a:solidFill>
+            <a:headEnd type="none" w="med" len="med"/>
             <a:tailEnd type="triangle"/>
           </a:ln>
         </p:spPr>
         <p:style>
-          <a:lnRef idx="1">
+          <a:lnRef idx="2">
             <a:schemeClr val="accent1"/>
           </a:lnRef>
           <a:fillRef idx="0">
             <a:schemeClr val="accent1"/>
           </a:fillRef>
-          <a:effectRef idx="0">
+          <a:effectRef idx="1">
             <a:schemeClr val="accent1"/>
           </a:effectRef>
           <a:fontRef idx="minor">
@@ -4955,34 +5379,139 @@
           </a:fontRef>
         </p:style>
       </p:cxnSp>
+      <p:pic>
+        <p:nvPicPr>
+          <p:cNvPr id="24" name="Picture 23"/>
+          <p:cNvPicPr>
+            <a:picLocks noChangeAspect="1"/>
+          </p:cNvPicPr>
+          <p:nvPr/>
+        </p:nvPicPr>
+        <p:blipFill>
+          <a:blip r:embed="rId3"/>
+          <a:stretch>
+            <a:fillRect/>
+          </a:stretch>
+        </p:blipFill>
+        <p:spPr>
+          <a:xfrm>
+            <a:off x="10622367" y="830005"/>
+            <a:ext cx="603138" cy="583362"/>
+          </a:xfrm>
+          <a:prstGeom prst="rect">
+            <a:avLst/>
+          </a:prstGeom>
+        </p:spPr>
+      </p:pic>
+      <p:sp>
+        <p:nvSpPr>
+          <p:cNvPr id="27" name="TextBox 26"/>
+          <p:cNvSpPr txBox="1"/>
+          <p:nvPr/>
+        </p:nvSpPr>
+        <p:spPr>
+          <a:xfrm>
+            <a:off x="8503226" y="1503348"/>
+            <a:ext cx="918649" cy="276999"/>
+          </a:xfrm>
+          <a:prstGeom prst="rect">
+            <a:avLst/>
+          </a:prstGeom>
+          <a:noFill/>
+        </p:spPr>
+        <p:txBody>
+          <a:bodyPr wrap="none" rtlCol="0">
+            <a:spAutoFit/>
+          </a:bodyPr>
+          <a:lstStyle>
+            <a:defPPr>
+              <a:defRPr lang="en-US"/>
+            </a:defPPr>
+            <a:lvl1pPr algn="ctr">
+              <a:defRPr sz="800"/>
+            </a:lvl1pPr>
+          </a:lstStyle>
+          <a:p>
+            <a:r>
+              <a:rPr lang="en-US" sz="1200" dirty="0" smtClean="0"/>
+              <a:t>App Service</a:t>
+            </a:r>
+            <a:endParaRPr lang="en-US" sz="1200" dirty="0"/>
+          </a:p>
+        </p:txBody>
+      </p:sp>
+      <p:sp>
+        <p:nvSpPr>
+          <p:cNvPr id="28" name="TextBox 27"/>
+          <p:cNvSpPr txBox="1"/>
+          <p:nvPr/>
+        </p:nvSpPr>
+        <p:spPr>
+          <a:xfrm>
+            <a:off x="10568293" y="1413367"/>
+            <a:ext cx="711285" cy="276999"/>
+          </a:xfrm>
+          <a:prstGeom prst="rect">
+            <a:avLst/>
+          </a:prstGeom>
+          <a:noFill/>
+        </p:spPr>
+        <p:txBody>
+          <a:bodyPr wrap="none" rtlCol="0">
+            <a:spAutoFit/>
+          </a:bodyPr>
+          <a:lstStyle>
+            <a:defPPr>
+              <a:defRPr lang="en-US"/>
+            </a:defPPr>
+            <a:lvl1pPr algn="ctr">
+              <a:defRPr sz="800"/>
+            </a:lvl1pPr>
+          </a:lstStyle>
+          <a:p>
+            <a:r>
+              <a:rPr lang="en-US" sz="1200" dirty="0" smtClean="0"/>
+              <a:t>Face API</a:t>
+            </a:r>
+            <a:endParaRPr lang="en-US" sz="1200" dirty="0"/>
+          </a:p>
+        </p:txBody>
+      </p:sp>
       <p:cxnSp>
         <p:nvCxnSpPr>
-          <p:cNvPr id="16" name="Straight Arrow Connector 15"/>
+          <p:cNvPr id="41" name="Straight Arrow Connector 40"/>
           <p:cNvCxnSpPr>
-            <a:stCxn id="19" idx="2"/>
+            <a:stCxn id="15" idx="3"/>
+            <a:endCxn id="24" idx="1"/>
           </p:cNvCxnSpPr>
           <p:nvPr/>
         </p:nvCxnSpPr>
         <p:spPr>
-          <a:xfrm flipH="1">
-            <a:off x="2427515" y="893509"/>
-            <a:ext cx="5519218" cy="1784377"/>
+          <a:xfrm flipV="1">
+            <a:off x="9405068" y="1121686"/>
+            <a:ext cx="1217299" cy="11471"/>
           </a:xfrm>
           <a:prstGeom prst="straightConnector1">
             <a:avLst/>
           </a:prstGeom>
-          <a:ln>
+          <a:ln w="6350">
+            <a:solidFill>
+              <a:schemeClr val="bg1">
+                <a:lumMod val="65000"/>
+              </a:schemeClr>
+            </a:solidFill>
+            <a:headEnd type="none" w="med" len="med"/>
             <a:tailEnd type="triangle"/>
           </a:ln>
         </p:spPr>
         <p:style>
-          <a:lnRef idx="1">
+          <a:lnRef idx="2">
             <a:schemeClr val="accent1"/>
           </a:lnRef>
           <a:fillRef idx="0">
             <a:schemeClr val="accent1"/>
           </a:fillRef>
-          <a:effectRef idx="0">
+          <a:effectRef idx="1">
             <a:schemeClr val="accent1"/>
           </a:effectRef>
           <a:fontRef idx="minor">
@@ -4990,81 +5519,456 @@
           </a:fontRef>
         </p:style>
       </p:cxnSp>
-      <p:sp>
-        <p:nvSpPr>
-          <p:cNvPr id="17" name="TextBox 16"/>
-          <p:cNvSpPr txBox="1"/>
+      <p:grpSp>
+        <p:nvGrpSpPr>
+          <p:cNvPr id="46" name="Group 45"/>
+          <p:cNvGrpSpPr/>
           <p:nvPr/>
-        </p:nvSpPr>
-        <p:spPr>
-          <a:xfrm>
-            <a:off x="572131" y="2190572"/>
-            <a:ext cx="957313" cy="1754326"/>
+        </p:nvGrpSpPr>
+        <p:grpSpPr>
+          <a:xfrm>
+            <a:off x="3497640" y="1613762"/>
+            <a:ext cx="2601684" cy="651963"/>
+            <a:chOff x="6761888" y="3256008"/>
+            <a:chExt cx="3189242" cy="761220"/>
+          </a:xfrm>
+        </p:grpSpPr>
+        <p:sp>
+          <p:nvSpPr>
+            <p:cNvPr id="45" name="Rectangle 44"/>
+            <p:cNvSpPr/>
+            <p:nvPr/>
+          </p:nvSpPr>
+          <p:spPr>
+            <a:xfrm>
+              <a:off x="6761888" y="3256008"/>
+              <a:ext cx="3189242" cy="761220"/>
+            </a:xfrm>
+            <a:prstGeom prst="rect">
+              <a:avLst/>
+            </a:prstGeom>
+          </p:spPr>
+          <p:style>
+            <a:lnRef idx="2">
+              <a:schemeClr val="accent1"/>
+            </a:lnRef>
+            <a:fillRef idx="1">
+              <a:schemeClr val="lt1"/>
+            </a:fillRef>
+            <a:effectRef idx="0">
+              <a:schemeClr val="accent1"/>
+            </a:effectRef>
+            <a:fontRef idx="minor">
+              <a:schemeClr val="dk1"/>
+            </a:fontRef>
+          </p:style>
+          <p:txBody>
+            <a:bodyPr rtlCol="0" anchor="ctr"/>
+            <a:lstStyle/>
+            <a:p>
+              <a:r>
+                <a:rPr lang="en-US" sz="1200" dirty="0" smtClean="0"/>
+                <a:t>                  Nombre</a:t>
+              </a:r>
+              <a:br>
+                <a:rPr lang="en-US" sz="1200" dirty="0" smtClean="0"/>
+              </a:br>
+              <a:r>
+                <a:rPr lang="en-US" sz="1200" dirty="0" smtClean="0"/>
+                <a:t>                  Lugar</a:t>
+              </a:r>
+              <a:endParaRPr lang="en-US" sz="1200" dirty="0"/>
+            </a:p>
+          </p:txBody>
+        </p:sp>
+        <p:pic>
+          <p:nvPicPr>
+            <p:cNvPr id="2" name="Picture 1"/>
+            <p:cNvPicPr>
+              <a:picLocks noChangeAspect="1"/>
+            </p:cNvPicPr>
+            <p:nvPr/>
+          </p:nvPicPr>
+          <p:blipFill>
+            <a:blip r:embed="rId4"/>
+            <a:stretch>
+              <a:fillRect/>
+            </a:stretch>
+          </p:blipFill>
+          <p:spPr>
+            <a:xfrm>
+              <a:off x="6837100" y="3345449"/>
+              <a:ext cx="641294" cy="577211"/>
+            </a:xfrm>
+            <a:prstGeom prst="rect">
+              <a:avLst/>
+            </a:prstGeom>
+          </p:spPr>
+        </p:pic>
+      </p:grpSp>
+      <p:grpSp>
+        <p:nvGrpSpPr>
+          <p:cNvPr id="47" name="Group 46"/>
+          <p:cNvGrpSpPr/>
+          <p:nvPr/>
+        </p:nvGrpSpPr>
+        <p:grpSpPr>
+          <a:xfrm>
+            <a:off x="3497640" y="2264784"/>
+            <a:ext cx="2601684" cy="651963"/>
+            <a:chOff x="6761888" y="3256008"/>
+            <a:chExt cx="3189242" cy="761220"/>
+          </a:xfrm>
+        </p:grpSpPr>
+        <p:sp>
+          <p:nvSpPr>
+            <p:cNvPr id="48" name="Rectangle 47"/>
+            <p:cNvSpPr/>
+            <p:nvPr/>
+          </p:nvSpPr>
+          <p:spPr>
+            <a:xfrm>
+              <a:off x="6761888" y="3256008"/>
+              <a:ext cx="3189242" cy="761220"/>
+            </a:xfrm>
+            <a:prstGeom prst="rect">
+              <a:avLst/>
+            </a:prstGeom>
+          </p:spPr>
+          <p:style>
+            <a:lnRef idx="2">
+              <a:schemeClr val="accent1"/>
+            </a:lnRef>
+            <a:fillRef idx="1">
+              <a:schemeClr val="lt1"/>
+            </a:fillRef>
+            <a:effectRef idx="0">
+              <a:schemeClr val="accent1"/>
+            </a:effectRef>
+            <a:fontRef idx="minor">
+              <a:schemeClr val="dk1"/>
+            </a:fontRef>
+          </p:style>
+          <p:txBody>
+            <a:bodyPr rtlCol="0" anchor="ctr"/>
+            <a:lstStyle/>
+            <a:p>
+              <a:r>
+                <a:rPr lang="en-US" sz="1200" dirty="0" smtClean="0"/>
+                <a:t>                  Nombre</a:t>
+              </a:r>
+              <a:br>
+                <a:rPr lang="en-US" sz="1200" dirty="0" smtClean="0"/>
+              </a:br>
+              <a:r>
+                <a:rPr lang="en-US" sz="1200" dirty="0" smtClean="0"/>
+                <a:t>                  Lugar</a:t>
+              </a:r>
+              <a:endParaRPr lang="en-US" sz="1200" dirty="0"/>
+            </a:p>
+          </p:txBody>
+        </p:sp>
+        <p:pic>
+          <p:nvPicPr>
+            <p:cNvPr id="49" name="Picture 48"/>
+            <p:cNvPicPr>
+              <a:picLocks noChangeAspect="1"/>
+            </p:cNvPicPr>
+            <p:nvPr/>
+          </p:nvPicPr>
+          <p:blipFill>
+            <a:blip r:embed="rId4"/>
+            <a:stretch>
+              <a:fillRect/>
+            </a:stretch>
+          </p:blipFill>
+          <p:spPr>
+            <a:xfrm>
+              <a:off x="6837100" y="3345449"/>
+              <a:ext cx="641294" cy="577211"/>
+            </a:xfrm>
+            <a:prstGeom prst="rect">
+              <a:avLst/>
+            </a:prstGeom>
+          </p:spPr>
+        </p:pic>
+      </p:grpSp>
+      <p:grpSp>
+        <p:nvGrpSpPr>
+          <p:cNvPr id="50" name="Group 49"/>
+          <p:cNvGrpSpPr/>
+          <p:nvPr/>
+        </p:nvGrpSpPr>
+        <p:grpSpPr>
+          <a:xfrm>
+            <a:off x="3497640" y="2904408"/>
+            <a:ext cx="2601684" cy="651963"/>
+            <a:chOff x="6761888" y="3256008"/>
+            <a:chExt cx="3189242" cy="761220"/>
+          </a:xfrm>
+        </p:grpSpPr>
+        <p:sp>
+          <p:nvSpPr>
+            <p:cNvPr id="51" name="Rectangle 50"/>
+            <p:cNvSpPr/>
+            <p:nvPr/>
+          </p:nvSpPr>
+          <p:spPr>
+            <a:xfrm>
+              <a:off x="6761888" y="3256008"/>
+              <a:ext cx="3189242" cy="761220"/>
+            </a:xfrm>
+            <a:prstGeom prst="rect">
+              <a:avLst/>
+            </a:prstGeom>
+          </p:spPr>
+          <p:style>
+            <a:lnRef idx="2">
+              <a:schemeClr val="accent1"/>
+            </a:lnRef>
+            <a:fillRef idx="1">
+              <a:schemeClr val="lt1"/>
+            </a:fillRef>
+            <a:effectRef idx="0">
+              <a:schemeClr val="accent1"/>
+            </a:effectRef>
+            <a:fontRef idx="minor">
+              <a:schemeClr val="dk1"/>
+            </a:fontRef>
+          </p:style>
+          <p:txBody>
+            <a:bodyPr rtlCol="0" anchor="ctr"/>
+            <a:lstStyle/>
+            <a:p>
+              <a:r>
+                <a:rPr lang="en-US" sz="1200" dirty="0" smtClean="0"/>
+                <a:t>                  Nombre</a:t>
+              </a:r>
+              <a:br>
+                <a:rPr lang="en-US" sz="1200" dirty="0" smtClean="0"/>
+              </a:br>
+              <a:r>
+                <a:rPr lang="en-US" sz="1200" dirty="0" smtClean="0"/>
+                <a:t>                  Lugar</a:t>
+              </a:r>
+              <a:endParaRPr lang="en-US" sz="1200" dirty="0"/>
+            </a:p>
+          </p:txBody>
+        </p:sp>
+        <p:pic>
+          <p:nvPicPr>
+            <p:cNvPr id="52" name="Picture 51"/>
+            <p:cNvPicPr>
+              <a:picLocks noChangeAspect="1"/>
+            </p:cNvPicPr>
+            <p:nvPr/>
+          </p:nvPicPr>
+          <p:blipFill>
+            <a:blip r:embed="rId4"/>
+            <a:stretch>
+              <a:fillRect/>
+            </a:stretch>
+          </p:blipFill>
+          <p:spPr>
+            <a:xfrm>
+              <a:off x="6837100" y="3345449"/>
+              <a:ext cx="641294" cy="577211"/>
+            </a:xfrm>
+            <a:prstGeom prst="rect">
+              <a:avLst/>
+            </a:prstGeom>
+          </p:spPr>
+        </p:pic>
+      </p:grpSp>
+      <p:grpSp>
+        <p:nvGrpSpPr>
+          <p:cNvPr id="53" name="Group 52"/>
+          <p:cNvGrpSpPr/>
+          <p:nvPr/>
+        </p:nvGrpSpPr>
+        <p:grpSpPr>
+          <a:xfrm>
+            <a:off x="3497640" y="3555430"/>
+            <a:ext cx="2601684" cy="651963"/>
+            <a:chOff x="6761888" y="3256008"/>
+            <a:chExt cx="3189242" cy="761220"/>
+          </a:xfrm>
+        </p:grpSpPr>
+        <p:sp>
+          <p:nvSpPr>
+            <p:cNvPr id="54" name="Rectangle 53"/>
+            <p:cNvSpPr/>
+            <p:nvPr/>
+          </p:nvSpPr>
+          <p:spPr>
+            <a:xfrm>
+              <a:off x="6761888" y="3256008"/>
+              <a:ext cx="3189242" cy="761220"/>
+            </a:xfrm>
+            <a:prstGeom prst="rect">
+              <a:avLst/>
+            </a:prstGeom>
+          </p:spPr>
+          <p:style>
+            <a:lnRef idx="2">
+              <a:schemeClr val="accent1"/>
+            </a:lnRef>
+            <a:fillRef idx="1">
+              <a:schemeClr val="lt1"/>
+            </a:fillRef>
+            <a:effectRef idx="0">
+              <a:schemeClr val="accent1"/>
+            </a:effectRef>
+            <a:fontRef idx="minor">
+              <a:schemeClr val="dk1"/>
+            </a:fontRef>
+          </p:style>
+          <p:txBody>
+            <a:bodyPr rtlCol="0" anchor="ctr"/>
+            <a:lstStyle/>
+            <a:p>
+              <a:r>
+                <a:rPr lang="en-US" sz="1200" dirty="0" smtClean="0"/>
+                <a:t>                  Nombre</a:t>
+              </a:r>
+              <a:br>
+                <a:rPr lang="en-US" sz="1200" dirty="0" smtClean="0"/>
+              </a:br>
+              <a:r>
+                <a:rPr lang="en-US" sz="1200" dirty="0" smtClean="0"/>
+                <a:t>                  Lugar</a:t>
+              </a:r>
+              <a:endParaRPr lang="en-US" sz="1200" dirty="0"/>
+            </a:p>
+          </p:txBody>
+        </p:sp>
+        <p:pic>
+          <p:nvPicPr>
+            <p:cNvPr id="55" name="Picture 54"/>
+            <p:cNvPicPr>
+              <a:picLocks noChangeAspect="1"/>
+            </p:cNvPicPr>
+            <p:nvPr/>
+          </p:nvPicPr>
+          <p:blipFill>
+            <a:blip r:embed="rId4"/>
+            <a:stretch>
+              <a:fillRect/>
+            </a:stretch>
+          </p:blipFill>
+          <p:spPr>
+            <a:xfrm>
+              <a:off x="6837100" y="3345449"/>
+              <a:ext cx="641294" cy="577211"/>
+            </a:xfrm>
+            <a:prstGeom prst="rect">
+              <a:avLst/>
+            </a:prstGeom>
+          </p:spPr>
+        </p:pic>
+      </p:grpSp>
+      <p:grpSp>
+        <p:nvGrpSpPr>
+          <p:cNvPr id="56" name="Group 55"/>
+          <p:cNvGrpSpPr/>
+          <p:nvPr/>
+        </p:nvGrpSpPr>
+        <p:grpSpPr>
+          <a:xfrm>
+            <a:off x="3497640" y="4209053"/>
+            <a:ext cx="2601684" cy="651963"/>
+            <a:chOff x="6761888" y="3256008"/>
+            <a:chExt cx="3189242" cy="761220"/>
+          </a:xfrm>
+        </p:grpSpPr>
+        <p:sp>
+          <p:nvSpPr>
+            <p:cNvPr id="57" name="Rectangle 56"/>
+            <p:cNvSpPr/>
+            <p:nvPr/>
+          </p:nvSpPr>
+          <p:spPr>
+            <a:xfrm>
+              <a:off x="6761888" y="3256008"/>
+              <a:ext cx="3189242" cy="761220"/>
+            </a:xfrm>
+            <a:prstGeom prst="rect">
+              <a:avLst/>
+            </a:prstGeom>
+          </p:spPr>
+          <p:style>
+            <a:lnRef idx="2">
+              <a:schemeClr val="accent1"/>
+            </a:lnRef>
+            <a:fillRef idx="1">
+              <a:schemeClr val="lt1"/>
+            </a:fillRef>
+            <a:effectRef idx="0">
+              <a:schemeClr val="accent1"/>
+            </a:effectRef>
+            <a:fontRef idx="minor">
+              <a:schemeClr val="dk1"/>
+            </a:fontRef>
+          </p:style>
+          <p:txBody>
+            <a:bodyPr rtlCol="0" anchor="ctr"/>
+            <a:lstStyle/>
+            <a:p>
+              <a:r>
+                <a:rPr lang="en-US" sz="1200" dirty="0" smtClean="0"/>
+                <a:t>                  Nombre</a:t>
+              </a:r>
+              <a:br>
+                <a:rPr lang="en-US" sz="1200" dirty="0" smtClean="0"/>
+              </a:br>
+              <a:r>
+                <a:rPr lang="en-US" sz="1200" dirty="0" smtClean="0"/>
+                <a:t>                  Lugar</a:t>
+              </a:r>
+              <a:endParaRPr lang="en-US" sz="1200" dirty="0"/>
+            </a:p>
+          </p:txBody>
+        </p:sp>
+        <p:pic>
+          <p:nvPicPr>
+            <p:cNvPr id="58" name="Picture 57"/>
+            <p:cNvPicPr>
+              <a:picLocks noChangeAspect="1"/>
+            </p:cNvPicPr>
+            <p:nvPr/>
+          </p:nvPicPr>
+          <p:blipFill>
+            <a:blip r:embed="rId4"/>
+            <a:stretch>
+              <a:fillRect/>
+            </a:stretch>
+          </p:blipFill>
+          <p:spPr>
+            <a:xfrm>
+              <a:off x="6837100" y="3345449"/>
+              <a:ext cx="641294" cy="577211"/>
+            </a:xfrm>
+            <a:prstGeom prst="rect">
+              <a:avLst/>
+            </a:prstGeom>
+          </p:spPr>
+        </p:pic>
+      </p:grpSp>
+      <p:sp>
+        <p:nvSpPr>
+          <p:cNvPr id="59" name="Rectangle 58"/>
+          <p:cNvSpPr/>
+          <p:nvPr/>
+        </p:nvSpPr>
+        <p:spPr>
+          <a:xfrm>
+            <a:off x="7566333" y="2091634"/>
+            <a:ext cx="2601685" cy="4420556"/>
           </a:xfrm>
           <a:prstGeom prst="rect">
             <a:avLst/>
           </a:prstGeom>
-          <a:noFill/>
-        </p:spPr>
-        <p:txBody>
-          <a:bodyPr wrap="none" rtlCol="0">
-            <a:spAutoFit/>
-          </a:bodyPr>
-          <a:lstStyle/>
-          <a:p>
-            <a:r>
-              <a:rPr lang="en-US" dirty="0" err="1" smtClean="0"/>
-              <a:t>Nombre</a:t>
-            </a:r>
-            <a:endParaRPr lang="en-US" dirty="0" smtClean="0"/>
-          </a:p>
-          <a:p>
-            <a:r>
-              <a:rPr lang="en-US" dirty="0" err="1" smtClean="0"/>
-              <a:t>Apellido</a:t>
-            </a:r>
-            <a:endParaRPr lang="en-US" dirty="0" smtClean="0"/>
-          </a:p>
-          <a:p>
-            <a:r>
-              <a:rPr lang="en-US" dirty="0" smtClean="0"/>
-              <a:t>.</a:t>
-            </a:r>
-          </a:p>
-          <a:p>
-            <a:r>
-              <a:rPr lang="en-US" dirty="0" smtClean="0"/>
-              <a:t>.</a:t>
-            </a:r>
-          </a:p>
-          <a:p>
-            <a:r>
-              <a:rPr lang="en-US" dirty="0" smtClean="0"/>
-              <a:t>.</a:t>
-            </a:r>
-          </a:p>
-          <a:p>
-            <a:r>
-              <a:rPr lang="en-US" dirty="0"/>
-              <a:t>.</a:t>
-            </a:r>
-          </a:p>
-        </p:txBody>
-      </p:sp>
-      <p:sp>
-        <p:nvSpPr>
-          <p:cNvPr id="18" name="Rectangle 17"/>
-          <p:cNvSpPr/>
-          <p:nvPr/>
-        </p:nvSpPr>
-        <p:spPr>
-          <a:xfrm>
-            <a:off x="866622" y="1183544"/>
-            <a:ext cx="1560893" cy="862969"/>
-          </a:xfrm>
-          <a:prstGeom prst="rect">
-            <a:avLst/>
-          </a:prstGeom>
+          <a:ln/>
         </p:spPr>
         <p:style>
           <a:lnRef idx="2">
@@ -5093,33 +5997,104 @@
       </p:sp>
       <p:sp>
         <p:nvSpPr>
-          <p:cNvPr id="19" name="Cloud 18"/>
+          <p:cNvPr id="61" name="TextBox 60"/>
+          <p:cNvSpPr txBox="1"/>
+          <p:nvPr/>
+        </p:nvSpPr>
+        <p:spPr>
+          <a:xfrm>
+            <a:off x="7758947" y="4562435"/>
+            <a:ext cx="2173817" cy="1015663"/>
+          </a:xfrm>
+          <a:prstGeom prst="rect">
+            <a:avLst/>
+          </a:prstGeom>
+          <a:noFill/>
+        </p:spPr>
+        <p:txBody>
+          <a:bodyPr wrap="square" rtlCol="0">
+            <a:spAutoFit/>
+          </a:bodyPr>
+          <a:lstStyle/>
+          <a:p>
+            <a:r>
+              <a:rPr lang="en-US" sz="1200" dirty="0" smtClean="0">
+                <a:solidFill>
+                  <a:schemeClr val="bg1"/>
+                </a:solidFill>
+              </a:rPr>
+              <a:t>Nombre</a:t>
+            </a:r>
+          </a:p>
+          <a:p>
+            <a:r>
+              <a:rPr lang="en-US" sz="1200" dirty="0" smtClean="0">
+                <a:solidFill>
+                  <a:schemeClr val="bg1"/>
+                </a:solidFill>
+              </a:rPr>
+              <a:t>Apellido</a:t>
+            </a:r>
+          </a:p>
+          <a:p>
+            <a:r>
+              <a:rPr lang="en-US" sz="1200" dirty="0" smtClean="0">
+                <a:solidFill>
+                  <a:schemeClr val="bg1"/>
+                </a:solidFill>
+              </a:rPr>
+              <a:t>.</a:t>
+            </a:r>
+          </a:p>
+          <a:p>
+            <a:r>
+              <a:rPr lang="en-US" sz="1200" dirty="0" smtClean="0">
+                <a:solidFill>
+                  <a:schemeClr val="bg1"/>
+                </a:solidFill>
+              </a:rPr>
+              <a:t>.</a:t>
+            </a:r>
+          </a:p>
+          <a:p>
+            <a:r>
+              <a:rPr lang="en-US" sz="1200" dirty="0">
+                <a:solidFill>
+                  <a:schemeClr val="bg1"/>
+                </a:solidFill>
+              </a:rPr>
+              <a:t>.</a:t>
+            </a:r>
+          </a:p>
+        </p:txBody>
+      </p:sp>
+      <p:sp>
+        <p:nvSpPr>
+          <p:cNvPr id="62" name="Rectangle 61"/>
           <p:cNvSpPr/>
           <p:nvPr/>
         </p:nvSpPr>
         <p:spPr>
           <a:xfrm>
-            <a:off x="7941128" y="256695"/>
-            <a:ext cx="1807028" cy="1273628"/>
-          </a:xfrm>
-          <a:prstGeom prst="cloud">
+            <a:off x="7758950" y="5625328"/>
+            <a:ext cx="2173816" cy="734462"/>
+          </a:xfrm>
+          <a:prstGeom prst="rect">
             <a:avLst/>
           </a:prstGeom>
         </p:spPr>
         <p:style>
           <a:lnRef idx="2">
-            <a:schemeClr val="accent1">
-              <a:shade val="50000"/>
-            </a:schemeClr>
+            <a:schemeClr val="accent1"/>
           </a:lnRef>
           <a:fillRef idx="1">
-            <a:schemeClr val="accent1"/>
+            <a:schemeClr val="lt1"/>
           </a:fillRef>
           <a:effectRef idx="0">
             <a:schemeClr val="accent1"/>
           </a:effectRef>
           <a:fontRef idx="minor">
-            <a:schemeClr val="lt1"/>
+            <a:schemeClr val="dk1"/>
           </a:fontRef>
         </p:style>
         <p:txBody>
@@ -5127,1053 +6102,99 @@
           <a:lstStyle/>
           <a:p>
             <a:pPr algn="ctr"/>
-            <a:endParaRPr lang="en-US"/>
-          </a:p>
-        </p:txBody>
-      </p:sp>
-      <p:sp>
-        <p:nvSpPr>
-          <p:cNvPr id="11" name="Rectangle 10"/>
-          <p:cNvSpPr/>
+            <a:endParaRPr lang="en-US" sz="1200" dirty="0" smtClean="0">
+              <a:solidFill>
+                <a:schemeClr val="dk1"/>
+              </a:solidFill>
+            </a:endParaRPr>
+          </a:p>
+          <a:p>
+            <a:pPr algn="ctr"/>
+            <a:r>
+              <a:rPr lang="en-US" sz="1200" dirty="0" err="1" smtClean="0">
+                <a:solidFill>
+                  <a:schemeClr val="dk1"/>
+                </a:solidFill>
+              </a:rPr>
+              <a:t>Detalles</a:t>
+            </a:r>
+            <a:endParaRPr lang="en-US" sz="1200" dirty="0"/>
+          </a:p>
+          <a:p>
+            <a:pPr algn="ctr"/>
+            <a:endParaRPr lang="en-US" sz="1200" dirty="0"/>
+          </a:p>
+          <a:p>
+            <a:pPr algn="ctr"/>
+            <a:endParaRPr lang="en-US" sz="1200" dirty="0">
+              <a:solidFill>
+                <a:schemeClr val="dk1"/>
+              </a:solidFill>
+            </a:endParaRPr>
+          </a:p>
+        </p:txBody>
+      </p:sp>
+      <p:pic>
+        <p:nvPicPr>
+          <p:cNvPr id="63" name="Picture 62"/>
+          <p:cNvPicPr>
+            <a:picLocks noChangeAspect="1"/>
+          </p:cNvPicPr>
           <p:nvPr/>
-        </p:nvSpPr>
-        <p:spPr>
-          <a:xfrm>
-            <a:off x="4776910" y="2170001"/>
-            <a:ext cx="2601685" cy="4049486"/>
+        </p:nvPicPr>
+        <p:blipFill>
+          <a:blip r:embed="rId4"/>
+          <a:stretch>
+            <a:fillRect/>
+          </a:stretch>
+        </p:blipFill>
+        <p:spPr>
+          <a:xfrm>
+            <a:off x="7758948" y="2341388"/>
+            <a:ext cx="2173817" cy="2173817"/>
           </a:xfrm>
           <a:prstGeom prst="rect">
             <a:avLst/>
           </a:prstGeom>
-          <a:noFill/>
-          <a:ln>
+        </p:spPr>
+      </p:pic>
+      <p:cxnSp>
+        <p:nvCxnSpPr>
+          <p:cNvPr id="65" name="Elbow Connector 64"/>
+          <p:cNvCxnSpPr>
+            <a:stCxn id="45" idx="3"/>
+            <a:endCxn id="59" idx="1"/>
+          </p:cNvCxnSpPr>
+          <p:nvPr/>
+        </p:nvCxnSpPr>
+        <p:spPr>
+          <a:xfrm>
+            <a:off x="6099324" y="1939744"/>
+            <a:ext cx="1467009" cy="2362168"/>
+          </a:xfrm>
+          <a:prstGeom prst="bentConnector3">
+            <a:avLst>
+              <a:gd name="adj1" fmla="val 50000"/>
+            </a:avLst>
+          </a:prstGeom>
+          <a:ln w="6350">
             <a:solidFill>
               <a:schemeClr val="bg1">
                 <a:lumMod val="65000"/>
               </a:schemeClr>
             </a:solidFill>
+            <a:headEnd type="none" w="med" len="med"/>
+            <a:tailEnd type="triangle" w="med" len="med"/>
           </a:ln>
         </p:spPr>
         <p:style>
           <a:lnRef idx="2">
-            <a:schemeClr val="accent1">
-              <a:shade val="50000"/>
-            </a:schemeClr>
-          </a:lnRef>
-          <a:fillRef idx="1">
-            <a:schemeClr val="accent1"/>
-          </a:fillRef>
-          <a:effectRef idx="0">
-            <a:schemeClr val="accent1"/>
-          </a:effectRef>
-          <a:fontRef idx="minor">
-            <a:schemeClr val="lt1"/>
-          </a:fontRef>
-        </p:style>
-        <p:txBody>
-          <a:bodyPr rtlCol="0" anchor="ctr"/>
-          <a:lstStyle/>
-          <a:p>
-            <a:pPr algn="ctr"/>
-            <a:endParaRPr lang="en-US"/>
-          </a:p>
-        </p:txBody>
-      </p:sp>
-      <p:sp>
-        <p:nvSpPr>
-          <p:cNvPr id="3" name="Rectangle 2"/>
-          <p:cNvSpPr/>
-          <p:nvPr/>
-        </p:nvSpPr>
-        <p:spPr>
-          <a:xfrm>
-            <a:off x="4776910" y="2190572"/>
-            <a:ext cx="2601685" cy="830534"/>
-          </a:xfrm>
-          <a:prstGeom prst="rect">
-            <a:avLst/>
-          </a:prstGeom>
-          <a:noFill/>
-          <a:ln>
-            <a:solidFill>
-              <a:schemeClr val="accent1"/>
-            </a:solidFill>
-          </a:ln>
-        </p:spPr>
-        <p:style>
-          <a:lnRef idx="2">
-            <a:schemeClr val="accent1">
-              <a:shade val="50000"/>
-            </a:schemeClr>
-          </a:lnRef>
-          <a:fillRef idx="1">
-            <a:schemeClr val="accent1"/>
-          </a:fillRef>
-          <a:effectRef idx="0">
-            <a:schemeClr val="accent1"/>
-          </a:effectRef>
-          <a:fontRef idx="minor">
-            <a:schemeClr val="lt1"/>
-          </a:fontRef>
-        </p:style>
-        <p:txBody>
-          <a:bodyPr rtlCol="0" anchor="ctr"/>
-          <a:lstStyle/>
-          <a:p>
-            <a:pPr algn="ctr"/>
-            <a:endParaRPr lang="en-US"/>
-          </a:p>
-        </p:txBody>
-      </p:sp>
-      <p:sp>
-        <p:nvSpPr>
-          <p:cNvPr id="4" name="Rectangle 3"/>
-          <p:cNvSpPr/>
-          <p:nvPr/>
-        </p:nvSpPr>
-        <p:spPr>
-          <a:xfrm>
-            <a:off x="5029200" y="2366682"/>
-            <a:ext cx="546847" cy="490427"/>
-          </a:xfrm>
-          <a:prstGeom prst="rect">
-            <a:avLst/>
-          </a:prstGeom>
-        </p:spPr>
-        <p:style>
-          <a:lnRef idx="2">
-            <a:schemeClr val="accent1">
-              <a:shade val="50000"/>
-            </a:schemeClr>
-          </a:lnRef>
-          <a:fillRef idx="1">
-            <a:schemeClr val="accent1"/>
-          </a:fillRef>
-          <a:effectRef idx="0">
-            <a:schemeClr val="accent1"/>
-          </a:effectRef>
-          <a:fontRef idx="minor">
-            <a:schemeClr val="lt1"/>
-          </a:fontRef>
-        </p:style>
-        <p:txBody>
-          <a:bodyPr rtlCol="0" anchor="ctr"/>
-          <a:lstStyle/>
-          <a:p>
-            <a:pPr algn="ctr"/>
-            <a:endParaRPr lang="en-US"/>
-          </a:p>
-        </p:txBody>
-      </p:sp>
-      <p:sp>
-        <p:nvSpPr>
-          <p:cNvPr id="5" name="TextBox 4"/>
-          <p:cNvSpPr txBox="1"/>
-          <p:nvPr/>
-        </p:nvSpPr>
-        <p:spPr>
-          <a:xfrm>
-            <a:off x="5665694" y="2236507"/>
-            <a:ext cx="954300" cy="369332"/>
-          </a:xfrm>
-          <a:prstGeom prst="rect">
-            <a:avLst/>
-          </a:prstGeom>
-          <a:noFill/>
-        </p:spPr>
-        <p:txBody>
-          <a:bodyPr wrap="none" rtlCol="0">
-            <a:spAutoFit/>
-          </a:bodyPr>
-          <a:lstStyle/>
-          <a:p>
-            <a:r>
-              <a:rPr lang="en-US" smtClean="0"/>
-              <a:t>Nombre</a:t>
-            </a:r>
-            <a:endParaRPr lang="en-US" dirty="0"/>
-          </a:p>
-        </p:txBody>
-      </p:sp>
-      <p:sp>
-        <p:nvSpPr>
-          <p:cNvPr id="21" name="TextBox 20"/>
-          <p:cNvSpPr txBox="1"/>
-          <p:nvPr/>
-        </p:nvSpPr>
-        <p:spPr>
-          <a:xfrm>
-            <a:off x="5665694" y="2529244"/>
-            <a:ext cx="699872" cy="369332"/>
-          </a:xfrm>
-          <a:prstGeom prst="rect">
-            <a:avLst/>
-          </a:prstGeom>
-          <a:noFill/>
-        </p:spPr>
-        <p:txBody>
-          <a:bodyPr wrap="none" rtlCol="0">
-            <a:spAutoFit/>
-          </a:bodyPr>
-          <a:lstStyle/>
-          <a:p>
-            <a:r>
-              <a:rPr lang="en-US" dirty="0" smtClean="0"/>
-              <a:t>Lugar</a:t>
-            </a:r>
-            <a:endParaRPr lang="en-US" dirty="0"/>
-          </a:p>
-        </p:txBody>
-      </p:sp>
-      <p:sp>
-        <p:nvSpPr>
-          <p:cNvPr id="22" name="Rectangle 21"/>
-          <p:cNvSpPr/>
-          <p:nvPr/>
-        </p:nvSpPr>
-        <p:spPr>
-          <a:xfrm>
-            <a:off x="4776910" y="3021106"/>
-            <a:ext cx="2601685" cy="830534"/>
-          </a:xfrm>
-          <a:prstGeom prst="rect">
-            <a:avLst/>
-          </a:prstGeom>
-          <a:noFill/>
-          <a:ln>
-            <a:solidFill>
-              <a:schemeClr val="accent1"/>
-            </a:solidFill>
-          </a:ln>
-        </p:spPr>
-        <p:style>
-          <a:lnRef idx="2">
-            <a:schemeClr val="accent1">
-              <a:shade val="50000"/>
-            </a:schemeClr>
-          </a:lnRef>
-          <a:fillRef idx="1">
-            <a:schemeClr val="accent1"/>
-          </a:fillRef>
-          <a:effectRef idx="0">
-            <a:schemeClr val="accent1"/>
-          </a:effectRef>
-          <a:fontRef idx="minor">
-            <a:schemeClr val="lt1"/>
-          </a:fontRef>
-        </p:style>
-        <p:txBody>
-          <a:bodyPr rtlCol="0" anchor="ctr"/>
-          <a:lstStyle/>
-          <a:p>
-            <a:pPr algn="ctr"/>
-            <a:endParaRPr lang="en-US"/>
-          </a:p>
-        </p:txBody>
-      </p:sp>
-      <p:sp>
-        <p:nvSpPr>
-          <p:cNvPr id="23" name="Rectangle 22"/>
-          <p:cNvSpPr/>
-          <p:nvPr/>
-        </p:nvSpPr>
-        <p:spPr>
-          <a:xfrm>
-            <a:off x="5029200" y="3197216"/>
-            <a:ext cx="546847" cy="490427"/>
-          </a:xfrm>
-          <a:prstGeom prst="rect">
-            <a:avLst/>
-          </a:prstGeom>
-        </p:spPr>
-        <p:style>
-          <a:lnRef idx="2">
-            <a:schemeClr val="accent1">
-              <a:shade val="50000"/>
-            </a:schemeClr>
-          </a:lnRef>
-          <a:fillRef idx="1">
-            <a:schemeClr val="accent1"/>
-          </a:fillRef>
-          <a:effectRef idx="0">
-            <a:schemeClr val="accent1"/>
-          </a:effectRef>
-          <a:fontRef idx="minor">
-            <a:schemeClr val="lt1"/>
-          </a:fontRef>
-        </p:style>
-        <p:txBody>
-          <a:bodyPr rtlCol="0" anchor="ctr"/>
-          <a:lstStyle/>
-          <a:p>
-            <a:pPr algn="ctr"/>
-            <a:endParaRPr lang="en-US"/>
-          </a:p>
-        </p:txBody>
-      </p:sp>
-      <p:sp>
-        <p:nvSpPr>
-          <p:cNvPr id="24" name="TextBox 23"/>
-          <p:cNvSpPr txBox="1"/>
-          <p:nvPr/>
-        </p:nvSpPr>
-        <p:spPr>
-          <a:xfrm>
-            <a:off x="5665694" y="3067041"/>
-            <a:ext cx="954300" cy="369332"/>
-          </a:xfrm>
-          <a:prstGeom prst="rect">
-            <a:avLst/>
-          </a:prstGeom>
-          <a:noFill/>
-        </p:spPr>
-        <p:txBody>
-          <a:bodyPr wrap="none" rtlCol="0">
-            <a:spAutoFit/>
-          </a:bodyPr>
-          <a:lstStyle/>
-          <a:p>
-            <a:r>
-              <a:rPr lang="en-US" smtClean="0"/>
-              <a:t>Nombre</a:t>
-            </a:r>
-            <a:endParaRPr lang="en-US" dirty="0"/>
-          </a:p>
-        </p:txBody>
-      </p:sp>
-      <p:sp>
-        <p:nvSpPr>
-          <p:cNvPr id="25" name="TextBox 24"/>
-          <p:cNvSpPr txBox="1"/>
-          <p:nvPr/>
-        </p:nvSpPr>
-        <p:spPr>
-          <a:xfrm>
-            <a:off x="5665694" y="3359778"/>
-            <a:ext cx="699872" cy="369332"/>
-          </a:xfrm>
-          <a:prstGeom prst="rect">
-            <a:avLst/>
-          </a:prstGeom>
-          <a:noFill/>
-        </p:spPr>
-        <p:txBody>
-          <a:bodyPr wrap="none" rtlCol="0">
-            <a:spAutoFit/>
-          </a:bodyPr>
-          <a:lstStyle/>
-          <a:p>
-            <a:r>
-              <a:rPr lang="en-US" dirty="0" smtClean="0"/>
-              <a:t>Lugar</a:t>
-            </a:r>
-            <a:endParaRPr lang="en-US" dirty="0"/>
-          </a:p>
-        </p:txBody>
-      </p:sp>
-      <p:sp>
-        <p:nvSpPr>
-          <p:cNvPr id="26" name="Rectangle 25"/>
-          <p:cNvSpPr/>
-          <p:nvPr/>
-        </p:nvSpPr>
-        <p:spPr>
-          <a:xfrm>
-            <a:off x="4776910" y="3851640"/>
-            <a:ext cx="2601685" cy="830534"/>
-          </a:xfrm>
-          <a:prstGeom prst="rect">
-            <a:avLst/>
-          </a:prstGeom>
-          <a:noFill/>
-          <a:ln>
-            <a:solidFill>
-              <a:schemeClr val="accent1"/>
-            </a:solidFill>
-          </a:ln>
-        </p:spPr>
-        <p:style>
-          <a:lnRef idx="2">
-            <a:schemeClr val="accent1">
-              <a:shade val="50000"/>
-            </a:schemeClr>
-          </a:lnRef>
-          <a:fillRef idx="1">
-            <a:schemeClr val="accent1"/>
-          </a:fillRef>
-          <a:effectRef idx="0">
-            <a:schemeClr val="accent1"/>
-          </a:effectRef>
-          <a:fontRef idx="minor">
-            <a:schemeClr val="lt1"/>
-          </a:fontRef>
-        </p:style>
-        <p:txBody>
-          <a:bodyPr rtlCol="0" anchor="ctr"/>
-          <a:lstStyle/>
-          <a:p>
-            <a:pPr algn="ctr"/>
-            <a:endParaRPr lang="en-US"/>
-          </a:p>
-        </p:txBody>
-      </p:sp>
-      <p:sp>
-        <p:nvSpPr>
-          <p:cNvPr id="27" name="Rectangle 26"/>
-          <p:cNvSpPr/>
-          <p:nvPr/>
-        </p:nvSpPr>
-        <p:spPr>
-          <a:xfrm>
-            <a:off x="5029200" y="4027750"/>
-            <a:ext cx="546847" cy="490427"/>
-          </a:xfrm>
-          <a:prstGeom prst="rect">
-            <a:avLst/>
-          </a:prstGeom>
-        </p:spPr>
-        <p:style>
-          <a:lnRef idx="2">
-            <a:schemeClr val="accent1">
-              <a:shade val="50000"/>
-            </a:schemeClr>
-          </a:lnRef>
-          <a:fillRef idx="1">
-            <a:schemeClr val="accent1"/>
-          </a:fillRef>
-          <a:effectRef idx="0">
-            <a:schemeClr val="accent1"/>
-          </a:effectRef>
-          <a:fontRef idx="minor">
-            <a:schemeClr val="lt1"/>
-          </a:fontRef>
-        </p:style>
-        <p:txBody>
-          <a:bodyPr rtlCol="0" anchor="ctr"/>
-          <a:lstStyle/>
-          <a:p>
-            <a:pPr algn="ctr"/>
-            <a:endParaRPr lang="en-US"/>
-          </a:p>
-        </p:txBody>
-      </p:sp>
-      <p:sp>
-        <p:nvSpPr>
-          <p:cNvPr id="28" name="TextBox 27"/>
-          <p:cNvSpPr txBox="1"/>
-          <p:nvPr/>
-        </p:nvSpPr>
-        <p:spPr>
-          <a:xfrm>
-            <a:off x="5665694" y="3897575"/>
-            <a:ext cx="954300" cy="369332"/>
-          </a:xfrm>
-          <a:prstGeom prst="rect">
-            <a:avLst/>
-          </a:prstGeom>
-          <a:noFill/>
-        </p:spPr>
-        <p:txBody>
-          <a:bodyPr wrap="none" rtlCol="0">
-            <a:spAutoFit/>
-          </a:bodyPr>
-          <a:lstStyle/>
-          <a:p>
-            <a:r>
-              <a:rPr lang="en-US" smtClean="0"/>
-              <a:t>Nombre</a:t>
-            </a:r>
-            <a:endParaRPr lang="en-US" dirty="0"/>
-          </a:p>
-        </p:txBody>
-      </p:sp>
-      <p:sp>
-        <p:nvSpPr>
-          <p:cNvPr id="29" name="TextBox 28"/>
-          <p:cNvSpPr txBox="1"/>
-          <p:nvPr/>
-        </p:nvSpPr>
-        <p:spPr>
-          <a:xfrm>
-            <a:off x="5665694" y="4190312"/>
-            <a:ext cx="699872" cy="369332"/>
-          </a:xfrm>
-          <a:prstGeom prst="rect">
-            <a:avLst/>
-          </a:prstGeom>
-          <a:noFill/>
-        </p:spPr>
-        <p:txBody>
-          <a:bodyPr wrap="none" rtlCol="0">
-            <a:spAutoFit/>
-          </a:bodyPr>
-          <a:lstStyle/>
-          <a:p>
-            <a:r>
-              <a:rPr lang="en-US" dirty="0" smtClean="0"/>
-              <a:t>Lugar</a:t>
-            </a:r>
-            <a:endParaRPr lang="en-US" dirty="0"/>
-          </a:p>
-        </p:txBody>
-      </p:sp>
-      <p:sp>
-        <p:nvSpPr>
-          <p:cNvPr id="30" name="Rectangle 29"/>
-          <p:cNvSpPr/>
-          <p:nvPr/>
-        </p:nvSpPr>
-        <p:spPr>
-          <a:xfrm>
-            <a:off x="4776910" y="4682174"/>
-            <a:ext cx="2601685" cy="830534"/>
-          </a:xfrm>
-          <a:prstGeom prst="rect">
-            <a:avLst/>
-          </a:prstGeom>
-          <a:noFill/>
-          <a:ln>
-            <a:solidFill>
-              <a:schemeClr val="accent1"/>
-            </a:solidFill>
-          </a:ln>
-        </p:spPr>
-        <p:style>
-          <a:lnRef idx="2">
-            <a:schemeClr val="accent1">
-              <a:shade val="50000"/>
-            </a:schemeClr>
-          </a:lnRef>
-          <a:fillRef idx="1">
-            <a:schemeClr val="accent1"/>
-          </a:fillRef>
-          <a:effectRef idx="0">
-            <a:schemeClr val="accent1"/>
-          </a:effectRef>
-          <a:fontRef idx="minor">
-            <a:schemeClr val="lt1"/>
-          </a:fontRef>
-        </p:style>
-        <p:txBody>
-          <a:bodyPr rtlCol="0" anchor="ctr"/>
-          <a:lstStyle/>
-          <a:p>
-            <a:pPr algn="ctr"/>
-            <a:endParaRPr lang="en-US"/>
-          </a:p>
-        </p:txBody>
-      </p:sp>
-      <p:sp>
-        <p:nvSpPr>
-          <p:cNvPr id="31" name="Rectangle 30"/>
-          <p:cNvSpPr/>
-          <p:nvPr/>
-        </p:nvSpPr>
-        <p:spPr>
-          <a:xfrm>
-            <a:off x="5029200" y="4858284"/>
-            <a:ext cx="546847" cy="490427"/>
-          </a:xfrm>
-          <a:prstGeom prst="rect">
-            <a:avLst/>
-          </a:prstGeom>
-        </p:spPr>
-        <p:style>
-          <a:lnRef idx="2">
-            <a:schemeClr val="accent1">
-              <a:shade val="50000"/>
-            </a:schemeClr>
-          </a:lnRef>
-          <a:fillRef idx="1">
-            <a:schemeClr val="accent1"/>
-          </a:fillRef>
-          <a:effectRef idx="0">
-            <a:schemeClr val="accent1"/>
-          </a:effectRef>
-          <a:fontRef idx="minor">
-            <a:schemeClr val="lt1"/>
-          </a:fontRef>
-        </p:style>
-        <p:txBody>
-          <a:bodyPr rtlCol="0" anchor="ctr"/>
-          <a:lstStyle/>
-          <a:p>
-            <a:pPr algn="ctr"/>
-            <a:endParaRPr lang="en-US"/>
-          </a:p>
-        </p:txBody>
-      </p:sp>
-      <p:sp>
-        <p:nvSpPr>
-          <p:cNvPr id="32" name="TextBox 31"/>
-          <p:cNvSpPr txBox="1"/>
-          <p:nvPr/>
-        </p:nvSpPr>
-        <p:spPr>
-          <a:xfrm>
-            <a:off x="5665694" y="4728109"/>
-            <a:ext cx="954300" cy="369332"/>
-          </a:xfrm>
-          <a:prstGeom prst="rect">
-            <a:avLst/>
-          </a:prstGeom>
-          <a:noFill/>
-        </p:spPr>
-        <p:txBody>
-          <a:bodyPr wrap="none" rtlCol="0">
-            <a:spAutoFit/>
-          </a:bodyPr>
-          <a:lstStyle/>
-          <a:p>
-            <a:r>
-              <a:rPr lang="en-US" smtClean="0"/>
-              <a:t>Nombre</a:t>
-            </a:r>
-            <a:endParaRPr lang="en-US" dirty="0"/>
-          </a:p>
-        </p:txBody>
-      </p:sp>
-      <p:sp>
-        <p:nvSpPr>
-          <p:cNvPr id="33" name="TextBox 32"/>
-          <p:cNvSpPr txBox="1"/>
-          <p:nvPr/>
-        </p:nvSpPr>
-        <p:spPr>
-          <a:xfrm>
-            <a:off x="5665694" y="5020846"/>
-            <a:ext cx="699872" cy="369332"/>
-          </a:xfrm>
-          <a:prstGeom prst="rect">
-            <a:avLst/>
-          </a:prstGeom>
-          <a:noFill/>
-        </p:spPr>
-        <p:txBody>
-          <a:bodyPr wrap="none" rtlCol="0">
-            <a:spAutoFit/>
-          </a:bodyPr>
-          <a:lstStyle/>
-          <a:p>
-            <a:r>
-              <a:rPr lang="en-US" dirty="0" smtClean="0"/>
-              <a:t>Lugar</a:t>
-            </a:r>
-            <a:endParaRPr lang="en-US" dirty="0"/>
-          </a:p>
-        </p:txBody>
-      </p:sp>
-      <p:sp>
-        <p:nvSpPr>
-          <p:cNvPr id="34" name="Rectangle 33"/>
-          <p:cNvSpPr/>
-          <p:nvPr/>
-        </p:nvSpPr>
-        <p:spPr>
-          <a:xfrm>
-            <a:off x="4776910" y="5517902"/>
-            <a:ext cx="2601685" cy="830534"/>
-          </a:xfrm>
-          <a:prstGeom prst="rect">
-            <a:avLst/>
-          </a:prstGeom>
-          <a:noFill/>
-          <a:ln>
-            <a:solidFill>
-              <a:schemeClr val="accent1"/>
-            </a:solidFill>
-          </a:ln>
-        </p:spPr>
-        <p:style>
-          <a:lnRef idx="2">
-            <a:schemeClr val="accent1">
-              <a:shade val="50000"/>
-            </a:schemeClr>
-          </a:lnRef>
-          <a:fillRef idx="1">
-            <a:schemeClr val="accent1"/>
-          </a:fillRef>
-          <a:effectRef idx="0">
-            <a:schemeClr val="accent1"/>
-          </a:effectRef>
-          <a:fontRef idx="minor">
-            <a:schemeClr val="lt1"/>
-          </a:fontRef>
-        </p:style>
-        <p:txBody>
-          <a:bodyPr rtlCol="0" anchor="ctr"/>
-          <a:lstStyle/>
-          <a:p>
-            <a:pPr algn="ctr"/>
-            <a:endParaRPr lang="en-US"/>
-          </a:p>
-        </p:txBody>
-      </p:sp>
-      <p:sp>
-        <p:nvSpPr>
-          <p:cNvPr id="35" name="Rectangle 34"/>
-          <p:cNvSpPr/>
-          <p:nvPr/>
-        </p:nvSpPr>
-        <p:spPr>
-          <a:xfrm>
-            <a:off x="5029200" y="5694012"/>
-            <a:ext cx="546847" cy="490427"/>
-          </a:xfrm>
-          <a:prstGeom prst="rect">
-            <a:avLst/>
-          </a:prstGeom>
-        </p:spPr>
-        <p:style>
-          <a:lnRef idx="2">
-            <a:schemeClr val="accent1">
-              <a:shade val="50000"/>
-            </a:schemeClr>
-          </a:lnRef>
-          <a:fillRef idx="1">
-            <a:schemeClr val="accent1"/>
-          </a:fillRef>
-          <a:effectRef idx="0">
-            <a:schemeClr val="accent1"/>
-          </a:effectRef>
-          <a:fontRef idx="minor">
-            <a:schemeClr val="lt1"/>
-          </a:fontRef>
-        </p:style>
-        <p:txBody>
-          <a:bodyPr rtlCol="0" anchor="ctr"/>
-          <a:lstStyle/>
-          <a:p>
-            <a:pPr algn="ctr"/>
-            <a:endParaRPr lang="en-US"/>
-          </a:p>
-        </p:txBody>
-      </p:sp>
-      <p:sp>
-        <p:nvSpPr>
-          <p:cNvPr id="36" name="TextBox 35"/>
-          <p:cNvSpPr txBox="1"/>
-          <p:nvPr/>
-        </p:nvSpPr>
-        <p:spPr>
-          <a:xfrm>
-            <a:off x="5665694" y="5563837"/>
-            <a:ext cx="954300" cy="369332"/>
-          </a:xfrm>
-          <a:prstGeom prst="rect">
-            <a:avLst/>
-          </a:prstGeom>
-          <a:noFill/>
-        </p:spPr>
-        <p:txBody>
-          <a:bodyPr wrap="none" rtlCol="0">
-            <a:spAutoFit/>
-          </a:bodyPr>
-          <a:lstStyle/>
-          <a:p>
-            <a:r>
-              <a:rPr lang="en-US" smtClean="0"/>
-              <a:t>Nombre</a:t>
-            </a:r>
-            <a:endParaRPr lang="en-US" dirty="0"/>
-          </a:p>
-        </p:txBody>
-      </p:sp>
-      <p:sp>
-        <p:nvSpPr>
-          <p:cNvPr id="37" name="TextBox 36"/>
-          <p:cNvSpPr txBox="1"/>
-          <p:nvPr/>
-        </p:nvSpPr>
-        <p:spPr>
-          <a:xfrm>
-            <a:off x="5665694" y="5856574"/>
-            <a:ext cx="699872" cy="369332"/>
-          </a:xfrm>
-          <a:prstGeom prst="rect">
-            <a:avLst/>
-          </a:prstGeom>
-          <a:noFill/>
-        </p:spPr>
-        <p:txBody>
-          <a:bodyPr wrap="none" rtlCol="0">
-            <a:spAutoFit/>
-          </a:bodyPr>
-          <a:lstStyle/>
-          <a:p>
-            <a:r>
-              <a:rPr lang="en-US" dirty="0" smtClean="0"/>
-              <a:t>Lugar</a:t>
-            </a:r>
-            <a:endParaRPr lang="en-US" dirty="0"/>
-          </a:p>
-        </p:txBody>
-      </p:sp>
-      <p:sp>
-        <p:nvSpPr>
-          <p:cNvPr id="38" name="Rectangle 37"/>
-          <p:cNvSpPr/>
-          <p:nvPr/>
-        </p:nvSpPr>
-        <p:spPr>
-          <a:xfrm>
-            <a:off x="8447313" y="2253606"/>
-            <a:ext cx="2601685" cy="4049486"/>
-          </a:xfrm>
-          <a:prstGeom prst="rect">
-            <a:avLst/>
-          </a:prstGeom>
-          <a:noFill/>
-          <a:ln>
-            <a:solidFill>
-              <a:schemeClr val="bg1">
-                <a:lumMod val="65000"/>
-              </a:schemeClr>
-            </a:solidFill>
-          </a:ln>
-        </p:spPr>
-        <p:style>
-          <a:lnRef idx="2">
-            <a:schemeClr val="accent1">
-              <a:shade val="50000"/>
-            </a:schemeClr>
-          </a:lnRef>
-          <a:fillRef idx="1">
-            <a:schemeClr val="accent1"/>
-          </a:fillRef>
-          <a:effectRef idx="0">
-            <a:schemeClr val="accent1"/>
-          </a:effectRef>
-          <a:fontRef idx="minor">
-            <a:schemeClr val="lt1"/>
-          </a:fontRef>
-        </p:style>
-        <p:txBody>
-          <a:bodyPr rtlCol="0" anchor="ctr"/>
-          <a:lstStyle/>
-          <a:p>
-            <a:pPr algn="ctr"/>
-            <a:endParaRPr lang="en-US"/>
-          </a:p>
-        </p:txBody>
-      </p:sp>
-      <p:sp>
-        <p:nvSpPr>
-          <p:cNvPr id="40" name="TextBox 39"/>
-          <p:cNvSpPr txBox="1"/>
-          <p:nvPr/>
-        </p:nvSpPr>
-        <p:spPr>
-          <a:xfrm>
-            <a:off x="8464848" y="2341865"/>
-            <a:ext cx="954300" cy="369332"/>
-          </a:xfrm>
-          <a:prstGeom prst="rect">
-            <a:avLst/>
-          </a:prstGeom>
-          <a:noFill/>
-        </p:spPr>
-        <p:txBody>
-          <a:bodyPr wrap="none" rtlCol="0">
-            <a:spAutoFit/>
-          </a:bodyPr>
-          <a:lstStyle/>
-          <a:p>
-            <a:r>
-              <a:rPr lang="en-US" dirty="0" err="1" smtClean="0"/>
-              <a:t>Nombre</a:t>
-            </a:r>
-            <a:endParaRPr lang="en-US" dirty="0"/>
-          </a:p>
-        </p:txBody>
-      </p:sp>
-      <p:sp>
-        <p:nvSpPr>
-          <p:cNvPr id="41" name="TextBox 40"/>
-          <p:cNvSpPr txBox="1"/>
-          <p:nvPr/>
-        </p:nvSpPr>
-        <p:spPr>
-          <a:xfrm>
-            <a:off x="8560233" y="3884054"/>
-            <a:ext cx="1399555" cy="923330"/>
-          </a:xfrm>
-          <a:prstGeom prst="rect">
-            <a:avLst/>
-          </a:prstGeom>
-          <a:noFill/>
-        </p:spPr>
-        <p:txBody>
-          <a:bodyPr wrap="square" rtlCol="0">
-            <a:spAutoFit/>
-          </a:bodyPr>
-          <a:lstStyle/>
-          <a:p>
-            <a:r>
-              <a:rPr lang="en-US" dirty="0" err="1" smtClean="0"/>
-              <a:t>Datos</a:t>
-            </a:r>
-            <a:r>
-              <a:rPr lang="en-US" dirty="0" smtClean="0"/>
-              <a:t> Lugar</a:t>
-            </a:r>
-            <a:endParaRPr lang="en-US" dirty="0" smtClean="0"/>
-          </a:p>
-          <a:p>
-            <a:r>
-              <a:rPr lang="en-US" dirty="0" err="1" smtClean="0"/>
-              <a:t>Telefóno</a:t>
-            </a:r>
-            <a:endParaRPr lang="en-US" dirty="0" smtClean="0"/>
-          </a:p>
-          <a:p>
-            <a:r>
-              <a:rPr lang="en-US" dirty="0" err="1" smtClean="0"/>
-              <a:t>Dirección</a:t>
-            </a:r>
-            <a:endParaRPr lang="en-US" dirty="0" smtClean="0"/>
-          </a:p>
-        </p:txBody>
-      </p:sp>
-      <p:sp>
-        <p:nvSpPr>
-          <p:cNvPr id="42" name="Rectangle 41"/>
-          <p:cNvSpPr/>
-          <p:nvPr/>
-        </p:nvSpPr>
-        <p:spPr>
-          <a:xfrm>
-            <a:off x="8967708" y="2866141"/>
-            <a:ext cx="1560893" cy="862969"/>
-          </a:xfrm>
-          <a:prstGeom prst="rect">
-            <a:avLst/>
-          </a:prstGeom>
-        </p:spPr>
-        <p:style>
-          <a:lnRef idx="2">
-            <a:schemeClr val="accent1">
-              <a:shade val="50000"/>
-            </a:schemeClr>
-          </a:lnRef>
-          <a:fillRef idx="1">
-            <a:schemeClr val="accent1"/>
-          </a:fillRef>
-          <a:effectRef idx="0">
-            <a:schemeClr val="accent1"/>
-          </a:effectRef>
-          <a:fontRef idx="minor">
-            <a:schemeClr val="lt1"/>
-          </a:fontRef>
-        </p:style>
-        <p:txBody>
-          <a:bodyPr rtlCol="0" anchor="ctr"/>
-          <a:lstStyle/>
-          <a:p>
-            <a:pPr algn="ctr"/>
-            <a:endParaRPr lang="en-US"/>
-          </a:p>
-        </p:txBody>
-      </p:sp>
-      <p:sp>
-        <p:nvSpPr>
-          <p:cNvPr id="6" name="Rectangle 5"/>
-          <p:cNvSpPr/>
-          <p:nvPr/>
-        </p:nvSpPr>
-        <p:spPr>
-          <a:xfrm>
-            <a:off x="8560233" y="5020470"/>
-            <a:ext cx="2349813" cy="1020394"/>
-          </a:xfrm>
-          <a:prstGeom prst="rect">
-            <a:avLst/>
-          </a:prstGeom>
-        </p:spPr>
-        <p:style>
-          <a:lnRef idx="2">
-            <a:schemeClr val="accent1">
-              <a:shade val="50000"/>
-            </a:schemeClr>
-          </a:lnRef>
-          <a:fillRef idx="1">
-            <a:schemeClr val="accent1"/>
-          </a:fillRef>
-          <a:effectRef idx="0">
-            <a:schemeClr val="accent1"/>
-          </a:effectRef>
-          <a:fontRef idx="minor">
-            <a:schemeClr val="lt1"/>
-          </a:fontRef>
-        </p:style>
-        <p:txBody>
-          <a:bodyPr rtlCol="0" anchor="ctr"/>
-          <a:lstStyle/>
-          <a:p>
-            <a:pPr algn="ctr"/>
-            <a:endParaRPr lang="en-US"/>
-          </a:p>
-        </p:txBody>
-      </p:sp>
-      <p:cxnSp>
-        <p:nvCxnSpPr>
-          <p:cNvPr id="43" name="Straight Arrow Connector 42"/>
-          <p:cNvCxnSpPr/>
-          <p:nvPr/>
-        </p:nvCxnSpPr>
-        <p:spPr>
-          <a:xfrm>
-            <a:off x="2312894" y="3436373"/>
-            <a:ext cx="2581835" cy="830534"/>
-          </a:xfrm>
-          <a:prstGeom prst="straightConnector1">
-            <a:avLst/>
-          </a:prstGeom>
-          <a:ln>
-            <a:tailEnd type="triangle"/>
-          </a:ln>
-        </p:spPr>
-        <p:style>
-          <a:lnRef idx="1">
             <a:schemeClr val="accent1"/>
           </a:lnRef>
           <a:fillRef idx="0">
             <a:schemeClr val="accent1"/>
           </a:fillRef>
-          <a:effectRef idx="0">
-            <a:schemeClr val="accent1"/>
-          </a:effectRef>
-          <a:fontRef idx="minor">
-            <a:schemeClr val="tx1"/>
-          </a:fontRef>
-        </p:style>
-      </p:cxnSp>
-      <p:cxnSp>
-        <p:nvCxnSpPr>
-          <p:cNvPr id="44" name="Straight Arrow Connector 43"/>
-          <p:cNvCxnSpPr/>
-          <p:nvPr/>
-        </p:nvCxnSpPr>
-        <p:spPr>
-          <a:xfrm>
-            <a:off x="6916047" y="3265212"/>
-            <a:ext cx="1824541" cy="302275"/>
-          </a:xfrm>
-          <a:prstGeom prst="straightConnector1">
-            <a:avLst/>
-          </a:prstGeom>
-          <a:ln>
-            <a:tailEnd type="triangle"/>
-          </a:ln>
-        </p:spPr>
-        <p:style>
-          <a:lnRef idx="1">
-            <a:schemeClr val="accent1"/>
-          </a:lnRef>
-          <a:fillRef idx="0">
-            <a:schemeClr val="accent1"/>
-          </a:fillRef>
-          <a:effectRef idx="0">
+          <a:effectRef idx="1">
             <a:schemeClr val="accent1"/>
           </a:effectRef>
           <a:fontRef idx="minor">
@@ -6184,7 +6205,7 @@
     </p:spTree>
     <p:extLst>
       <p:ext uri="{BB962C8B-B14F-4D97-AF65-F5344CB8AC3E}">
-        <p14:creationId xmlns:p14="http://schemas.microsoft.com/office/powerpoint/2010/main" val="150213315"/>
+        <p14:creationId xmlns:p14="http://schemas.microsoft.com/office/powerpoint/2010/main" val="1566849022"/>
       </p:ext>
     </p:extLst>
   </p:cSld>

--- a/docs/high-level-architecture.pptx
+++ b/docs/high-level-architecture.pptx
@@ -5,12 +5,11 @@
     <p:sldMasterId id="2147483648" r:id="rId1"/>
   </p:sldMasterIdLst>
   <p:notesMasterIdLst>
-    <p:notesMasterId r:id="rId5"/>
+    <p:notesMasterId r:id="rId4"/>
   </p:notesMasterIdLst>
   <p:sldIdLst>
     <p:sldId id="256" r:id="rId2"/>
-    <p:sldId id="257" r:id="rId3"/>
-    <p:sldId id="259" r:id="rId4"/>
+    <p:sldId id="260" r:id="rId3"/>
   </p:sldIdLst>
   <p:sldSz cx="12192000" cy="6858000"/>
   <p:notesSz cx="6858000" cy="9144000"/>
@@ -199,7 +198,7 @@
           <a:p>
             <a:fld id="{2712D60C-53E1-EB4B-A0D4-1C1DBEDFE290}" type="datetimeFigureOut">
               <a:rPr lang="en-US" smtClean="0"/>
-              <a:t>9/22/17</a:t>
+              <a:t>11/1/17</a:t>
             </a:fld>
             <a:endParaRPr lang="en-US"/>
           </a:p>
@@ -263,38 +262,37 @@
           <a:p>
             <a:pPr lvl="0"/>
             <a:r>
-              <a:rPr lang="en-US" smtClean="0"/>
+              <a:rPr lang="en-US"/>
               <a:t>Click to edit Master text styles</a:t>
             </a:r>
           </a:p>
           <a:p>
             <a:pPr lvl="1"/>
             <a:r>
-              <a:rPr lang="en-US" smtClean="0"/>
+              <a:rPr lang="en-US"/>
               <a:t>Second level</a:t>
             </a:r>
           </a:p>
           <a:p>
             <a:pPr lvl="2"/>
             <a:r>
-              <a:rPr lang="en-US" smtClean="0"/>
+              <a:rPr lang="en-US"/>
               <a:t>Third level</a:t>
             </a:r>
           </a:p>
           <a:p>
             <a:pPr lvl="3"/>
             <a:r>
-              <a:rPr lang="en-US" smtClean="0"/>
+              <a:rPr lang="en-US"/>
               <a:t>Fourth level</a:t>
             </a:r>
           </a:p>
           <a:p>
             <a:pPr lvl="4"/>
             <a:r>
-              <a:rPr lang="en-US" smtClean="0"/>
+              <a:rPr lang="en-US"/>
               <a:t>Fifth level</a:t>
             </a:r>
-            <a:endParaRPr lang="en-US"/>
           </a:p>
         </p:txBody>
       </p:sp>
@@ -509,10 +507,9 @@
           </a:lstStyle>
           <a:p>
             <a:r>
-              <a:rPr lang="en-US" smtClean="0"/>
+              <a:rPr lang="en-US"/>
               <a:t>Click to edit Master title style</a:t>
             </a:r>
-            <a:endParaRPr lang="en-US"/>
           </a:p>
         </p:txBody>
       </p:sp>
@@ -574,10 +571,9 @@
           </a:lstStyle>
           <a:p>
             <a:r>
-              <a:rPr lang="en-US" smtClean="0"/>
+              <a:rPr lang="en-US"/>
               <a:t>Click to edit Master subtitle style</a:t>
             </a:r>
-            <a:endParaRPr lang="en-US"/>
           </a:p>
         </p:txBody>
       </p:sp>
@@ -598,7 +594,7 @@
           <a:p>
             <a:fld id="{7A578F14-283A-954B-93B6-F5883A28CC6E}" type="datetimeFigureOut">
               <a:rPr lang="en-US" smtClean="0"/>
-              <a:t>9/22/17</a:t>
+              <a:t>11/1/17</a:t>
             </a:fld>
             <a:endParaRPr lang="en-US"/>
           </a:p>
@@ -692,10 +688,9 @@
           <a:lstStyle/>
           <a:p>
             <a:r>
-              <a:rPr lang="en-US" smtClean="0"/>
+              <a:rPr lang="en-US"/>
               <a:t>Click to edit Master title style</a:t>
             </a:r>
-            <a:endParaRPr lang="en-US"/>
           </a:p>
         </p:txBody>
       </p:sp>
@@ -716,38 +711,37 @@
           <a:p>
             <a:pPr lvl="0"/>
             <a:r>
-              <a:rPr lang="en-US" smtClean="0"/>
+              <a:rPr lang="en-US"/>
               <a:t>Click to edit Master text styles</a:t>
             </a:r>
           </a:p>
           <a:p>
             <a:pPr lvl="1"/>
             <a:r>
-              <a:rPr lang="en-US" smtClean="0"/>
+              <a:rPr lang="en-US"/>
               <a:t>Second level</a:t>
             </a:r>
           </a:p>
           <a:p>
             <a:pPr lvl="2"/>
             <a:r>
-              <a:rPr lang="en-US" smtClean="0"/>
+              <a:rPr lang="en-US"/>
               <a:t>Third level</a:t>
             </a:r>
           </a:p>
           <a:p>
             <a:pPr lvl="3"/>
             <a:r>
-              <a:rPr lang="en-US" smtClean="0"/>
+              <a:rPr lang="en-US"/>
               <a:t>Fourth level</a:t>
             </a:r>
           </a:p>
           <a:p>
             <a:pPr lvl="4"/>
             <a:r>
-              <a:rPr lang="en-US" smtClean="0"/>
+              <a:rPr lang="en-US"/>
               <a:t>Fifth level</a:t>
             </a:r>
-            <a:endParaRPr lang="en-US"/>
           </a:p>
         </p:txBody>
       </p:sp>
@@ -768,7 +762,7 @@
           <a:p>
             <a:fld id="{7A578F14-283A-954B-93B6-F5883A28CC6E}" type="datetimeFigureOut">
               <a:rPr lang="en-US" smtClean="0"/>
-              <a:t>9/22/17</a:t>
+              <a:t>11/1/17</a:t>
             </a:fld>
             <a:endParaRPr lang="en-US"/>
           </a:p>
@@ -867,10 +861,9 @@
           <a:lstStyle/>
           <a:p>
             <a:r>
-              <a:rPr lang="en-US" smtClean="0"/>
+              <a:rPr lang="en-US"/>
               <a:t>Click to edit Master title style</a:t>
             </a:r>
-            <a:endParaRPr lang="en-US"/>
           </a:p>
         </p:txBody>
       </p:sp>
@@ -896,38 +889,37 @@
           <a:p>
             <a:pPr lvl="0"/>
             <a:r>
-              <a:rPr lang="en-US" smtClean="0"/>
+              <a:rPr lang="en-US"/>
               <a:t>Click to edit Master text styles</a:t>
             </a:r>
           </a:p>
           <a:p>
             <a:pPr lvl="1"/>
             <a:r>
-              <a:rPr lang="en-US" smtClean="0"/>
+              <a:rPr lang="en-US"/>
               <a:t>Second level</a:t>
             </a:r>
           </a:p>
           <a:p>
             <a:pPr lvl="2"/>
             <a:r>
-              <a:rPr lang="en-US" smtClean="0"/>
+              <a:rPr lang="en-US"/>
               <a:t>Third level</a:t>
             </a:r>
           </a:p>
           <a:p>
             <a:pPr lvl="3"/>
             <a:r>
-              <a:rPr lang="en-US" smtClean="0"/>
+              <a:rPr lang="en-US"/>
               <a:t>Fourth level</a:t>
             </a:r>
           </a:p>
           <a:p>
             <a:pPr lvl="4"/>
             <a:r>
-              <a:rPr lang="en-US" smtClean="0"/>
+              <a:rPr lang="en-US"/>
               <a:t>Fifth level</a:t>
             </a:r>
-            <a:endParaRPr lang="en-US"/>
           </a:p>
         </p:txBody>
       </p:sp>
@@ -948,7 +940,7 @@
           <a:p>
             <a:fld id="{7A578F14-283A-954B-93B6-F5883A28CC6E}" type="datetimeFigureOut">
               <a:rPr lang="en-US" smtClean="0"/>
-              <a:t>9/22/17</a:t>
+              <a:t>11/1/17</a:t>
             </a:fld>
             <a:endParaRPr lang="en-US"/>
           </a:p>
@@ -1042,10 +1034,9 @@
           <a:lstStyle/>
           <a:p>
             <a:r>
-              <a:rPr lang="en-US" smtClean="0"/>
+              <a:rPr lang="en-US"/>
               <a:t>Click to edit Master title style</a:t>
             </a:r>
-            <a:endParaRPr lang="en-US"/>
           </a:p>
         </p:txBody>
       </p:sp>
@@ -1066,38 +1057,37 @@
           <a:p>
             <a:pPr lvl="0"/>
             <a:r>
-              <a:rPr lang="en-US" smtClean="0"/>
+              <a:rPr lang="en-US"/>
               <a:t>Click to edit Master text styles</a:t>
             </a:r>
           </a:p>
           <a:p>
             <a:pPr lvl="1"/>
             <a:r>
-              <a:rPr lang="en-US" smtClean="0"/>
+              <a:rPr lang="en-US"/>
               <a:t>Second level</a:t>
             </a:r>
           </a:p>
           <a:p>
             <a:pPr lvl="2"/>
             <a:r>
-              <a:rPr lang="en-US" smtClean="0"/>
+              <a:rPr lang="en-US"/>
               <a:t>Third level</a:t>
             </a:r>
           </a:p>
           <a:p>
             <a:pPr lvl="3"/>
             <a:r>
-              <a:rPr lang="en-US" smtClean="0"/>
+              <a:rPr lang="en-US"/>
               <a:t>Fourth level</a:t>
             </a:r>
           </a:p>
           <a:p>
             <a:pPr lvl="4"/>
             <a:r>
-              <a:rPr lang="en-US" smtClean="0"/>
+              <a:rPr lang="en-US"/>
               <a:t>Fifth level</a:t>
             </a:r>
-            <a:endParaRPr lang="en-US"/>
           </a:p>
         </p:txBody>
       </p:sp>
@@ -1118,7 +1108,7 @@
           <a:p>
             <a:fld id="{7A578F14-283A-954B-93B6-F5883A28CC6E}" type="datetimeFigureOut">
               <a:rPr lang="en-US" smtClean="0"/>
-              <a:t>9/22/17</a:t>
+              <a:t>11/1/17</a:t>
             </a:fld>
             <a:endParaRPr lang="en-US"/>
           </a:p>
@@ -1221,10 +1211,9 @@
           </a:lstStyle>
           <a:p>
             <a:r>
-              <a:rPr lang="en-US" smtClean="0"/>
+              <a:rPr lang="en-US"/>
               <a:t>Click to edit Master title style</a:t>
             </a:r>
-            <a:endParaRPr lang="en-US"/>
           </a:p>
         </p:txBody>
       </p:sp>
@@ -1341,7 +1330,7 @@
           <a:p>
             <a:pPr lvl="0"/>
             <a:r>
-              <a:rPr lang="en-US" smtClean="0"/>
+              <a:rPr lang="en-US"/>
               <a:t>Click to edit Master text styles</a:t>
             </a:r>
           </a:p>
@@ -1364,7 +1353,7 @@
           <a:p>
             <a:fld id="{7A578F14-283A-954B-93B6-F5883A28CC6E}" type="datetimeFigureOut">
               <a:rPr lang="en-US" smtClean="0"/>
-              <a:t>9/22/17</a:t>
+              <a:t>11/1/17</a:t>
             </a:fld>
             <a:endParaRPr lang="en-US"/>
           </a:p>
@@ -1458,10 +1447,9 @@
           <a:lstStyle/>
           <a:p>
             <a:r>
-              <a:rPr lang="en-US" smtClean="0"/>
+              <a:rPr lang="en-US"/>
               <a:t>Click to edit Master title style</a:t>
             </a:r>
-            <a:endParaRPr lang="en-US"/>
           </a:p>
         </p:txBody>
       </p:sp>
@@ -1487,38 +1475,37 @@
           <a:p>
             <a:pPr lvl="0"/>
             <a:r>
-              <a:rPr lang="en-US" smtClean="0"/>
+              <a:rPr lang="en-US"/>
               <a:t>Click to edit Master text styles</a:t>
             </a:r>
           </a:p>
           <a:p>
             <a:pPr lvl="1"/>
             <a:r>
-              <a:rPr lang="en-US" smtClean="0"/>
+              <a:rPr lang="en-US"/>
               <a:t>Second level</a:t>
             </a:r>
           </a:p>
           <a:p>
             <a:pPr lvl="2"/>
             <a:r>
-              <a:rPr lang="en-US" smtClean="0"/>
+              <a:rPr lang="en-US"/>
               <a:t>Third level</a:t>
             </a:r>
           </a:p>
           <a:p>
             <a:pPr lvl="3"/>
             <a:r>
-              <a:rPr lang="en-US" smtClean="0"/>
+              <a:rPr lang="en-US"/>
               <a:t>Fourth level</a:t>
             </a:r>
           </a:p>
           <a:p>
             <a:pPr lvl="4"/>
             <a:r>
-              <a:rPr lang="en-US" smtClean="0"/>
+              <a:rPr lang="en-US"/>
               <a:t>Fifth level</a:t>
             </a:r>
-            <a:endParaRPr lang="en-US"/>
           </a:p>
         </p:txBody>
       </p:sp>
@@ -1544,38 +1531,37 @@
           <a:p>
             <a:pPr lvl="0"/>
             <a:r>
-              <a:rPr lang="en-US" smtClean="0"/>
+              <a:rPr lang="en-US"/>
               <a:t>Click to edit Master text styles</a:t>
             </a:r>
           </a:p>
           <a:p>
             <a:pPr lvl="1"/>
             <a:r>
-              <a:rPr lang="en-US" smtClean="0"/>
+              <a:rPr lang="en-US"/>
               <a:t>Second level</a:t>
             </a:r>
           </a:p>
           <a:p>
             <a:pPr lvl="2"/>
             <a:r>
-              <a:rPr lang="en-US" smtClean="0"/>
+              <a:rPr lang="en-US"/>
               <a:t>Third level</a:t>
             </a:r>
           </a:p>
           <a:p>
             <a:pPr lvl="3"/>
             <a:r>
-              <a:rPr lang="en-US" smtClean="0"/>
+              <a:rPr lang="en-US"/>
               <a:t>Fourth level</a:t>
             </a:r>
           </a:p>
           <a:p>
             <a:pPr lvl="4"/>
             <a:r>
-              <a:rPr lang="en-US" smtClean="0"/>
+              <a:rPr lang="en-US"/>
               <a:t>Fifth level</a:t>
             </a:r>
-            <a:endParaRPr lang="en-US"/>
           </a:p>
         </p:txBody>
       </p:sp>
@@ -1596,7 +1582,7 @@
           <a:p>
             <a:fld id="{7A578F14-283A-954B-93B6-F5883A28CC6E}" type="datetimeFigureOut">
               <a:rPr lang="en-US" smtClean="0"/>
-              <a:t>9/22/17</a:t>
+              <a:t>11/1/17</a:t>
             </a:fld>
             <a:endParaRPr lang="en-US"/>
           </a:p>
@@ -1695,10 +1681,9 @@
           <a:lstStyle/>
           <a:p>
             <a:r>
-              <a:rPr lang="en-US" smtClean="0"/>
+              <a:rPr lang="en-US"/>
               <a:t>Click to edit Master title style</a:t>
             </a:r>
-            <a:endParaRPr lang="en-US"/>
           </a:p>
         </p:txBody>
       </p:sp>
@@ -1761,7 +1746,7 @@
           <a:p>
             <a:pPr lvl="0"/>
             <a:r>
-              <a:rPr lang="en-US" smtClean="0"/>
+              <a:rPr lang="en-US"/>
               <a:t>Click to edit Master text styles</a:t>
             </a:r>
           </a:p>
@@ -1789,38 +1774,37 @@
           <a:p>
             <a:pPr lvl="0"/>
             <a:r>
-              <a:rPr lang="en-US" smtClean="0"/>
+              <a:rPr lang="en-US"/>
               <a:t>Click to edit Master text styles</a:t>
             </a:r>
           </a:p>
           <a:p>
             <a:pPr lvl="1"/>
             <a:r>
-              <a:rPr lang="en-US" smtClean="0"/>
+              <a:rPr lang="en-US"/>
               <a:t>Second level</a:t>
             </a:r>
           </a:p>
           <a:p>
             <a:pPr lvl="2"/>
             <a:r>
-              <a:rPr lang="en-US" smtClean="0"/>
+              <a:rPr lang="en-US"/>
               <a:t>Third level</a:t>
             </a:r>
           </a:p>
           <a:p>
             <a:pPr lvl="3"/>
             <a:r>
-              <a:rPr lang="en-US" smtClean="0"/>
+              <a:rPr lang="en-US"/>
               <a:t>Fourth level</a:t>
             </a:r>
           </a:p>
           <a:p>
             <a:pPr lvl="4"/>
             <a:r>
-              <a:rPr lang="en-US" smtClean="0"/>
+              <a:rPr lang="en-US"/>
               <a:t>Fifth level</a:t>
             </a:r>
-            <a:endParaRPr lang="en-US"/>
           </a:p>
         </p:txBody>
       </p:sp>
@@ -1883,7 +1867,7 @@
           <a:p>
             <a:pPr lvl="0"/>
             <a:r>
-              <a:rPr lang="en-US" smtClean="0"/>
+              <a:rPr lang="en-US"/>
               <a:t>Click to edit Master text styles</a:t>
             </a:r>
           </a:p>
@@ -1911,38 +1895,37 @@
           <a:p>
             <a:pPr lvl="0"/>
             <a:r>
-              <a:rPr lang="en-US" smtClean="0"/>
+              <a:rPr lang="en-US"/>
               <a:t>Click to edit Master text styles</a:t>
             </a:r>
           </a:p>
           <a:p>
             <a:pPr lvl="1"/>
             <a:r>
-              <a:rPr lang="en-US" smtClean="0"/>
+              <a:rPr lang="en-US"/>
               <a:t>Second level</a:t>
             </a:r>
           </a:p>
           <a:p>
             <a:pPr lvl="2"/>
             <a:r>
-              <a:rPr lang="en-US" smtClean="0"/>
+              <a:rPr lang="en-US"/>
               <a:t>Third level</a:t>
             </a:r>
           </a:p>
           <a:p>
             <a:pPr lvl="3"/>
             <a:r>
-              <a:rPr lang="en-US" smtClean="0"/>
+              <a:rPr lang="en-US"/>
               <a:t>Fourth level</a:t>
             </a:r>
           </a:p>
           <a:p>
             <a:pPr lvl="4"/>
             <a:r>
-              <a:rPr lang="en-US" smtClean="0"/>
+              <a:rPr lang="en-US"/>
               <a:t>Fifth level</a:t>
             </a:r>
-            <a:endParaRPr lang="en-US"/>
           </a:p>
         </p:txBody>
       </p:sp>
@@ -1963,7 +1946,7 @@
           <a:p>
             <a:fld id="{7A578F14-283A-954B-93B6-F5883A28CC6E}" type="datetimeFigureOut">
               <a:rPr lang="en-US" smtClean="0"/>
-              <a:t>9/22/17</a:t>
+              <a:t>11/1/17</a:t>
             </a:fld>
             <a:endParaRPr lang="en-US"/>
           </a:p>
@@ -2057,10 +2040,9 @@
           <a:lstStyle/>
           <a:p>
             <a:r>
-              <a:rPr lang="en-US" smtClean="0"/>
+              <a:rPr lang="en-US"/>
               <a:t>Click to edit Master title style</a:t>
             </a:r>
-            <a:endParaRPr lang="en-US"/>
           </a:p>
         </p:txBody>
       </p:sp>
@@ -2081,7 +2063,7 @@
           <a:p>
             <a:fld id="{7A578F14-283A-954B-93B6-F5883A28CC6E}" type="datetimeFigureOut">
               <a:rPr lang="en-US" smtClean="0"/>
-              <a:t>9/22/17</a:t>
+              <a:t>11/1/17</a:t>
             </a:fld>
             <a:endParaRPr lang="en-US"/>
           </a:p>
@@ -2176,7 +2158,7 @@
           <a:p>
             <a:fld id="{7A578F14-283A-954B-93B6-F5883A28CC6E}" type="datetimeFigureOut">
               <a:rPr lang="en-US" smtClean="0"/>
-              <a:t>9/22/17</a:t>
+              <a:t>11/1/17</a:t>
             </a:fld>
             <a:endParaRPr lang="en-US"/>
           </a:p>
@@ -2279,10 +2261,9 @@
           </a:lstStyle>
           <a:p>
             <a:r>
-              <a:rPr lang="en-US" smtClean="0"/>
+              <a:rPr lang="en-US"/>
               <a:t>Click to edit Master title style</a:t>
             </a:r>
-            <a:endParaRPr lang="en-US"/>
           </a:p>
         </p:txBody>
       </p:sp>
@@ -2336,38 +2317,37 @@
           <a:p>
             <a:pPr lvl="0"/>
             <a:r>
-              <a:rPr lang="en-US" smtClean="0"/>
+              <a:rPr lang="en-US"/>
               <a:t>Click to edit Master text styles</a:t>
             </a:r>
           </a:p>
           <a:p>
             <a:pPr lvl="1"/>
             <a:r>
-              <a:rPr lang="en-US" smtClean="0"/>
+              <a:rPr lang="en-US"/>
               <a:t>Second level</a:t>
             </a:r>
           </a:p>
           <a:p>
             <a:pPr lvl="2"/>
             <a:r>
-              <a:rPr lang="en-US" smtClean="0"/>
+              <a:rPr lang="en-US"/>
               <a:t>Third level</a:t>
             </a:r>
           </a:p>
           <a:p>
             <a:pPr lvl="3"/>
             <a:r>
-              <a:rPr lang="en-US" smtClean="0"/>
+              <a:rPr lang="en-US"/>
               <a:t>Fourth level</a:t>
             </a:r>
           </a:p>
           <a:p>
             <a:pPr lvl="4"/>
             <a:r>
-              <a:rPr lang="en-US" smtClean="0"/>
+              <a:rPr lang="en-US"/>
               <a:t>Fifth level</a:t>
             </a:r>
-            <a:endParaRPr lang="en-US"/>
           </a:p>
         </p:txBody>
       </p:sp>
@@ -2430,7 +2410,7 @@
           <a:p>
             <a:pPr lvl="0"/>
             <a:r>
-              <a:rPr lang="en-US" smtClean="0"/>
+              <a:rPr lang="en-US"/>
               <a:t>Click to edit Master text styles</a:t>
             </a:r>
           </a:p>
@@ -2453,7 +2433,7 @@
           <a:p>
             <a:fld id="{7A578F14-283A-954B-93B6-F5883A28CC6E}" type="datetimeFigureOut">
               <a:rPr lang="en-US" smtClean="0"/>
-              <a:t>9/22/17</a:t>
+              <a:t>11/1/17</a:t>
             </a:fld>
             <a:endParaRPr lang="en-US"/>
           </a:p>
@@ -2556,10 +2536,9 @@
           </a:lstStyle>
           <a:p>
             <a:r>
-              <a:rPr lang="en-US" smtClean="0"/>
+              <a:rPr lang="en-US"/>
               <a:t>Click to edit Master title style</a:t>
             </a:r>
-            <a:endParaRPr lang="en-US"/>
           </a:p>
         </p:txBody>
       </p:sp>
@@ -2683,7 +2662,7 @@
           <a:p>
             <a:pPr lvl="0"/>
             <a:r>
-              <a:rPr lang="en-US" smtClean="0"/>
+              <a:rPr lang="en-US"/>
               <a:t>Click to edit Master text styles</a:t>
             </a:r>
           </a:p>
@@ -2706,7 +2685,7 @@
           <a:p>
             <a:fld id="{7A578F14-283A-954B-93B6-F5883A28CC6E}" type="datetimeFigureOut">
               <a:rPr lang="en-US" smtClean="0"/>
-              <a:t>9/22/17</a:t>
+              <a:t>11/1/17</a:t>
             </a:fld>
             <a:endParaRPr lang="en-US"/>
           </a:p>
@@ -2815,10 +2794,9 @@
           <a:lstStyle/>
           <a:p>
             <a:r>
-              <a:rPr lang="en-US" smtClean="0"/>
+              <a:rPr lang="en-US"/>
               <a:t>Click to edit Master title style</a:t>
             </a:r>
-            <a:endParaRPr lang="en-US"/>
           </a:p>
         </p:txBody>
       </p:sp>
@@ -2849,38 +2827,37 @@
           <a:p>
             <a:pPr lvl="0"/>
             <a:r>
-              <a:rPr lang="en-US" smtClean="0"/>
+              <a:rPr lang="en-US"/>
               <a:t>Click to edit Master text styles</a:t>
             </a:r>
           </a:p>
           <a:p>
             <a:pPr lvl="1"/>
             <a:r>
-              <a:rPr lang="en-US" smtClean="0"/>
+              <a:rPr lang="en-US"/>
               <a:t>Second level</a:t>
             </a:r>
           </a:p>
           <a:p>
             <a:pPr lvl="2"/>
             <a:r>
-              <a:rPr lang="en-US" smtClean="0"/>
+              <a:rPr lang="en-US"/>
               <a:t>Third level</a:t>
             </a:r>
           </a:p>
           <a:p>
             <a:pPr lvl="3"/>
             <a:r>
-              <a:rPr lang="en-US" smtClean="0"/>
+              <a:rPr lang="en-US"/>
               <a:t>Fourth level</a:t>
             </a:r>
           </a:p>
           <a:p>
             <a:pPr lvl="4"/>
             <a:r>
-              <a:rPr lang="en-US" smtClean="0"/>
+              <a:rPr lang="en-US"/>
               <a:t>Fifth level</a:t>
             </a:r>
-            <a:endParaRPr lang="en-US"/>
           </a:p>
         </p:txBody>
       </p:sp>
@@ -2919,7 +2896,7 @@
           <a:p>
             <a:fld id="{7A578F14-283A-954B-93B6-F5883A28CC6E}" type="datetimeFigureOut">
               <a:rPr lang="en-US" smtClean="0"/>
-              <a:t>9/22/17</a:t>
+              <a:t>11/1/17</a:t>
             </a:fld>
             <a:endParaRPr lang="en-US"/>
           </a:p>
@@ -3414,10 +3391,9 @@
           </a:lstStyle>
           <a:p>
             <a:r>
-              <a:rPr lang="en-US" dirty="0" smtClean="0"/>
+              <a:rPr lang="en-US" dirty="0"/>
               <a:t>App Service</a:t>
             </a:r>
-            <a:endParaRPr lang="en-US" dirty="0"/>
           </a:p>
         </p:txBody>
       </p:sp>
@@ -3425,6 +3401,8 @@
         <p:nvCxnSpPr>
           <p:cNvPr id="7" name="Elbow Connector 6"/>
           <p:cNvCxnSpPr>
+            <a:cxnSpLocks/>
+            <a:stCxn id="9" idx="1"/>
             <a:endCxn id="4" idx="3"/>
           </p:cNvCxnSpPr>
           <p:nvPr/>
@@ -3432,11 +3410,11 @@
         <p:spPr>
           <a:xfrm rot="10800000">
             <a:off x="2772880" y="2551671"/>
-            <a:ext cx="1757431" cy="466194"/>
+            <a:ext cx="1777539" cy="499372"/>
           </a:xfrm>
           <a:prstGeom prst="bentConnector3">
             <a:avLst>
-              <a:gd name="adj1" fmla="val 47522"/>
+              <a:gd name="adj1" fmla="val 50000"/>
             </a:avLst>
           </a:prstGeom>
           <a:ln w="6350">
@@ -3512,7 +3490,7 @@
           <a:p>
             <a:pPr algn="ctr"/>
             <a:r>
-              <a:rPr lang="es-MX" sz="800" dirty="0" smtClean="0"/>
+              <a:rPr lang="es-MX" sz="800" dirty="0"/>
               <a:t>Continuous Integration (VSTS)</a:t>
             </a:r>
             <a:endParaRPr lang="en-US" sz="800" dirty="0"/>
@@ -3523,6 +3501,7 @@
         <p:nvCxnSpPr>
           <p:cNvPr id="18" name="Elbow Connector 17"/>
           <p:cNvCxnSpPr>
+            <a:cxnSpLocks/>
             <a:stCxn id="16" idx="1"/>
             <a:endCxn id="6" idx="2"/>
           </p:cNvCxnSpPr>
@@ -3650,7 +3629,7 @@
           <a:p>
             <a:pPr algn="ctr"/>
             <a:r>
-              <a:rPr lang="es-MX" sz="800" dirty="0" smtClean="0"/>
+              <a:rPr lang="es-MX" sz="800" dirty="0"/>
               <a:t>HockeApp</a:t>
             </a:r>
             <a:endParaRPr lang="en-US" sz="800" dirty="0"/>
@@ -3665,7 +3644,7 @@
         </p:nvGrpSpPr>
         <p:grpSpPr>
           <a:xfrm>
-            <a:off x="7679288" y="2818026"/>
+            <a:off x="7679288" y="2850684"/>
             <a:ext cx="612425" cy="507790"/>
             <a:chOff x="7147877" y="1398076"/>
             <a:chExt cx="730569" cy="655513"/>
@@ -3748,11 +3727,7 @@
             <a:pPr algn="ctr"/>
             <a:r>
               <a:rPr lang="es-MX" sz="800" dirty="0"/>
-              <a:t>Mobile </a:t>
-            </a:r>
-            <a:r>
-              <a:rPr lang="es-MX" sz="800" dirty="0" smtClean="0"/>
-              <a:t>App (iOS / Droid)</a:t>
+              <a:t>Mobile App (iOS / Droid)</a:t>
             </a:r>
             <a:endParaRPr lang="en-US" sz="800" dirty="0"/>
           </a:p>
@@ -3804,15 +3779,16 @@
         <p:nvCxnSpPr>
           <p:cNvPr id="36" name="Straight Arrow Connector 35"/>
           <p:cNvCxnSpPr>
+            <a:cxnSpLocks/>
             <a:stCxn id="23" idx="1"/>
-            <a:endCxn id="27" idx="3"/>
+            <a:endCxn id="9" idx="3"/>
           </p:cNvCxnSpPr>
           <p:nvPr/>
         </p:nvCxnSpPr>
         <p:spPr>
-          <a:xfrm flipH="1" flipV="1">
-            <a:off x="4991028" y="3010825"/>
-            <a:ext cx="2760071" cy="3987"/>
+          <a:xfrm flipH="1">
+            <a:off x="5007618" y="3047470"/>
+            <a:ext cx="2743481" cy="3573"/>
           </a:xfrm>
           <a:prstGeom prst="straightConnector1">
             <a:avLst/>
@@ -3896,7 +3872,7 @@
           </a:lstStyle>
           <a:p>
             <a:r>
-              <a:rPr lang="en-US" dirty="0" smtClean="0"/>
+              <a:rPr lang="en-US" dirty="0"/>
               <a:t>Blob Storage</a:t>
             </a:r>
           </a:p>
@@ -3906,19 +3882,20 @@
         <p:nvCxnSpPr>
           <p:cNvPr id="47" name="Elbow Connector 46"/>
           <p:cNvCxnSpPr>
-            <a:stCxn id="27" idx="1"/>
+            <a:cxnSpLocks/>
+            <a:stCxn id="9" idx="1"/>
             <a:endCxn id="45" idx="3"/>
           </p:cNvCxnSpPr>
           <p:nvPr/>
         </p:nvCxnSpPr>
         <p:spPr>
           <a:xfrm rot="10800000" flipV="1">
-            <a:off x="2849845" y="3010824"/>
-            <a:ext cx="1707979" cy="409539"/>
+            <a:off x="2849844" y="3051042"/>
+            <a:ext cx="1700574" cy="369321"/>
           </a:xfrm>
           <a:prstGeom prst="bentConnector3">
             <a:avLst>
-              <a:gd name="adj1" fmla="val 50000"/>
+              <a:gd name="adj1" fmla="val 52560"/>
             </a:avLst>
           </a:prstGeom>
           <a:ln w="6350">
@@ -3989,10 +3966,9 @@
           <a:p>
             <a:pPr algn="l"/>
             <a:r>
-              <a:rPr lang="en-US" sz="4800" dirty="0" smtClean="0"/>
-              <a:t>High-level design</a:t>
-            </a:r>
-            <a:endParaRPr lang="en-US" sz="4800" dirty="0"/>
+              <a:rPr lang="en-US" sz="4800" dirty="0"/>
+              <a:t>High-level design (Phase 1)</a:t>
+            </a:r>
           </a:p>
         </p:txBody>
       </p:sp>
@@ -4050,10 +4026,9 @@
           </a:lstStyle>
           <a:p>
             <a:r>
-              <a:rPr lang="en-US" dirty="0" smtClean="0"/>
+              <a:rPr lang="en-US" dirty="0"/>
               <a:t>Face API</a:t>
             </a:r>
-            <a:endParaRPr lang="en-US" dirty="0"/>
           </a:p>
         </p:txBody>
       </p:sp>
@@ -4061,15 +4036,16 @@
         <p:nvCxnSpPr>
           <p:cNvPr id="80" name="Elbow Connector 79"/>
           <p:cNvCxnSpPr>
+            <a:cxnSpLocks/>
             <a:stCxn id="78" idx="3"/>
-            <a:endCxn id="27" idx="0"/>
+            <a:endCxn id="9" idx="0"/>
           </p:cNvCxnSpPr>
           <p:nvPr/>
         </p:nvCxnSpPr>
         <p:spPr>
           <a:xfrm>
             <a:off x="2785825" y="1842038"/>
-            <a:ext cx="1988601" cy="1003988"/>
+            <a:ext cx="1993193" cy="983580"/>
           </a:xfrm>
           <a:prstGeom prst="bentConnector2">
             <a:avLst/>
@@ -4099,9 +4075,153 @@
           </a:fontRef>
         </p:style>
       </p:cxnSp>
+      <p:sp>
+        <p:nvSpPr>
+          <p:cNvPr id="2" name="Rectangle 1">
+            <a:extLst>
+              <a:ext uri="{FF2B5EF4-FFF2-40B4-BE49-F238E27FC236}">
+                <a16:creationId xmlns:a16="http://schemas.microsoft.com/office/drawing/2014/main" id="{BBDB8209-5B2E-3B42-9888-59A7B681AE1E}"/>
+              </a:ext>
+            </a:extLst>
+          </p:cNvPr>
+          <p:cNvSpPr/>
+          <p:nvPr/>
+        </p:nvSpPr>
+        <p:spPr>
+          <a:xfrm>
+            <a:off x="6734484" y="2391579"/>
+            <a:ext cx="762185" cy="360163"/>
+          </a:xfrm>
+          <a:prstGeom prst="rect">
+            <a:avLst/>
+          </a:prstGeom>
+        </p:spPr>
+        <p:style>
+          <a:lnRef idx="2">
+            <a:schemeClr val="accent1">
+              <a:shade val="50000"/>
+            </a:schemeClr>
+          </a:lnRef>
+          <a:fillRef idx="1">
+            <a:schemeClr val="accent1"/>
+          </a:fillRef>
+          <a:effectRef idx="0">
+            <a:schemeClr val="accent1"/>
+          </a:effectRef>
+          <a:fontRef idx="minor">
+            <a:schemeClr val="lt1"/>
+          </a:fontRef>
+        </p:style>
+        <p:txBody>
+          <a:bodyPr rtlCol="0" anchor="ctr"/>
+          <a:lstStyle/>
+          <a:p>
+            <a:pPr algn="ctr"/>
+            <a:r>
+              <a:rPr lang="en-US" sz="800" dirty="0"/>
+              <a:t>JPG</a:t>
+            </a:r>
+          </a:p>
+        </p:txBody>
+      </p:sp>
+      <p:sp>
+        <p:nvSpPr>
+          <p:cNvPr id="3" name="TextBox 2">
+            <a:extLst>
+              <a:ext uri="{FF2B5EF4-FFF2-40B4-BE49-F238E27FC236}">
+                <a16:creationId xmlns:a16="http://schemas.microsoft.com/office/drawing/2014/main" id="{691660CB-B5F4-304F-94BD-FF90A8ABE92C}"/>
+              </a:ext>
+            </a:extLst>
+          </p:cNvPr>
+          <p:cNvSpPr txBox="1"/>
+          <p:nvPr/>
+        </p:nvSpPr>
+        <p:spPr>
+          <a:xfrm>
+            <a:off x="6669944" y="2759666"/>
+            <a:ext cx="915635" cy="215444"/>
+          </a:xfrm>
+          <a:prstGeom prst="rect">
+            <a:avLst/>
+          </a:prstGeom>
+          <a:noFill/>
+        </p:spPr>
+        <p:txBody>
+          <a:bodyPr wrap="none" rtlCol="0">
+            <a:spAutoFit/>
+          </a:bodyPr>
+          <a:lstStyle>
+            <a:defPPr>
+              <a:defRPr lang="en-US"/>
+            </a:defPPr>
+            <a:lvl1pPr algn="ctr">
+              <a:defRPr sz="800"/>
+            </a:lvl1pPr>
+          </a:lstStyle>
+          <a:p>
+            <a:r>
+              <a:rPr lang="en-US" dirty="0"/>
+              <a:t>Person Attributes</a:t>
+            </a:r>
+          </a:p>
+        </p:txBody>
+      </p:sp>
+      <p:sp>
+        <p:nvSpPr>
+          <p:cNvPr id="8" name="TextBox 7">
+            <a:extLst>
+              <a:ext uri="{FF2B5EF4-FFF2-40B4-BE49-F238E27FC236}">
+                <a16:creationId xmlns:a16="http://schemas.microsoft.com/office/drawing/2014/main" id="{D5D14CD3-9CB9-4148-A6FF-E67AECE8732C}"/>
+              </a:ext>
+            </a:extLst>
+          </p:cNvPr>
+          <p:cNvSpPr txBox="1"/>
+          <p:nvPr/>
+        </p:nvSpPr>
+        <p:spPr>
+          <a:xfrm>
+            <a:off x="5003157" y="2742962"/>
+            <a:ext cx="612668" cy="215444"/>
+          </a:xfrm>
+          <a:prstGeom prst="rect">
+            <a:avLst/>
+          </a:prstGeom>
+          <a:noFill/>
+        </p:spPr>
+        <p:txBody>
+          <a:bodyPr wrap="none" rtlCol="0">
+            <a:spAutoFit/>
+          </a:bodyPr>
+          <a:lstStyle>
+            <a:defPPr>
+              <a:defRPr lang="en-US"/>
+            </a:defPPr>
+            <a:lvl1pPr algn="ctr">
+              <a:defRPr sz="800"/>
+            </a:lvl1pPr>
+          </a:lstStyle>
+          <a:p>
+            <a:r>
+              <a:rPr lang="en-US" dirty="0"/>
+              <a:t>GET, </a:t>
+            </a:r>
+            <a:r>
+              <a:rPr lang="es-ES" dirty="0"/>
+              <a:t>POST</a:t>
+            </a:r>
+            <a:endParaRPr lang="en-US" dirty="0"/>
+          </a:p>
+        </p:txBody>
+      </p:sp>
       <p:pic>
         <p:nvPicPr>
-          <p:cNvPr id="27" name="Picture 26"/>
+          <p:cNvPr id="9" name="Picture 8">
+            <a:extLst>
+              <a:ext uri="{FF2B5EF4-FFF2-40B4-BE49-F238E27FC236}">
+                <a16:creationId xmlns:a16="http://schemas.microsoft.com/office/drawing/2014/main" id="{70F2A5FF-8D6D-B448-8552-4669004CCEC2}"/>
+              </a:ext>
+            </a:extLst>
+          </p:cNvPr>
           <p:cNvPicPr>
             <a:picLocks noChangeAspect="1"/>
           </p:cNvPicPr>
@@ -4115,14 +4235,58 @@
         </p:blipFill>
         <p:spPr>
           <a:xfrm>
-            <a:off x="4557823" y="2846026"/>
-            <a:ext cx="433205" cy="329598"/>
+            <a:off x="4550418" y="2825618"/>
+            <a:ext cx="457200" cy="450850"/>
           </a:xfrm>
           <a:prstGeom prst="rect">
             <a:avLst/>
           </a:prstGeom>
         </p:spPr>
       </p:pic>
+      <p:sp>
+        <p:nvSpPr>
+          <p:cNvPr id="10" name="Right Arrow 9">
+            <a:extLst>
+              <a:ext uri="{FF2B5EF4-FFF2-40B4-BE49-F238E27FC236}">
+                <a16:creationId xmlns:a16="http://schemas.microsoft.com/office/drawing/2014/main" id="{D53FB722-2D6F-E34B-8CA4-F0E5125FCCC7}"/>
+              </a:ext>
+            </a:extLst>
+          </p:cNvPr>
+          <p:cNvSpPr/>
+          <p:nvPr/>
+        </p:nvSpPr>
+        <p:spPr>
+          <a:xfrm rot="10800000">
+            <a:off x="6144210" y="2422153"/>
+            <a:ext cx="466389" cy="299013"/>
+          </a:xfrm>
+          <a:prstGeom prst="rightArrow">
+            <a:avLst/>
+          </a:prstGeom>
+        </p:spPr>
+        <p:style>
+          <a:lnRef idx="2">
+            <a:schemeClr val="accent1"/>
+          </a:lnRef>
+          <a:fillRef idx="1">
+            <a:schemeClr val="lt1"/>
+          </a:fillRef>
+          <a:effectRef idx="0">
+            <a:schemeClr val="accent1"/>
+          </a:effectRef>
+          <a:fontRef idx="minor">
+            <a:schemeClr val="dk1"/>
+          </a:fontRef>
+        </p:style>
+        <p:txBody>
+          <a:bodyPr rtlCol="0" anchor="ctr"/>
+          <a:lstStyle/>
+          <a:p>
+            <a:pPr algn="ctr"/>
+            <a:endParaRPr lang="en-US"/>
+          </a:p>
+        </p:txBody>
+      </p:sp>
     </p:spTree>
     <p:extLst>
       <p:ext uri="{BB962C8B-B14F-4D97-AF65-F5344CB8AC3E}">
@@ -4153,482 +4317,9 @@
           <a:chExt cx="0" cy="0"/>
         </a:xfrm>
       </p:grpSpPr>
-      <p:sp>
-        <p:nvSpPr>
-          <p:cNvPr id="4" name="Rectangle 3"/>
-          <p:cNvSpPr/>
-          <p:nvPr/>
-        </p:nvSpPr>
-        <p:spPr>
-          <a:xfrm>
-            <a:off x="489857" y="326571"/>
-            <a:ext cx="2601685" cy="4049486"/>
-          </a:xfrm>
-          <a:prstGeom prst="rect">
-            <a:avLst/>
-          </a:prstGeom>
-          <a:ln/>
-        </p:spPr>
-        <p:style>
-          <a:lnRef idx="2">
-            <a:schemeClr val="accent1">
-              <a:shade val="50000"/>
-            </a:schemeClr>
-          </a:lnRef>
-          <a:fillRef idx="1">
-            <a:schemeClr val="accent1"/>
-          </a:fillRef>
-          <a:effectRef idx="0">
-            <a:schemeClr val="accent1"/>
-          </a:effectRef>
-          <a:fontRef idx="minor">
-            <a:schemeClr val="lt1"/>
-          </a:fontRef>
-        </p:style>
-        <p:txBody>
-          <a:bodyPr rtlCol="0" anchor="ctr"/>
-          <a:lstStyle/>
-          <a:p>
-            <a:pPr algn="ctr"/>
-            <a:endParaRPr lang="en-US"/>
-          </a:p>
-        </p:txBody>
-      </p:sp>
-      <p:sp>
-        <p:nvSpPr>
-          <p:cNvPr id="5" name="Rectangle 4"/>
-          <p:cNvSpPr/>
-          <p:nvPr/>
-        </p:nvSpPr>
-        <p:spPr>
-          <a:xfrm>
-            <a:off x="1012369" y="1413367"/>
-            <a:ext cx="1556657" cy="381000"/>
-          </a:xfrm>
-          <a:prstGeom prst="rect">
-            <a:avLst/>
-          </a:prstGeom>
-          <a:solidFill>
-            <a:schemeClr val="accent4">
-              <a:lumMod val="60000"/>
-              <a:lumOff val="40000"/>
-            </a:schemeClr>
-          </a:solidFill>
-        </p:spPr>
-        <p:style>
-          <a:lnRef idx="2">
-            <a:schemeClr val="accent1"/>
-          </a:lnRef>
-          <a:fillRef idx="1">
-            <a:schemeClr val="lt1"/>
-          </a:fillRef>
-          <a:effectRef idx="0">
-            <a:schemeClr val="accent1"/>
-          </a:effectRef>
-          <a:fontRef idx="minor">
-            <a:schemeClr val="dk1"/>
-          </a:fontRef>
-        </p:style>
-        <p:txBody>
-          <a:bodyPr rtlCol="0" anchor="ctr"/>
-          <a:lstStyle/>
-          <a:p>
-            <a:pPr algn="ctr"/>
-            <a:r>
-              <a:rPr lang="en-US" sz="1200" dirty="0" smtClean="0"/>
-              <a:t>Reportar</a:t>
-            </a:r>
-            <a:endParaRPr lang="en-US" sz="1200" dirty="0"/>
-          </a:p>
-        </p:txBody>
-      </p:sp>
-      <p:sp>
-        <p:nvSpPr>
-          <p:cNvPr id="6" name="TextBox 5"/>
-          <p:cNvSpPr txBox="1"/>
-          <p:nvPr/>
-        </p:nvSpPr>
-        <p:spPr>
-          <a:xfrm>
-            <a:off x="489857" y="773277"/>
-            <a:ext cx="2601685" cy="276999"/>
-          </a:xfrm>
-          <a:prstGeom prst="rect">
-            <a:avLst/>
-          </a:prstGeom>
-          <a:noFill/>
-        </p:spPr>
-        <p:txBody>
-          <a:bodyPr wrap="square" rtlCol="0">
-            <a:spAutoFit/>
-          </a:bodyPr>
-          <a:lstStyle/>
-          <a:p>
-            <a:pPr algn="ctr"/>
-            <a:r>
-              <a:rPr lang="en-US" sz="1200" dirty="0" smtClean="0">
-                <a:solidFill>
-                  <a:schemeClr val="bg1"/>
-                </a:solidFill>
-              </a:rPr>
-              <a:t>¿Qué </a:t>
-            </a:r>
-            <a:r>
-              <a:rPr lang="en-US" sz="1200" dirty="0" smtClean="0">
-                <a:solidFill>
-                  <a:schemeClr val="bg1"/>
-                </a:solidFill>
-              </a:rPr>
-              <a:t>deseas hacer?</a:t>
-            </a:r>
-            <a:endParaRPr lang="en-US" sz="1200" dirty="0">
-              <a:solidFill>
-                <a:schemeClr val="bg1"/>
-              </a:solidFill>
-            </a:endParaRPr>
-          </a:p>
-        </p:txBody>
-      </p:sp>
-      <p:sp>
-        <p:nvSpPr>
-          <p:cNvPr id="7" name="Rectangle 6"/>
-          <p:cNvSpPr/>
-          <p:nvPr/>
-        </p:nvSpPr>
-        <p:spPr>
-          <a:xfrm>
-            <a:off x="1012368" y="2165769"/>
-            <a:ext cx="1556657" cy="381000"/>
-          </a:xfrm>
-          <a:prstGeom prst="rect">
-            <a:avLst/>
-          </a:prstGeom>
-          <a:solidFill>
-            <a:schemeClr val="accent2">
-              <a:lumMod val="20000"/>
-              <a:lumOff val="80000"/>
-            </a:schemeClr>
-          </a:solidFill>
-        </p:spPr>
-        <p:style>
-          <a:lnRef idx="2">
-            <a:schemeClr val="accent1"/>
-          </a:lnRef>
-          <a:fillRef idx="1">
-            <a:schemeClr val="lt1"/>
-          </a:fillRef>
-          <a:effectRef idx="0">
-            <a:schemeClr val="accent1"/>
-          </a:effectRef>
-          <a:fontRef idx="minor">
-            <a:schemeClr val="dk1"/>
-          </a:fontRef>
-        </p:style>
-        <p:txBody>
-          <a:bodyPr rtlCol="0" anchor="ctr"/>
-          <a:lstStyle/>
-          <a:p>
-            <a:pPr algn="ctr"/>
-            <a:r>
-              <a:rPr lang="en-US" sz="1200" dirty="0" smtClean="0"/>
-              <a:t>Buscar</a:t>
-            </a:r>
-            <a:endParaRPr lang="en-US" sz="1200" dirty="0"/>
-          </a:p>
-        </p:txBody>
-      </p:sp>
-      <p:sp>
-        <p:nvSpPr>
-          <p:cNvPr id="8" name="Rectangle 7"/>
-          <p:cNvSpPr/>
-          <p:nvPr/>
-        </p:nvSpPr>
-        <p:spPr>
-          <a:xfrm>
-            <a:off x="3497639" y="326571"/>
-            <a:ext cx="2601685" cy="5388430"/>
-          </a:xfrm>
-          <a:prstGeom prst="rect">
-            <a:avLst/>
-          </a:prstGeom>
-          <a:ln/>
-        </p:spPr>
-        <p:style>
-          <a:lnRef idx="2">
-            <a:schemeClr val="accent1">
-              <a:shade val="50000"/>
-            </a:schemeClr>
-          </a:lnRef>
-          <a:fillRef idx="1">
-            <a:schemeClr val="accent1"/>
-          </a:fillRef>
-          <a:effectRef idx="0">
-            <a:schemeClr val="accent1"/>
-          </a:effectRef>
-          <a:fontRef idx="minor">
-            <a:schemeClr val="lt1"/>
-          </a:fontRef>
-        </p:style>
-        <p:txBody>
-          <a:bodyPr rtlCol="0" anchor="ctr"/>
-          <a:lstStyle/>
-          <a:p>
-            <a:pPr algn="ctr"/>
-            <a:endParaRPr lang="en-US"/>
-          </a:p>
-        </p:txBody>
-      </p:sp>
-      <p:sp>
-        <p:nvSpPr>
-          <p:cNvPr id="10" name="TextBox 9"/>
-          <p:cNvSpPr txBox="1"/>
-          <p:nvPr/>
-        </p:nvSpPr>
-        <p:spPr>
-          <a:xfrm>
-            <a:off x="3497639" y="326571"/>
-            <a:ext cx="2601685" cy="369332"/>
-          </a:xfrm>
-          <a:prstGeom prst="rect">
-            <a:avLst/>
-          </a:prstGeom>
-          <a:solidFill>
-            <a:schemeClr val="accent4">
-              <a:lumMod val="60000"/>
-              <a:lumOff val="40000"/>
-            </a:schemeClr>
-          </a:solidFill>
-          <a:ln/>
-        </p:spPr>
-        <p:style>
-          <a:lnRef idx="2">
-            <a:schemeClr val="accent1">
-              <a:shade val="50000"/>
-            </a:schemeClr>
-          </a:lnRef>
-          <a:fillRef idx="1">
-            <a:schemeClr val="accent1"/>
-          </a:fillRef>
-          <a:effectRef idx="0">
-            <a:schemeClr val="accent1"/>
-          </a:effectRef>
-          <a:fontRef idx="minor">
-            <a:schemeClr val="lt1"/>
-          </a:fontRef>
-        </p:style>
-        <p:txBody>
-          <a:bodyPr rtlCol="0" anchor="ctr"/>
-          <a:lstStyle>
-            <a:defPPr>
-              <a:defRPr lang="en-US"/>
-            </a:defPPr>
-            <a:lvl1pPr algn="ctr">
-              <a:defRPr>
-                <a:solidFill>
-                  <a:schemeClr val="lt1"/>
-                </a:solidFill>
-              </a:defRPr>
-            </a:lvl1pPr>
-            <a:lvl2pPr>
-              <a:defRPr>
-                <a:solidFill>
-                  <a:schemeClr val="lt1"/>
-                </a:solidFill>
-              </a:defRPr>
-            </a:lvl2pPr>
-            <a:lvl3pPr>
-              <a:defRPr>
-                <a:solidFill>
-                  <a:schemeClr val="lt1"/>
-                </a:solidFill>
-              </a:defRPr>
-            </a:lvl3pPr>
-            <a:lvl4pPr>
-              <a:defRPr>
-                <a:solidFill>
-                  <a:schemeClr val="lt1"/>
-                </a:solidFill>
-              </a:defRPr>
-            </a:lvl4pPr>
-            <a:lvl5pPr>
-              <a:defRPr>
-                <a:solidFill>
-                  <a:schemeClr val="lt1"/>
-                </a:solidFill>
-              </a:defRPr>
-            </a:lvl5pPr>
-            <a:lvl6pPr>
-              <a:defRPr>
-                <a:solidFill>
-                  <a:schemeClr val="lt1"/>
-                </a:solidFill>
-              </a:defRPr>
-            </a:lvl6pPr>
-            <a:lvl7pPr>
-              <a:defRPr>
-                <a:solidFill>
-                  <a:schemeClr val="lt1"/>
-                </a:solidFill>
-              </a:defRPr>
-            </a:lvl7pPr>
-            <a:lvl8pPr>
-              <a:defRPr>
-                <a:solidFill>
-                  <a:schemeClr val="lt1"/>
-                </a:solidFill>
-              </a:defRPr>
-            </a:lvl8pPr>
-            <a:lvl9pPr>
-              <a:defRPr>
-                <a:solidFill>
-                  <a:schemeClr val="lt1"/>
-                </a:solidFill>
-              </a:defRPr>
-            </a:lvl9pPr>
-          </a:lstStyle>
-          <a:p>
-            <a:r>
-              <a:rPr lang="en-US" dirty="0">
-                <a:solidFill>
-                  <a:schemeClr val="tx1"/>
-                </a:solidFill>
-              </a:rPr>
-              <a:t>Reportar</a:t>
-            </a:r>
-            <a:endParaRPr lang="en-US" dirty="0">
-              <a:solidFill>
-                <a:schemeClr val="tx1"/>
-              </a:solidFill>
-            </a:endParaRPr>
-          </a:p>
-        </p:txBody>
-      </p:sp>
-      <p:sp>
-        <p:nvSpPr>
-          <p:cNvPr id="12" name="TextBox 11"/>
-          <p:cNvSpPr txBox="1"/>
-          <p:nvPr/>
-        </p:nvSpPr>
-        <p:spPr>
-          <a:xfrm>
-            <a:off x="3690255" y="3784415"/>
-            <a:ext cx="2173817" cy="1015663"/>
-          </a:xfrm>
-          <a:prstGeom prst="rect">
-            <a:avLst/>
-          </a:prstGeom>
-          <a:noFill/>
-        </p:spPr>
-        <p:txBody>
-          <a:bodyPr wrap="square" rtlCol="0">
-            <a:spAutoFit/>
-          </a:bodyPr>
-          <a:lstStyle/>
-          <a:p>
-            <a:r>
-              <a:rPr lang="en-US" sz="1200" dirty="0" smtClean="0">
-                <a:solidFill>
-                  <a:schemeClr val="bg1"/>
-                </a:solidFill>
-              </a:rPr>
-              <a:t>Nombre</a:t>
-            </a:r>
-          </a:p>
-          <a:p>
-            <a:r>
-              <a:rPr lang="en-US" sz="1200" dirty="0" smtClean="0">
-                <a:solidFill>
-                  <a:schemeClr val="bg1"/>
-                </a:solidFill>
-              </a:rPr>
-              <a:t>Apellido</a:t>
-            </a:r>
-          </a:p>
-          <a:p>
-            <a:r>
-              <a:rPr lang="en-US" sz="1200" dirty="0" smtClean="0">
-                <a:solidFill>
-                  <a:schemeClr val="bg1"/>
-                </a:solidFill>
-              </a:rPr>
-              <a:t>.</a:t>
-            </a:r>
-          </a:p>
-          <a:p>
-            <a:r>
-              <a:rPr lang="en-US" sz="1200" dirty="0" smtClean="0">
-                <a:solidFill>
-                  <a:schemeClr val="bg1"/>
-                </a:solidFill>
-              </a:rPr>
-              <a:t>.</a:t>
-            </a:r>
-          </a:p>
-          <a:p>
-            <a:r>
-              <a:rPr lang="en-US" sz="1200" dirty="0">
-                <a:solidFill>
-                  <a:schemeClr val="bg1"/>
-                </a:solidFill>
-              </a:rPr>
-              <a:t>.</a:t>
-            </a:r>
-          </a:p>
-        </p:txBody>
-      </p:sp>
-      <p:sp>
-        <p:nvSpPr>
-          <p:cNvPr id="13" name="Rectangle 12"/>
-          <p:cNvSpPr/>
-          <p:nvPr/>
-        </p:nvSpPr>
-        <p:spPr>
-          <a:xfrm>
-            <a:off x="3690256" y="5013979"/>
-            <a:ext cx="2173816" cy="381000"/>
-          </a:xfrm>
-          <a:prstGeom prst="rect">
-            <a:avLst/>
-          </a:prstGeom>
-        </p:spPr>
-        <p:style>
-          <a:lnRef idx="2">
-            <a:schemeClr val="accent1"/>
-          </a:lnRef>
-          <a:fillRef idx="1">
-            <a:schemeClr val="lt1"/>
-          </a:fillRef>
-          <a:effectRef idx="0">
-            <a:schemeClr val="accent1"/>
-          </a:effectRef>
-          <a:fontRef idx="minor">
-            <a:schemeClr val="dk1"/>
-          </a:fontRef>
-        </p:style>
-        <p:txBody>
-          <a:bodyPr rtlCol="0" anchor="ctr"/>
-          <a:lstStyle/>
-          <a:p>
-            <a:pPr algn="ctr"/>
-            <a:r>
-              <a:rPr lang="en-US" sz="1200" dirty="0">
-                <a:solidFill>
-                  <a:schemeClr val="dk1"/>
-                </a:solidFill>
-              </a:rPr>
-              <a:t>Reportar</a:t>
-            </a:r>
-            <a:endParaRPr lang="en-US" sz="1200" dirty="0">
-              <a:solidFill>
-                <a:schemeClr val="dk1"/>
-              </a:solidFill>
-            </a:endParaRPr>
-          </a:p>
-        </p:txBody>
-      </p:sp>
       <p:pic>
         <p:nvPicPr>
-          <p:cNvPr id="2" name="Picture 1"/>
+          <p:cNvPr id="16" name="Picture 15"/>
           <p:cNvPicPr>
             <a:picLocks noChangeAspect="1"/>
           </p:cNvPicPr>
@@ -4642,8 +4333,8 @@
         </p:blipFill>
         <p:spPr>
           <a:xfrm>
-            <a:off x="3690256" y="1452656"/>
-            <a:ext cx="2173817" cy="2173817"/>
+            <a:off x="5451546" y="5589079"/>
+            <a:ext cx="497156" cy="507099"/>
           </a:xfrm>
           <a:prstGeom prst="rect">
             <a:avLst/>
@@ -4652,97 +4343,184 @@
       </p:pic>
       <p:sp>
         <p:nvSpPr>
-          <p:cNvPr id="20" name="Rectangle 19"/>
-          <p:cNvSpPr/>
+          <p:cNvPr id="17" name="TextBox 16"/>
+          <p:cNvSpPr txBox="1"/>
           <p:nvPr/>
         </p:nvSpPr>
         <p:spPr>
           <a:xfrm>
-            <a:off x="3690257" y="942657"/>
-            <a:ext cx="2173817" cy="381000"/>
+            <a:off x="5364854" y="6055821"/>
+            <a:ext cx="662683" cy="461665"/>
           </a:xfrm>
           <a:prstGeom prst="rect">
             <a:avLst/>
           </a:prstGeom>
+          <a:noFill/>
+        </p:spPr>
+        <p:txBody>
+          <a:bodyPr wrap="square" rtlCol="0">
+            <a:spAutoFit/>
+          </a:bodyPr>
+          <a:lstStyle/>
+          <a:p>
+            <a:pPr algn="ctr"/>
+            <a:r>
+              <a:rPr lang="es-MX" sz="800" dirty="0"/>
+              <a:t>Continuous Integration (VSTS)</a:t>
+            </a:r>
+            <a:endParaRPr lang="en-US" sz="800" dirty="0"/>
+          </a:p>
+        </p:txBody>
+      </p:sp>
+      <p:cxnSp>
+        <p:nvCxnSpPr>
+          <p:cNvPr id="19" name="Elbow Connector 18"/>
+          <p:cNvCxnSpPr>
+            <a:cxnSpLocks/>
+            <a:stCxn id="21" idx="2"/>
+            <a:endCxn id="16" idx="3"/>
+          </p:cNvCxnSpPr>
+          <p:nvPr/>
+        </p:nvCxnSpPr>
+        <p:spPr>
+          <a:xfrm rot="5400000">
+            <a:off x="6417348" y="5128579"/>
+            <a:ext cx="245404" cy="1182696"/>
+          </a:xfrm>
+          <a:prstGeom prst="bentConnector2">
+            <a:avLst/>
+          </a:prstGeom>
+          <a:ln w="6350">
+            <a:solidFill>
+              <a:schemeClr val="bg1">
+                <a:lumMod val="65000"/>
+              </a:schemeClr>
+            </a:solidFill>
+            <a:headEnd type="triangle" w="med" len="med"/>
+            <a:tailEnd type="none" w="med" len="med"/>
+          </a:ln>
         </p:spPr>
         <p:style>
           <a:lnRef idx="2">
             <a:schemeClr val="accent1"/>
           </a:lnRef>
-          <a:fillRef idx="1">
-            <a:schemeClr val="lt1"/>
+          <a:fillRef idx="0">
+            <a:schemeClr val="accent1"/>
           </a:fillRef>
-          <a:effectRef idx="0">
+          <a:effectRef idx="1">
             <a:schemeClr val="accent1"/>
           </a:effectRef>
           <a:fontRef idx="minor">
-            <a:schemeClr val="dk1"/>
+            <a:schemeClr val="tx1"/>
           </a:fontRef>
         </p:style>
-        <p:txBody>
-          <a:bodyPr rtlCol="0" anchor="ctr"/>
+      </p:cxnSp>
+      <p:sp>
+        <p:nvSpPr>
+          <p:cNvPr id="21" name="TextBox 20"/>
+          <p:cNvSpPr txBox="1"/>
+          <p:nvPr/>
+        </p:nvSpPr>
+        <p:spPr>
+          <a:xfrm>
+            <a:off x="6809931" y="5258671"/>
+            <a:ext cx="642934" cy="338554"/>
+          </a:xfrm>
+          <a:prstGeom prst="rect">
+            <a:avLst/>
+          </a:prstGeom>
+          <a:noFill/>
+        </p:spPr>
+        <p:txBody>
+          <a:bodyPr wrap="square" rtlCol="0">
+            <a:spAutoFit/>
+          </a:bodyPr>
           <a:lstStyle/>
           <a:p>
             <a:pPr algn="ctr"/>
             <a:r>
-              <a:rPr lang="en-US" sz="1200" dirty="0" smtClean="0"/>
-              <a:t>Subir Imagen</a:t>
-            </a:r>
-            <a:endParaRPr lang="en-US" sz="1200" dirty="0"/>
-          </a:p>
-        </p:txBody>
-      </p:sp>
-      <p:sp>
-        <p:nvSpPr>
-          <p:cNvPr id="21" name="Rectangle 20"/>
+              <a:rPr lang="en-US" sz="800" dirty="0"/>
+              <a:t>Mobile Center</a:t>
+            </a:r>
+          </a:p>
+        </p:txBody>
+      </p:sp>
+      <p:grpSp>
+        <p:nvGrpSpPr>
+          <p:cNvPr id="22" name="Group 21"/>
+          <p:cNvGrpSpPr/>
+          <p:nvPr/>
+        </p:nvGrpSpPr>
+        <p:grpSpPr>
+          <a:xfrm>
+            <a:off x="6826554" y="3177604"/>
+            <a:ext cx="612425" cy="583991"/>
+            <a:chOff x="7147877" y="1299706"/>
+            <a:chExt cx="730569" cy="753883"/>
+          </a:xfrm>
+        </p:grpSpPr>
+        <p:pic>
+          <p:nvPicPr>
+            <p:cNvPr id="23" name="Picture 22"/>
+            <p:cNvPicPr>
+              <a:picLocks noChangeAspect="1"/>
+            </p:cNvPicPr>
+            <p:nvPr/>
+          </p:nvPicPr>
+          <p:blipFill>
+            <a:blip r:embed="rId3"/>
+            <a:stretch>
+              <a:fillRect/>
+            </a:stretch>
+          </p:blipFill>
+          <p:spPr>
+            <a:xfrm>
+              <a:off x="7233541" y="1299706"/>
+              <a:ext cx="483871" cy="508067"/>
+            </a:xfrm>
+            <a:prstGeom prst="rect">
+              <a:avLst/>
+            </a:prstGeom>
+          </p:spPr>
+        </p:pic>
+        <p:sp>
+          <p:nvSpPr>
+            <p:cNvPr id="24" name="TextBox 23"/>
+            <p:cNvSpPr txBox="1"/>
+            <p:nvPr/>
+          </p:nvSpPr>
+          <p:spPr>
+            <a:xfrm>
+              <a:off x="7147877" y="1838145"/>
+              <a:ext cx="730569" cy="215444"/>
+            </a:xfrm>
+            <a:prstGeom prst="rect">
+              <a:avLst/>
+            </a:prstGeom>
+            <a:noFill/>
+          </p:spPr>
+          <p:txBody>
+            <a:bodyPr wrap="square" rtlCol="0">
+              <a:spAutoFit/>
+            </a:bodyPr>
+            <a:lstStyle/>
+            <a:p>
+              <a:pPr algn="ctr"/>
+              <a:endParaRPr lang="en-US" sz="800" dirty="0"/>
+            </a:p>
+          </p:txBody>
+        </p:sp>
+      </p:grpSp>
+      <p:sp>
+        <p:nvSpPr>
+          <p:cNvPr id="25" name="Rectangle 24"/>
           <p:cNvSpPr/>
           <p:nvPr/>
         </p:nvSpPr>
         <p:spPr>
           <a:xfrm>
-            <a:off x="6460228" y="326571"/>
-            <a:ext cx="2601685" cy="4049486"/>
-          </a:xfrm>
-          <a:prstGeom prst="rect">
-            <a:avLst/>
-          </a:prstGeom>
-          <a:ln/>
-        </p:spPr>
-        <p:style>
-          <a:lnRef idx="2">
-            <a:schemeClr val="accent1">
-              <a:shade val="50000"/>
-            </a:schemeClr>
-          </a:lnRef>
-          <a:fillRef idx="1">
-            <a:schemeClr val="accent1"/>
-          </a:fillRef>
-          <a:effectRef idx="0">
-            <a:schemeClr val="accent1"/>
-          </a:effectRef>
-          <a:fontRef idx="minor">
-            <a:schemeClr val="lt1"/>
-          </a:fontRef>
-        </p:style>
-        <p:txBody>
-          <a:bodyPr rtlCol="0" anchor="ctr"/>
-          <a:lstStyle/>
-          <a:p>
-            <a:pPr algn="ctr"/>
-            <a:endParaRPr lang="en-US"/>
-          </a:p>
-        </p:txBody>
-      </p:sp>
-      <p:sp>
-        <p:nvSpPr>
-          <p:cNvPr id="22" name="TextBox 21"/>
-          <p:cNvSpPr txBox="1"/>
-          <p:nvPr/>
-        </p:nvSpPr>
-        <p:spPr>
-          <a:xfrm>
-            <a:off x="6941423" y="1142202"/>
-            <a:ext cx="1639295" cy="646331"/>
+            <a:off x="6783150" y="3561745"/>
+            <a:ext cx="699230" cy="338554"/>
           </a:xfrm>
           <a:prstGeom prst="rect">
             <a:avLst/>
@@ -4757,599 +4535,80 @@
           <a:p>
             <a:pPr algn="ctr"/>
             <a:r>
-              <a:rPr lang="en-US" sz="1200" dirty="0" err="1" smtClean="0">
-                <a:solidFill>
-                  <a:schemeClr val="bg1"/>
-                </a:solidFill>
-              </a:rPr>
-              <a:t>Reporte</a:t>
-            </a:r>
-            <a:r>
-              <a:rPr lang="en-US" sz="1200" dirty="0" smtClean="0">
-                <a:solidFill>
-                  <a:schemeClr val="bg1"/>
-                </a:solidFill>
-              </a:rPr>
-              <a:t> </a:t>
-            </a:r>
-            <a:r>
-              <a:rPr lang="en-US" sz="1200" dirty="0" err="1" smtClean="0">
-                <a:solidFill>
-                  <a:schemeClr val="bg1"/>
-                </a:solidFill>
-              </a:rPr>
-              <a:t>exitoso</a:t>
-            </a:r>
-            <a:r>
-              <a:rPr lang="en-US" sz="1200" dirty="0" smtClean="0">
-                <a:solidFill>
-                  <a:schemeClr val="bg1"/>
-                </a:solidFill>
-              </a:rPr>
-              <a:t>!!</a:t>
-            </a:r>
-            <a:endParaRPr lang="en-US" sz="1200" dirty="0" smtClean="0">
-              <a:solidFill>
-                <a:schemeClr val="bg1"/>
-              </a:solidFill>
-            </a:endParaRPr>
+              <a:rPr lang="es-MX" sz="800" dirty="0"/>
+              <a:t>Mobile App </a:t>
+            </a:r>
+            <a:endParaRPr lang="en-US" sz="800" dirty="0"/>
           </a:p>
           <a:p>
             <a:pPr algn="ctr"/>
-            <a:endParaRPr lang="en-US" sz="1200" dirty="0">
-              <a:solidFill>
-                <a:schemeClr val="bg1"/>
-              </a:solidFill>
-            </a:endParaRPr>
-          </a:p>
-          <a:p>
-            <a:pPr algn="ctr"/>
-            <a:r>
-              <a:rPr lang="en-US" sz="1200" dirty="0" smtClean="0">
-                <a:solidFill>
-                  <a:schemeClr val="bg1"/>
-                </a:solidFill>
-              </a:rPr>
-              <a:t>Gracias </a:t>
-            </a:r>
-            <a:r>
-              <a:rPr lang="en-US" sz="1200" dirty="0" err="1" smtClean="0">
-                <a:solidFill>
-                  <a:schemeClr val="bg1"/>
-                </a:solidFill>
-              </a:rPr>
-              <a:t>por</a:t>
-            </a:r>
-            <a:r>
-              <a:rPr lang="en-US" sz="1200" dirty="0" smtClean="0">
-                <a:solidFill>
-                  <a:schemeClr val="bg1"/>
-                </a:solidFill>
-              </a:rPr>
-              <a:t> </a:t>
-            </a:r>
-            <a:r>
-              <a:rPr lang="en-US" sz="1200" dirty="0" err="1" smtClean="0">
-                <a:solidFill>
-                  <a:schemeClr val="bg1"/>
-                </a:solidFill>
-              </a:rPr>
-              <a:t>contribuir</a:t>
-            </a:r>
-            <a:r>
-              <a:rPr lang="en-US" sz="1200" dirty="0" smtClean="0">
-                <a:solidFill>
-                  <a:schemeClr val="bg1"/>
-                </a:solidFill>
-              </a:rPr>
-              <a:t>!!</a:t>
-            </a:r>
-            <a:endParaRPr lang="en-US" sz="1200" dirty="0">
-              <a:solidFill>
-                <a:schemeClr val="bg1"/>
-              </a:solidFill>
-            </a:endParaRPr>
-          </a:p>
-        </p:txBody>
-      </p:sp>
-      <p:sp>
-        <p:nvSpPr>
-          <p:cNvPr id="23" name="Rectangle 22"/>
-          <p:cNvSpPr/>
+            <a:r>
+              <a:rPr lang="es-MX" sz="800" dirty="0"/>
+              <a:t>(iOS / Droid)</a:t>
+            </a:r>
+            <a:endParaRPr lang="en-US" sz="800" dirty="0"/>
+          </a:p>
+        </p:txBody>
+      </p:sp>
+      <p:cxnSp>
+        <p:nvCxnSpPr>
+          <p:cNvPr id="26" name="Elbow Connector 25"/>
+          <p:cNvCxnSpPr>
+            <a:cxnSpLocks/>
+            <a:stCxn id="25" idx="2"/>
+            <a:endCxn id="2" idx="0"/>
+          </p:cNvCxnSpPr>
           <p:nvPr/>
-        </p:nvSpPr>
-        <p:spPr>
-          <a:xfrm>
-            <a:off x="6674162" y="2158564"/>
-            <a:ext cx="2173816" cy="381000"/>
-          </a:xfrm>
-          <a:prstGeom prst="rect">
-            <a:avLst/>
-          </a:prstGeom>
+        </p:nvCxnSpPr>
+        <p:spPr>
+          <a:xfrm rot="5400000">
+            <a:off x="6682912" y="4348786"/>
+            <a:ext cx="898341" cy="1367"/>
+          </a:xfrm>
+          <a:prstGeom prst="bentConnector3">
+            <a:avLst>
+              <a:gd name="adj1" fmla="val 50000"/>
+            </a:avLst>
+          </a:prstGeom>
+          <a:ln w="6350">
+            <a:solidFill>
+              <a:schemeClr val="bg1">
+                <a:lumMod val="65000"/>
+              </a:schemeClr>
+            </a:solidFill>
+            <a:headEnd type="triangle" w="med" len="med"/>
+            <a:tailEnd type="none" w="med" len="med"/>
+          </a:ln>
         </p:spPr>
         <p:style>
           <a:lnRef idx="2">
             <a:schemeClr val="accent1"/>
           </a:lnRef>
-          <a:fillRef idx="1">
-            <a:schemeClr val="lt1"/>
+          <a:fillRef idx="0">
+            <a:schemeClr val="accent1"/>
           </a:fillRef>
-          <a:effectRef idx="0">
+          <a:effectRef idx="1">
             <a:schemeClr val="accent1"/>
           </a:effectRef>
           <a:fontRef idx="minor">
-            <a:schemeClr val="dk1"/>
+            <a:schemeClr val="tx1"/>
           </a:fontRef>
         </p:style>
-        <p:txBody>
-          <a:bodyPr rtlCol="0" anchor="ctr"/>
-          <a:lstStyle/>
-          <a:p>
-            <a:pPr algn="ctr"/>
-            <a:r>
-              <a:rPr lang="en-US" sz="1200" dirty="0" smtClean="0">
-                <a:solidFill>
-                  <a:schemeClr val="dk1"/>
-                </a:solidFill>
-              </a:rPr>
-              <a:t>Aceptar</a:t>
-            </a:r>
-            <a:endParaRPr lang="en-US" sz="1200" dirty="0">
-              <a:solidFill>
-                <a:schemeClr val="dk1"/>
-              </a:solidFill>
-            </a:endParaRPr>
-          </a:p>
-        </p:txBody>
-      </p:sp>
-    </p:spTree>
-    <p:extLst>
-      <p:ext uri="{BB962C8B-B14F-4D97-AF65-F5344CB8AC3E}">
-        <p14:creationId xmlns:p14="http://schemas.microsoft.com/office/powerpoint/2010/main" val="579012479"/>
-      </p:ext>
-    </p:extLst>
-  </p:cSld>
-  <p:clrMapOvr>
-    <a:masterClrMapping/>
-  </p:clrMapOvr>
-</p:sld>
-</file>
-
-<file path=ppt/slides/slide3.xml><?xml version="1.0" encoding="utf-8"?>
-<p:sld xmlns:a="http://schemas.openxmlformats.org/drawingml/2006/main" xmlns:r="http://schemas.openxmlformats.org/officeDocument/2006/relationships" xmlns:p="http://schemas.openxmlformats.org/presentationml/2006/main">
-  <p:cSld>
-    <p:spTree>
-      <p:nvGrpSpPr>
-        <p:cNvPr id="1" name=""/>
-        <p:cNvGrpSpPr/>
-        <p:nvPr/>
-      </p:nvGrpSpPr>
-      <p:grpSpPr>
-        <a:xfrm>
-          <a:off x="0" y="0"/>
-          <a:ext cx="0" cy="0"/>
-          <a:chOff x="0" y="0"/>
-          <a:chExt cx="0" cy="0"/>
-        </a:xfrm>
-      </p:grpSpPr>
-      <p:sp>
-        <p:nvSpPr>
-          <p:cNvPr id="4" name="Rectangle 3"/>
-          <p:cNvSpPr/>
-          <p:nvPr/>
-        </p:nvSpPr>
-        <p:spPr>
-          <a:xfrm>
-            <a:off x="489857" y="326571"/>
-            <a:ext cx="2601685" cy="4049486"/>
-          </a:xfrm>
-          <a:prstGeom prst="rect">
-            <a:avLst/>
-          </a:prstGeom>
-          <a:ln/>
-        </p:spPr>
-        <p:style>
-          <a:lnRef idx="2">
-            <a:schemeClr val="accent1">
-              <a:shade val="50000"/>
-            </a:schemeClr>
-          </a:lnRef>
-          <a:fillRef idx="1">
-            <a:schemeClr val="accent1"/>
-          </a:fillRef>
-          <a:effectRef idx="0">
-            <a:schemeClr val="accent1"/>
-          </a:effectRef>
-          <a:fontRef idx="minor">
-            <a:schemeClr val="lt1"/>
-          </a:fontRef>
-        </p:style>
-        <p:txBody>
-          <a:bodyPr rtlCol="0" anchor="ctr"/>
-          <a:lstStyle/>
-          <a:p>
-            <a:pPr algn="ctr"/>
-            <a:endParaRPr lang="en-US"/>
-          </a:p>
-        </p:txBody>
-      </p:sp>
-      <p:sp>
-        <p:nvSpPr>
-          <p:cNvPr id="5" name="Rectangle 4"/>
-          <p:cNvSpPr/>
-          <p:nvPr/>
-        </p:nvSpPr>
-        <p:spPr>
-          <a:xfrm>
-            <a:off x="1012369" y="1413367"/>
-            <a:ext cx="1556657" cy="381000"/>
-          </a:xfrm>
-          <a:prstGeom prst="rect">
-            <a:avLst/>
-          </a:prstGeom>
-          <a:solidFill>
-            <a:schemeClr val="accent4">
-              <a:lumMod val="60000"/>
-              <a:lumOff val="40000"/>
-            </a:schemeClr>
-          </a:solidFill>
-        </p:spPr>
-        <p:style>
-          <a:lnRef idx="2">
-            <a:schemeClr val="accent1"/>
-          </a:lnRef>
-          <a:fillRef idx="1">
-            <a:schemeClr val="lt1"/>
-          </a:fillRef>
-          <a:effectRef idx="0">
-            <a:schemeClr val="accent1"/>
-          </a:effectRef>
-          <a:fontRef idx="minor">
-            <a:schemeClr val="dk1"/>
-          </a:fontRef>
-        </p:style>
-        <p:txBody>
-          <a:bodyPr rtlCol="0" anchor="ctr"/>
-          <a:lstStyle/>
-          <a:p>
-            <a:pPr algn="ctr"/>
-            <a:r>
-              <a:rPr lang="en-US" sz="1200" dirty="0" smtClean="0"/>
-              <a:t>Reportar</a:t>
-            </a:r>
-            <a:endParaRPr lang="en-US" sz="1200" dirty="0"/>
-          </a:p>
-        </p:txBody>
-      </p:sp>
-      <p:sp>
-        <p:nvSpPr>
-          <p:cNvPr id="6" name="TextBox 5"/>
-          <p:cNvSpPr txBox="1"/>
-          <p:nvPr/>
-        </p:nvSpPr>
-        <p:spPr>
-          <a:xfrm>
-            <a:off x="489857" y="773277"/>
-            <a:ext cx="2601685" cy="276999"/>
-          </a:xfrm>
-          <a:prstGeom prst="rect">
-            <a:avLst/>
-          </a:prstGeom>
-          <a:noFill/>
-        </p:spPr>
-        <p:txBody>
-          <a:bodyPr wrap="square" rtlCol="0">
-            <a:spAutoFit/>
-          </a:bodyPr>
-          <a:lstStyle/>
-          <a:p>
-            <a:pPr algn="ctr"/>
-            <a:r>
-              <a:rPr lang="en-US" sz="1200" dirty="0" smtClean="0">
-                <a:solidFill>
-                  <a:schemeClr val="bg1"/>
-                </a:solidFill>
-              </a:rPr>
-              <a:t>¿Qué </a:t>
-            </a:r>
-            <a:r>
-              <a:rPr lang="en-US" sz="1200" dirty="0" smtClean="0">
-                <a:solidFill>
-                  <a:schemeClr val="bg1"/>
-                </a:solidFill>
-              </a:rPr>
-              <a:t>deseas hacer?</a:t>
-            </a:r>
-            <a:endParaRPr lang="en-US" sz="1200" dirty="0">
-              <a:solidFill>
-                <a:schemeClr val="bg1"/>
-              </a:solidFill>
-            </a:endParaRPr>
-          </a:p>
-        </p:txBody>
-      </p:sp>
-      <p:sp>
-        <p:nvSpPr>
-          <p:cNvPr id="7" name="Rectangle 6"/>
-          <p:cNvSpPr/>
-          <p:nvPr/>
-        </p:nvSpPr>
-        <p:spPr>
-          <a:xfrm>
-            <a:off x="1012368" y="2165769"/>
-            <a:ext cx="1556657" cy="381000"/>
-          </a:xfrm>
-          <a:prstGeom prst="rect">
-            <a:avLst/>
-          </a:prstGeom>
-          <a:solidFill>
-            <a:schemeClr val="accent2">
-              <a:lumMod val="20000"/>
-              <a:lumOff val="80000"/>
-            </a:schemeClr>
-          </a:solidFill>
-        </p:spPr>
-        <p:style>
-          <a:lnRef idx="2">
-            <a:schemeClr val="accent1"/>
-          </a:lnRef>
-          <a:fillRef idx="1">
-            <a:schemeClr val="lt1"/>
-          </a:fillRef>
-          <a:effectRef idx="0">
-            <a:schemeClr val="accent1"/>
-          </a:effectRef>
-          <a:fontRef idx="minor">
-            <a:schemeClr val="dk1"/>
-          </a:fontRef>
-        </p:style>
-        <p:txBody>
-          <a:bodyPr rtlCol="0" anchor="ctr"/>
-          <a:lstStyle/>
-          <a:p>
-            <a:pPr algn="ctr"/>
-            <a:r>
-              <a:rPr lang="en-US" sz="1200" dirty="0" smtClean="0"/>
-              <a:t>Buscar</a:t>
-            </a:r>
-            <a:endParaRPr lang="en-US" sz="1200" dirty="0"/>
-          </a:p>
-        </p:txBody>
-      </p:sp>
-      <p:sp>
-        <p:nvSpPr>
-          <p:cNvPr id="8" name="Rectangle 7"/>
-          <p:cNvSpPr/>
-          <p:nvPr/>
-        </p:nvSpPr>
-        <p:spPr>
-          <a:xfrm>
-            <a:off x="3497639" y="326570"/>
-            <a:ext cx="2601685" cy="4534445"/>
-          </a:xfrm>
-          <a:prstGeom prst="rect">
-            <a:avLst/>
-          </a:prstGeom>
-          <a:ln/>
-        </p:spPr>
-        <p:style>
-          <a:lnRef idx="2">
-            <a:schemeClr val="accent1">
-              <a:shade val="50000"/>
-            </a:schemeClr>
-          </a:lnRef>
-          <a:fillRef idx="1">
-            <a:schemeClr val="accent1"/>
-          </a:fillRef>
-          <a:effectRef idx="0">
-            <a:schemeClr val="accent1"/>
-          </a:effectRef>
-          <a:fontRef idx="minor">
-            <a:schemeClr val="lt1"/>
-          </a:fontRef>
-        </p:style>
-        <p:txBody>
-          <a:bodyPr rtlCol="0" anchor="ctr"/>
-          <a:lstStyle/>
-          <a:p>
-            <a:pPr algn="ctr"/>
-            <a:endParaRPr lang="en-US"/>
-          </a:p>
-        </p:txBody>
-      </p:sp>
-      <p:sp>
-        <p:nvSpPr>
-          <p:cNvPr id="10" name="TextBox 9"/>
-          <p:cNvSpPr txBox="1"/>
-          <p:nvPr/>
-        </p:nvSpPr>
-        <p:spPr>
-          <a:xfrm>
-            <a:off x="3497639" y="326571"/>
-            <a:ext cx="2601685" cy="369332"/>
-          </a:xfrm>
-          <a:prstGeom prst="rect">
-            <a:avLst/>
-          </a:prstGeom>
-          <a:solidFill>
-            <a:schemeClr val="accent2">
-              <a:lumMod val="20000"/>
-              <a:lumOff val="80000"/>
-            </a:schemeClr>
-          </a:solidFill>
-        </p:spPr>
-        <p:style>
-          <a:lnRef idx="2">
-            <a:schemeClr val="accent1"/>
-          </a:lnRef>
-          <a:fillRef idx="1">
-            <a:schemeClr val="lt1"/>
-          </a:fillRef>
-          <a:effectRef idx="0">
-            <a:schemeClr val="accent1"/>
-          </a:effectRef>
-          <a:fontRef idx="minor">
-            <a:schemeClr val="dk1"/>
-          </a:fontRef>
-        </p:style>
-        <p:txBody>
-          <a:bodyPr rtlCol="0" anchor="ctr"/>
-          <a:lstStyle>
-            <a:defPPr>
-              <a:defRPr lang="en-US"/>
-            </a:defPPr>
-            <a:lvl1pPr algn="ctr">
-              <a:defRPr sz="1200">
-                <a:solidFill>
-                  <a:schemeClr val="dk1"/>
-                </a:solidFill>
-              </a:defRPr>
-            </a:lvl1pPr>
-            <a:lvl2pPr>
-              <a:defRPr>
-                <a:solidFill>
-                  <a:schemeClr val="dk1"/>
-                </a:solidFill>
-              </a:defRPr>
-            </a:lvl2pPr>
-            <a:lvl3pPr>
-              <a:defRPr>
-                <a:solidFill>
-                  <a:schemeClr val="dk1"/>
-                </a:solidFill>
-              </a:defRPr>
-            </a:lvl3pPr>
-            <a:lvl4pPr>
-              <a:defRPr>
-                <a:solidFill>
-                  <a:schemeClr val="dk1"/>
-                </a:solidFill>
-              </a:defRPr>
-            </a:lvl4pPr>
-            <a:lvl5pPr>
-              <a:defRPr>
-                <a:solidFill>
-                  <a:schemeClr val="dk1"/>
-                </a:solidFill>
-              </a:defRPr>
-            </a:lvl5pPr>
-            <a:lvl6pPr>
-              <a:defRPr>
-                <a:solidFill>
-                  <a:schemeClr val="dk1"/>
-                </a:solidFill>
-              </a:defRPr>
-            </a:lvl6pPr>
-            <a:lvl7pPr>
-              <a:defRPr>
-                <a:solidFill>
-                  <a:schemeClr val="dk1"/>
-                </a:solidFill>
-              </a:defRPr>
-            </a:lvl7pPr>
-            <a:lvl8pPr>
-              <a:defRPr>
-                <a:solidFill>
-                  <a:schemeClr val="dk1"/>
-                </a:solidFill>
-              </a:defRPr>
-            </a:lvl8pPr>
-            <a:lvl9pPr>
-              <a:defRPr>
-                <a:solidFill>
-                  <a:schemeClr val="dk1"/>
-                </a:solidFill>
-              </a:defRPr>
-            </a:lvl9pPr>
-          </a:lstStyle>
-          <a:p>
-            <a:r>
-              <a:rPr lang="en-US" sz="1800" dirty="0"/>
-              <a:t>Buscar</a:t>
-            </a:r>
-            <a:endParaRPr lang="en-US" sz="1800" dirty="0"/>
-          </a:p>
-        </p:txBody>
-      </p:sp>
-      <p:sp>
-        <p:nvSpPr>
-          <p:cNvPr id="20" name="Rectangle 19"/>
-          <p:cNvSpPr/>
-          <p:nvPr/>
-        </p:nvSpPr>
-        <p:spPr>
-          <a:xfrm>
-            <a:off x="3690257" y="942657"/>
-            <a:ext cx="2173817" cy="381000"/>
-          </a:xfrm>
-          <a:prstGeom prst="rect">
-            <a:avLst/>
-          </a:prstGeom>
-        </p:spPr>
-        <p:style>
-          <a:lnRef idx="2">
-            <a:schemeClr val="accent1"/>
-          </a:lnRef>
-          <a:fillRef idx="1">
-            <a:schemeClr val="lt1"/>
-          </a:fillRef>
-          <a:effectRef idx="0">
-            <a:schemeClr val="accent1"/>
-          </a:effectRef>
-          <a:fontRef idx="minor">
-            <a:schemeClr val="dk1"/>
-          </a:fontRef>
-        </p:style>
-        <p:txBody>
-          <a:bodyPr rtlCol="0" anchor="ctr"/>
-          <a:lstStyle/>
-          <a:p>
-            <a:pPr algn="ctr"/>
-            <a:r>
-              <a:rPr lang="en-US" sz="1200" dirty="0" smtClean="0"/>
-              <a:t>Subir Imagen</a:t>
-            </a:r>
-            <a:endParaRPr lang="en-US" sz="1200" dirty="0"/>
-          </a:p>
-        </p:txBody>
-      </p:sp>
-      <p:pic>
-        <p:nvPicPr>
-          <p:cNvPr id="15" name="Picture 14"/>
-          <p:cNvPicPr>
-            <a:picLocks noChangeAspect="1"/>
-          </p:cNvPicPr>
-          <p:nvPr/>
-        </p:nvPicPr>
-        <p:blipFill>
-          <a:blip r:embed="rId2"/>
-          <a:stretch>
-            <a:fillRect/>
-          </a:stretch>
-        </p:blipFill>
-        <p:spPr>
-          <a:xfrm>
-            <a:off x="8520034" y="796474"/>
-            <a:ext cx="885034" cy="673366"/>
-          </a:xfrm>
-          <a:prstGeom prst="rect">
-            <a:avLst/>
-          </a:prstGeom>
-        </p:spPr>
-      </p:pic>
+      </p:cxnSp>
       <p:cxnSp>
         <p:nvCxnSpPr>
-          <p:cNvPr id="16" name="Straight Arrow Connector 15"/>
+          <p:cNvPr id="36" name="Straight Arrow Connector 35"/>
           <p:cNvCxnSpPr>
-            <a:stCxn id="20" idx="3"/>
-            <a:endCxn id="15" idx="1"/>
+            <a:cxnSpLocks/>
+            <a:stCxn id="23" idx="1"/>
+            <a:endCxn id="45" idx="3"/>
           </p:cNvCxnSpPr>
           <p:nvPr/>
         </p:nvCxnSpPr>
         <p:spPr>
-          <a:xfrm>
-            <a:off x="5864074" y="1133157"/>
-            <a:ext cx="2655960" cy="0"/>
+          <a:xfrm flipH="1">
+            <a:off x="5990279" y="3374390"/>
+            <a:ext cx="908086" cy="1086"/>
           </a:xfrm>
           <a:prstGeom prst="straightConnector1">
             <a:avLst/>
@@ -5381,22 +4640,22 @@
       </p:cxnSp>
       <p:pic>
         <p:nvPicPr>
-          <p:cNvPr id="24" name="Picture 23"/>
+          <p:cNvPr id="45" name="Picture 44"/>
           <p:cNvPicPr>
             <a:picLocks noChangeAspect="1"/>
           </p:cNvPicPr>
           <p:nvPr/>
         </p:nvPicPr>
         <p:blipFill>
-          <a:blip r:embed="rId3"/>
+          <a:blip r:embed="rId4"/>
           <a:stretch>
             <a:fillRect/>
           </a:stretch>
         </p:blipFill>
         <p:spPr>
           <a:xfrm>
-            <a:off x="10622367" y="830005"/>
-            <a:ext cx="603138" cy="583362"/>
+            <a:off x="5500202" y="3158004"/>
+            <a:ext cx="490077" cy="434943"/>
           </a:xfrm>
           <a:prstGeom prst="rect">
             <a:avLst/>
@@ -5405,14 +4664,14 @@
       </p:pic>
       <p:sp>
         <p:nvSpPr>
-          <p:cNvPr id="27" name="TextBox 26"/>
+          <p:cNvPr id="46" name="TextBox 45"/>
           <p:cNvSpPr txBox="1"/>
           <p:nvPr/>
         </p:nvSpPr>
         <p:spPr>
           <a:xfrm>
-            <a:off x="8503226" y="1503348"/>
-            <a:ext cx="918649" cy="276999"/>
+            <a:off x="5358763" y="3561948"/>
+            <a:ext cx="715260" cy="215444"/>
           </a:xfrm>
           <a:prstGeom prst="rect">
             <a:avLst/>
@@ -5433,65 +4692,28 @@
           </a:lstStyle>
           <a:p>
             <a:r>
-              <a:rPr lang="en-US" sz="1200" dirty="0" smtClean="0"/>
-              <a:t>App Service</a:t>
-            </a:r>
-            <a:endParaRPr lang="en-US" sz="1200" dirty="0"/>
-          </a:p>
-        </p:txBody>
-      </p:sp>
-      <p:sp>
-        <p:nvSpPr>
-          <p:cNvPr id="28" name="TextBox 27"/>
-          <p:cNvSpPr txBox="1"/>
-          <p:nvPr/>
-        </p:nvSpPr>
-        <p:spPr>
-          <a:xfrm>
-            <a:off x="10568293" y="1413367"/>
-            <a:ext cx="711285" cy="276999"/>
-          </a:xfrm>
-          <a:prstGeom prst="rect">
-            <a:avLst/>
-          </a:prstGeom>
-          <a:noFill/>
-        </p:spPr>
-        <p:txBody>
-          <a:bodyPr wrap="none" rtlCol="0">
-            <a:spAutoFit/>
-          </a:bodyPr>
-          <a:lstStyle>
-            <a:defPPr>
-              <a:defRPr lang="en-US"/>
-            </a:defPPr>
-            <a:lvl1pPr algn="ctr">
-              <a:defRPr sz="800"/>
-            </a:lvl1pPr>
-          </a:lstStyle>
-          <a:p>
-            <a:r>
-              <a:rPr lang="en-US" sz="1200" dirty="0" smtClean="0"/>
-              <a:t>Face API</a:t>
-            </a:r>
-            <a:endParaRPr lang="en-US" sz="1200" dirty="0"/>
+              <a:rPr lang="en-US" dirty="0"/>
+              <a:t>Blob Storage</a:t>
+            </a:r>
           </a:p>
         </p:txBody>
       </p:sp>
       <p:cxnSp>
         <p:nvCxnSpPr>
-          <p:cNvPr id="41" name="Straight Arrow Connector 40"/>
+          <p:cNvPr id="47" name="Elbow Connector 46"/>
           <p:cNvCxnSpPr>
-            <a:stCxn id="15" idx="3"/>
-            <a:endCxn id="24" idx="1"/>
+            <a:cxnSpLocks/>
+            <a:stCxn id="45" idx="0"/>
+            <a:endCxn id="10" idx="3"/>
           </p:cNvCxnSpPr>
           <p:nvPr/>
         </p:nvCxnSpPr>
         <p:spPr>
-          <a:xfrm flipV="1">
-            <a:off x="9405068" y="1121686"/>
-            <a:ext cx="1217299" cy="11471"/>
-          </a:xfrm>
-          <a:prstGeom prst="straightConnector1">
+          <a:xfrm rot="16200000" flipV="1">
+            <a:off x="5062027" y="2474790"/>
+            <a:ext cx="530644" cy="835784"/>
+          </a:xfrm>
+          <a:prstGeom prst="bentConnector2">
             <a:avLst/>
           </a:prstGeom>
           <a:ln w="6350">
@@ -5500,8 +4722,8 @@
                 <a:lumMod val="65000"/>
               </a:schemeClr>
             </a:solidFill>
-            <a:headEnd type="none" w="med" len="med"/>
-            <a:tailEnd type="triangle"/>
+            <a:headEnd type="triangle" w="med" len="med"/>
+            <a:tailEnd type="triangle" w="med" len="med"/>
           </a:ln>
         </p:spPr>
         <p:style>
@@ -5519,663 +4741,255 @@
           </a:fontRef>
         </p:style>
       </p:cxnSp>
-      <p:grpSp>
-        <p:nvGrpSpPr>
-          <p:cNvPr id="46" name="Group 45"/>
-          <p:cNvGrpSpPr/>
+      <p:sp>
+        <p:nvSpPr>
+          <p:cNvPr id="65" name="Title 173"/>
+          <p:cNvSpPr txBox="1">
+            <a:spLocks/>
+          </p:cNvSpPr>
           <p:nvPr/>
-        </p:nvGrpSpPr>
-        <p:grpSpPr>
-          <a:xfrm>
-            <a:off x="3497640" y="1613762"/>
-            <a:ext cx="2601684" cy="651963"/>
-            <a:chOff x="6761888" y="3256008"/>
-            <a:chExt cx="3189242" cy="761220"/>
-          </a:xfrm>
-        </p:grpSpPr>
-        <p:sp>
-          <p:nvSpPr>
-            <p:cNvPr id="45" name="Rectangle 44"/>
-            <p:cNvSpPr/>
-            <p:nvPr/>
-          </p:nvSpPr>
-          <p:spPr>
-            <a:xfrm>
-              <a:off x="6761888" y="3256008"/>
-              <a:ext cx="3189242" cy="761220"/>
-            </a:xfrm>
-            <a:prstGeom prst="rect">
-              <a:avLst/>
-            </a:prstGeom>
-          </p:spPr>
-          <p:style>
-            <a:lnRef idx="2">
-              <a:schemeClr val="accent1"/>
-            </a:lnRef>
-            <a:fillRef idx="1">
-              <a:schemeClr val="lt1"/>
-            </a:fillRef>
-            <a:effectRef idx="0">
-              <a:schemeClr val="accent1"/>
-            </a:effectRef>
-            <a:fontRef idx="minor">
-              <a:schemeClr val="dk1"/>
-            </a:fontRef>
-          </p:style>
-          <p:txBody>
-            <a:bodyPr rtlCol="0" anchor="ctr"/>
-            <a:lstStyle/>
-            <a:p>
-              <a:r>
-                <a:rPr lang="en-US" sz="1200" dirty="0" smtClean="0"/>
-                <a:t>                  Nombre</a:t>
-              </a:r>
-              <a:br>
-                <a:rPr lang="en-US" sz="1200" dirty="0" smtClean="0"/>
-              </a:br>
-              <a:r>
-                <a:rPr lang="en-US" sz="1200" dirty="0" smtClean="0"/>
-                <a:t>                  Lugar</a:t>
-              </a:r>
-              <a:endParaRPr lang="en-US" sz="1200" dirty="0"/>
-            </a:p>
-          </p:txBody>
-        </p:sp>
-        <p:pic>
-          <p:nvPicPr>
-            <p:cNvPr id="2" name="Picture 1"/>
-            <p:cNvPicPr>
-              <a:picLocks noChangeAspect="1"/>
-            </p:cNvPicPr>
-            <p:nvPr/>
-          </p:nvPicPr>
-          <p:blipFill>
-            <a:blip r:embed="rId4"/>
-            <a:stretch>
-              <a:fillRect/>
-            </a:stretch>
-          </p:blipFill>
-          <p:spPr>
-            <a:xfrm>
-              <a:off x="6837100" y="3345449"/>
-              <a:ext cx="641294" cy="577211"/>
-            </a:xfrm>
-            <a:prstGeom prst="rect">
-              <a:avLst/>
-            </a:prstGeom>
-          </p:spPr>
-        </p:pic>
-      </p:grpSp>
-      <p:grpSp>
-        <p:nvGrpSpPr>
-          <p:cNvPr id="47" name="Group 46"/>
-          <p:cNvGrpSpPr/>
-          <p:nvPr/>
-        </p:nvGrpSpPr>
-        <p:grpSpPr>
-          <a:xfrm>
-            <a:off x="3497640" y="2264784"/>
-            <a:ext cx="2601684" cy="651963"/>
-            <a:chOff x="6761888" y="3256008"/>
-            <a:chExt cx="3189242" cy="761220"/>
-          </a:xfrm>
-        </p:grpSpPr>
-        <p:sp>
-          <p:nvSpPr>
-            <p:cNvPr id="48" name="Rectangle 47"/>
-            <p:cNvSpPr/>
-            <p:nvPr/>
-          </p:nvSpPr>
-          <p:spPr>
-            <a:xfrm>
-              <a:off x="6761888" y="3256008"/>
-              <a:ext cx="3189242" cy="761220"/>
-            </a:xfrm>
-            <a:prstGeom prst="rect">
-              <a:avLst/>
-            </a:prstGeom>
-          </p:spPr>
-          <p:style>
-            <a:lnRef idx="2">
-              <a:schemeClr val="accent1"/>
-            </a:lnRef>
-            <a:fillRef idx="1">
-              <a:schemeClr val="lt1"/>
-            </a:fillRef>
-            <a:effectRef idx="0">
-              <a:schemeClr val="accent1"/>
-            </a:effectRef>
-            <a:fontRef idx="minor">
-              <a:schemeClr val="dk1"/>
-            </a:fontRef>
-          </p:style>
-          <p:txBody>
-            <a:bodyPr rtlCol="0" anchor="ctr"/>
-            <a:lstStyle/>
-            <a:p>
-              <a:r>
-                <a:rPr lang="en-US" sz="1200" dirty="0" smtClean="0"/>
-                <a:t>                  Nombre</a:t>
-              </a:r>
-              <a:br>
-                <a:rPr lang="en-US" sz="1200" dirty="0" smtClean="0"/>
-              </a:br>
-              <a:r>
-                <a:rPr lang="en-US" sz="1200" dirty="0" smtClean="0"/>
-                <a:t>                  Lugar</a:t>
-              </a:r>
-              <a:endParaRPr lang="en-US" sz="1200" dirty="0"/>
-            </a:p>
-          </p:txBody>
-        </p:sp>
-        <p:pic>
-          <p:nvPicPr>
-            <p:cNvPr id="49" name="Picture 48"/>
-            <p:cNvPicPr>
-              <a:picLocks noChangeAspect="1"/>
-            </p:cNvPicPr>
-            <p:nvPr/>
-          </p:nvPicPr>
-          <p:blipFill>
-            <a:blip r:embed="rId4"/>
-            <a:stretch>
-              <a:fillRect/>
-            </a:stretch>
-          </p:blipFill>
-          <p:spPr>
-            <a:xfrm>
-              <a:off x="6837100" y="3345449"/>
-              <a:ext cx="641294" cy="577211"/>
-            </a:xfrm>
-            <a:prstGeom prst="rect">
-              <a:avLst/>
-            </a:prstGeom>
-          </p:spPr>
-        </p:pic>
-      </p:grpSp>
-      <p:grpSp>
-        <p:nvGrpSpPr>
-          <p:cNvPr id="50" name="Group 49"/>
-          <p:cNvGrpSpPr/>
-          <p:nvPr/>
-        </p:nvGrpSpPr>
-        <p:grpSpPr>
-          <a:xfrm>
-            <a:off x="3497640" y="2904408"/>
-            <a:ext cx="2601684" cy="651963"/>
-            <a:chOff x="6761888" y="3256008"/>
-            <a:chExt cx="3189242" cy="761220"/>
-          </a:xfrm>
-        </p:grpSpPr>
-        <p:sp>
-          <p:nvSpPr>
-            <p:cNvPr id="51" name="Rectangle 50"/>
-            <p:cNvSpPr/>
-            <p:nvPr/>
-          </p:nvSpPr>
-          <p:spPr>
-            <a:xfrm>
-              <a:off x="6761888" y="3256008"/>
-              <a:ext cx="3189242" cy="761220"/>
-            </a:xfrm>
-            <a:prstGeom prst="rect">
-              <a:avLst/>
-            </a:prstGeom>
-          </p:spPr>
-          <p:style>
-            <a:lnRef idx="2">
-              <a:schemeClr val="accent1"/>
-            </a:lnRef>
-            <a:fillRef idx="1">
-              <a:schemeClr val="lt1"/>
-            </a:fillRef>
-            <a:effectRef idx="0">
-              <a:schemeClr val="accent1"/>
-            </a:effectRef>
-            <a:fontRef idx="minor">
-              <a:schemeClr val="dk1"/>
-            </a:fontRef>
-          </p:style>
-          <p:txBody>
-            <a:bodyPr rtlCol="0" anchor="ctr"/>
-            <a:lstStyle/>
-            <a:p>
-              <a:r>
-                <a:rPr lang="en-US" sz="1200" dirty="0" smtClean="0"/>
-                <a:t>                  Nombre</a:t>
-              </a:r>
-              <a:br>
-                <a:rPr lang="en-US" sz="1200" dirty="0" smtClean="0"/>
-              </a:br>
-              <a:r>
-                <a:rPr lang="en-US" sz="1200" dirty="0" smtClean="0"/>
-                <a:t>                  Lugar</a:t>
-              </a:r>
-              <a:endParaRPr lang="en-US" sz="1200" dirty="0"/>
-            </a:p>
-          </p:txBody>
-        </p:sp>
-        <p:pic>
-          <p:nvPicPr>
-            <p:cNvPr id="52" name="Picture 51"/>
-            <p:cNvPicPr>
-              <a:picLocks noChangeAspect="1"/>
-            </p:cNvPicPr>
-            <p:nvPr/>
-          </p:nvPicPr>
-          <p:blipFill>
-            <a:blip r:embed="rId4"/>
-            <a:stretch>
-              <a:fillRect/>
-            </a:stretch>
-          </p:blipFill>
-          <p:spPr>
-            <a:xfrm>
-              <a:off x="6837100" y="3345449"/>
-              <a:ext cx="641294" cy="577211"/>
-            </a:xfrm>
-            <a:prstGeom prst="rect">
-              <a:avLst/>
-            </a:prstGeom>
-          </p:spPr>
-        </p:pic>
-      </p:grpSp>
-      <p:grpSp>
-        <p:nvGrpSpPr>
-          <p:cNvPr id="53" name="Group 52"/>
-          <p:cNvGrpSpPr/>
-          <p:nvPr/>
-        </p:nvGrpSpPr>
-        <p:grpSpPr>
-          <a:xfrm>
-            <a:off x="3497640" y="3555430"/>
-            <a:ext cx="2601684" cy="651963"/>
-            <a:chOff x="6761888" y="3256008"/>
-            <a:chExt cx="3189242" cy="761220"/>
-          </a:xfrm>
-        </p:grpSpPr>
-        <p:sp>
-          <p:nvSpPr>
-            <p:cNvPr id="54" name="Rectangle 53"/>
-            <p:cNvSpPr/>
-            <p:nvPr/>
-          </p:nvSpPr>
-          <p:spPr>
-            <a:xfrm>
-              <a:off x="6761888" y="3256008"/>
-              <a:ext cx="3189242" cy="761220"/>
-            </a:xfrm>
-            <a:prstGeom prst="rect">
-              <a:avLst/>
-            </a:prstGeom>
-          </p:spPr>
-          <p:style>
-            <a:lnRef idx="2">
-              <a:schemeClr val="accent1"/>
-            </a:lnRef>
-            <a:fillRef idx="1">
-              <a:schemeClr val="lt1"/>
-            </a:fillRef>
-            <a:effectRef idx="0">
-              <a:schemeClr val="accent1"/>
-            </a:effectRef>
-            <a:fontRef idx="minor">
-              <a:schemeClr val="dk1"/>
-            </a:fontRef>
-          </p:style>
-          <p:txBody>
-            <a:bodyPr rtlCol="0" anchor="ctr"/>
-            <a:lstStyle/>
-            <a:p>
-              <a:r>
-                <a:rPr lang="en-US" sz="1200" dirty="0" smtClean="0"/>
-                <a:t>                  Nombre</a:t>
-              </a:r>
-              <a:br>
-                <a:rPr lang="en-US" sz="1200" dirty="0" smtClean="0"/>
-              </a:br>
-              <a:r>
-                <a:rPr lang="en-US" sz="1200" dirty="0" smtClean="0"/>
-                <a:t>                  Lugar</a:t>
-              </a:r>
-              <a:endParaRPr lang="en-US" sz="1200" dirty="0"/>
-            </a:p>
-          </p:txBody>
-        </p:sp>
-        <p:pic>
-          <p:nvPicPr>
-            <p:cNvPr id="55" name="Picture 54"/>
-            <p:cNvPicPr>
-              <a:picLocks noChangeAspect="1"/>
-            </p:cNvPicPr>
-            <p:nvPr/>
-          </p:nvPicPr>
-          <p:blipFill>
-            <a:blip r:embed="rId4"/>
-            <a:stretch>
-              <a:fillRect/>
-            </a:stretch>
-          </p:blipFill>
-          <p:spPr>
-            <a:xfrm>
-              <a:off x="6837100" y="3345449"/>
-              <a:ext cx="641294" cy="577211"/>
-            </a:xfrm>
-            <a:prstGeom prst="rect">
-              <a:avLst/>
-            </a:prstGeom>
-          </p:spPr>
-        </p:pic>
-      </p:grpSp>
-      <p:grpSp>
-        <p:nvGrpSpPr>
-          <p:cNvPr id="56" name="Group 55"/>
-          <p:cNvGrpSpPr/>
-          <p:nvPr/>
-        </p:nvGrpSpPr>
-        <p:grpSpPr>
-          <a:xfrm>
-            <a:off x="3497640" y="4209053"/>
-            <a:ext cx="2601684" cy="651963"/>
-            <a:chOff x="6761888" y="3256008"/>
-            <a:chExt cx="3189242" cy="761220"/>
-          </a:xfrm>
-        </p:grpSpPr>
-        <p:sp>
-          <p:nvSpPr>
-            <p:cNvPr id="57" name="Rectangle 56"/>
-            <p:cNvSpPr/>
-            <p:nvPr/>
-          </p:nvSpPr>
-          <p:spPr>
-            <a:xfrm>
-              <a:off x="6761888" y="3256008"/>
-              <a:ext cx="3189242" cy="761220"/>
-            </a:xfrm>
-            <a:prstGeom prst="rect">
-              <a:avLst/>
-            </a:prstGeom>
-          </p:spPr>
-          <p:style>
-            <a:lnRef idx="2">
-              <a:schemeClr val="accent1"/>
-            </a:lnRef>
-            <a:fillRef idx="1">
-              <a:schemeClr val="lt1"/>
-            </a:fillRef>
-            <a:effectRef idx="0">
-              <a:schemeClr val="accent1"/>
-            </a:effectRef>
-            <a:fontRef idx="minor">
-              <a:schemeClr val="dk1"/>
-            </a:fontRef>
-          </p:style>
-          <p:txBody>
-            <a:bodyPr rtlCol="0" anchor="ctr"/>
-            <a:lstStyle/>
-            <a:p>
-              <a:r>
-                <a:rPr lang="en-US" sz="1200" dirty="0" smtClean="0"/>
-                <a:t>                  Nombre</a:t>
-              </a:r>
-              <a:br>
-                <a:rPr lang="en-US" sz="1200" dirty="0" smtClean="0"/>
-              </a:br>
-              <a:r>
-                <a:rPr lang="en-US" sz="1200" dirty="0" smtClean="0"/>
-                <a:t>                  Lugar</a:t>
-              </a:r>
-              <a:endParaRPr lang="en-US" sz="1200" dirty="0"/>
-            </a:p>
-          </p:txBody>
-        </p:sp>
-        <p:pic>
-          <p:nvPicPr>
-            <p:cNvPr id="58" name="Picture 57"/>
-            <p:cNvPicPr>
-              <a:picLocks noChangeAspect="1"/>
-            </p:cNvPicPr>
-            <p:nvPr/>
-          </p:nvPicPr>
-          <p:blipFill>
-            <a:blip r:embed="rId4"/>
-            <a:stretch>
-              <a:fillRect/>
-            </a:stretch>
-          </p:blipFill>
-          <p:spPr>
-            <a:xfrm>
-              <a:off x="6837100" y="3345449"/>
-              <a:ext cx="641294" cy="577211"/>
-            </a:xfrm>
-            <a:prstGeom prst="rect">
-              <a:avLst/>
-            </a:prstGeom>
-          </p:spPr>
-        </p:pic>
-      </p:grpSp>
-      <p:sp>
-        <p:nvSpPr>
-          <p:cNvPr id="59" name="Rectangle 58"/>
-          <p:cNvSpPr/>
-          <p:nvPr/>
-        </p:nvSpPr>
-        <p:spPr>
-          <a:xfrm>
-            <a:off x="7566333" y="2091634"/>
-            <a:ext cx="2601685" cy="4420556"/>
+        </p:nvSpPr>
+        <p:spPr>
+          <a:xfrm>
+            <a:off x="838200" y="365126"/>
+            <a:ext cx="10515600" cy="745008"/>
           </a:xfrm>
           <a:prstGeom prst="rect">
             <a:avLst/>
           </a:prstGeom>
-          <a:ln/>
-        </p:spPr>
-        <p:style>
-          <a:lnRef idx="2">
-            <a:schemeClr val="accent1">
-              <a:shade val="50000"/>
-            </a:schemeClr>
-          </a:lnRef>
-          <a:fillRef idx="1">
-            <a:schemeClr val="accent1"/>
-          </a:fillRef>
-          <a:effectRef idx="0">
-            <a:schemeClr val="accent1"/>
-          </a:effectRef>
-          <a:fontRef idx="minor">
-            <a:schemeClr val="lt1"/>
-          </a:fontRef>
-        </p:style>
-        <p:txBody>
-          <a:bodyPr rtlCol="0" anchor="ctr"/>
-          <a:lstStyle/>
-          <a:p>
-            <a:pPr algn="ctr"/>
-            <a:endParaRPr lang="en-US"/>
-          </a:p>
-        </p:txBody>
-      </p:sp>
-      <p:sp>
-        <p:nvSpPr>
-          <p:cNvPr id="61" name="TextBox 60"/>
-          <p:cNvSpPr txBox="1"/>
-          <p:nvPr/>
-        </p:nvSpPr>
-        <p:spPr>
-          <a:xfrm>
-            <a:off x="7758947" y="4562435"/>
-            <a:ext cx="2173817" cy="1015663"/>
-          </a:xfrm>
-          <a:prstGeom prst="rect">
-            <a:avLst/>
-          </a:prstGeom>
-          <a:noFill/>
-        </p:spPr>
-        <p:txBody>
-          <a:bodyPr wrap="square" rtlCol="0">
-            <a:spAutoFit/>
+        </p:spPr>
+        <p:txBody>
+          <a:bodyPr vert="horz" lIns="91440" tIns="45720" rIns="91440" bIns="45720" rtlCol="0" anchor="b">
+            <a:normAutofit lnSpcReduction="10000"/>
           </a:bodyPr>
-          <a:lstStyle/>
-          <a:p>
-            <a:r>
-              <a:rPr lang="en-US" sz="1200" dirty="0" smtClean="0">
+          <a:lstStyle>
+            <a:lvl1pPr algn="ctr" defTabSz="914400" rtl="0" eaLnBrk="1" latinLnBrk="0" hangingPunct="1">
+              <a:lnSpc>
+                <a:spcPct val="90000"/>
+              </a:lnSpc>
+              <a:spcBef>
+                <a:spcPct val="0"/>
+              </a:spcBef>
+              <a:buNone/>
+              <a:defRPr sz="6000" kern="1200">
                 <a:solidFill>
-                  <a:schemeClr val="bg1"/>
+                  <a:schemeClr val="tx1"/>
                 </a:solidFill>
-              </a:rPr>
-              <a:t>Nombre</a:t>
-            </a:r>
-          </a:p>
-          <a:p>
-            <a:r>
-              <a:rPr lang="en-US" sz="1200" dirty="0" smtClean="0">
-                <a:solidFill>
-                  <a:schemeClr val="bg1"/>
-                </a:solidFill>
-              </a:rPr>
-              <a:t>Apellido</a:t>
-            </a:r>
-          </a:p>
-          <a:p>
-            <a:r>
-              <a:rPr lang="en-US" sz="1200" dirty="0" smtClean="0">
-                <a:solidFill>
-                  <a:schemeClr val="bg1"/>
-                </a:solidFill>
-              </a:rPr>
-              <a:t>.</a:t>
-            </a:r>
-          </a:p>
-          <a:p>
-            <a:r>
-              <a:rPr lang="en-US" sz="1200" dirty="0" smtClean="0">
-                <a:solidFill>
-                  <a:schemeClr val="bg1"/>
-                </a:solidFill>
-              </a:rPr>
-              <a:t>.</a:t>
-            </a:r>
-          </a:p>
-          <a:p>
-            <a:r>
-              <a:rPr lang="en-US" sz="1200" dirty="0">
-                <a:solidFill>
-                  <a:schemeClr val="bg1"/>
-                </a:solidFill>
-              </a:rPr>
-              <a:t>.</a:t>
-            </a:r>
-          </a:p>
-        </p:txBody>
-      </p:sp>
-      <p:sp>
-        <p:nvSpPr>
-          <p:cNvPr id="62" name="Rectangle 61"/>
-          <p:cNvSpPr/>
-          <p:nvPr/>
-        </p:nvSpPr>
-        <p:spPr>
-          <a:xfrm>
-            <a:off x="7758950" y="5625328"/>
-            <a:ext cx="2173816" cy="734462"/>
-          </a:xfrm>
-          <a:prstGeom prst="rect">
-            <a:avLst/>
-          </a:prstGeom>
-        </p:spPr>
-        <p:style>
-          <a:lnRef idx="2">
-            <a:schemeClr val="accent1"/>
-          </a:lnRef>
-          <a:fillRef idx="1">
-            <a:schemeClr val="lt1"/>
-          </a:fillRef>
-          <a:effectRef idx="0">
-            <a:schemeClr val="accent1"/>
-          </a:effectRef>
-          <a:fontRef idx="minor">
-            <a:schemeClr val="dk1"/>
-          </a:fontRef>
-        </p:style>
-        <p:txBody>
-          <a:bodyPr rtlCol="0" anchor="ctr"/>
-          <a:lstStyle/>
-          <a:p>
-            <a:pPr algn="ctr"/>
-            <a:endParaRPr lang="en-US" sz="1200" dirty="0" smtClean="0">
-              <a:solidFill>
-                <a:schemeClr val="dk1"/>
-              </a:solidFill>
-            </a:endParaRPr>
-          </a:p>
-          <a:p>
-            <a:pPr algn="ctr"/>
-            <a:r>
-              <a:rPr lang="en-US" sz="1200" dirty="0" err="1" smtClean="0">
-                <a:solidFill>
-                  <a:schemeClr val="dk1"/>
-                </a:solidFill>
-              </a:rPr>
-              <a:t>Detalles</a:t>
-            </a:r>
-            <a:endParaRPr lang="en-US" sz="1200" dirty="0"/>
-          </a:p>
-          <a:p>
-            <a:pPr algn="ctr"/>
-            <a:endParaRPr lang="en-US" sz="1200" dirty="0"/>
-          </a:p>
-          <a:p>
-            <a:pPr algn="ctr"/>
-            <a:endParaRPr lang="en-US" sz="1200" dirty="0">
-              <a:solidFill>
-                <a:schemeClr val="dk1"/>
-              </a:solidFill>
-            </a:endParaRPr>
+                <a:latin typeface="+mj-lt"/>
+                <a:ea typeface="+mj-ea"/>
+                <a:cs typeface="+mj-cs"/>
+              </a:defRPr>
+            </a:lvl1pPr>
+          </a:lstStyle>
+          <a:p>
+            <a:pPr algn="l"/>
+            <a:r>
+              <a:rPr lang="en-US" sz="4800" dirty="0"/>
+              <a:t>High-level design (Phase 2)</a:t>
+            </a:r>
           </a:p>
         </p:txBody>
       </p:sp>
       <p:pic>
         <p:nvPicPr>
-          <p:cNvPr id="63" name="Picture 62"/>
+          <p:cNvPr id="78" name="Picture 77"/>
           <p:cNvPicPr>
             <a:picLocks noChangeAspect="1"/>
           </p:cNvPicPr>
           <p:nvPr/>
         </p:nvPicPr>
         <p:blipFill>
-          <a:blip r:embed="rId4"/>
+          <a:blip r:embed="rId5"/>
           <a:stretch>
             <a:fillRect/>
           </a:stretch>
         </p:blipFill>
         <p:spPr>
           <a:xfrm>
-            <a:off x="7758948" y="2341388"/>
-            <a:ext cx="2173817" cy="2173817"/>
+            <a:off x="2606437" y="1970385"/>
+            <a:ext cx="480082" cy="464341"/>
           </a:xfrm>
           <a:prstGeom prst="rect">
             <a:avLst/>
           </a:prstGeom>
         </p:spPr>
       </p:pic>
+      <p:sp>
+        <p:nvSpPr>
+          <p:cNvPr id="79" name="TextBox 78"/>
+          <p:cNvSpPr txBox="1"/>
+          <p:nvPr/>
+        </p:nvSpPr>
+        <p:spPr>
+          <a:xfrm>
+            <a:off x="2578616" y="2376283"/>
+            <a:ext cx="535724" cy="215444"/>
+          </a:xfrm>
+          <a:prstGeom prst="rect">
+            <a:avLst/>
+          </a:prstGeom>
+          <a:noFill/>
+        </p:spPr>
+        <p:txBody>
+          <a:bodyPr wrap="none" rtlCol="0">
+            <a:spAutoFit/>
+          </a:bodyPr>
+          <a:lstStyle>
+            <a:defPPr>
+              <a:defRPr lang="en-US"/>
+            </a:defPPr>
+            <a:lvl1pPr algn="ctr">
+              <a:defRPr sz="800"/>
+            </a:lvl1pPr>
+          </a:lstStyle>
+          <a:p>
+            <a:r>
+              <a:rPr lang="en-US" dirty="0"/>
+              <a:t>Face API</a:t>
+            </a:r>
+          </a:p>
+        </p:txBody>
+      </p:sp>
       <p:cxnSp>
         <p:nvCxnSpPr>
-          <p:cNvPr id="65" name="Elbow Connector 64"/>
+          <p:cNvPr id="80" name="Elbow Connector 79"/>
           <p:cNvCxnSpPr>
-            <a:stCxn id="45" idx="3"/>
-            <a:endCxn id="59" idx="1"/>
+            <a:cxnSpLocks/>
+            <a:stCxn id="78" idx="3"/>
+            <a:endCxn id="10" idx="1"/>
           </p:cNvCxnSpPr>
           <p:nvPr/>
         </p:nvCxnSpPr>
         <p:spPr>
           <a:xfrm>
-            <a:off x="6099324" y="1939744"/>
-            <a:ext cx="1467009" cy="2362168"/>
+            <a:off x="3086519" y="2202556"/>
+            <a:ext cx="1259498" cy="424804"/>
           </a:xfrm>
           <a:prstGeom prst="bentConnector3">
             <a:avLst>
-              <a:gd name="adj1" fmla="val 50000"/>
+              <a:gd name="adj1" fmla="val 38764"/>
             </a:avLst>
+          </a:prstGeom>
+          <a:ln w="6350">
+            <a:solidFill>
+              <a:schemeClr val="bg1">
+                <a:lumMod val="65000"/>
+              </a:schemeClr>
+            </a:solidFill>
+            <a:headEnd type="triangle" w="med" len="med"/>
+            <a:tailEnd type="triangle" w="med" len="med"/>
+          </a:ln>
+        </p:spPr>
+        <p:style>
+          <a:lnRef idx="2">
+            <a:schemeClr val="accent1"/>
+          </a:lnRef>
+          <a:fillRef idx="0">
+            <a:schemeClr val="accent1"/>
+          </a:fillRef>
+          <a:effectRef idx="1">
+            <a:schemeClr val="accent1"/>
+          </a:effectRef>
+          <a:fontRef idx="minor">
+            <a:schemeClr val="tx1"/>
+          </a:fontRef>
+        </p:style>
+      </p:cxnSp>
+      <p:pic>
+        <p:nvPicPr>
+          <p:cNvPr id="10" name="Picture 9">
+            <a:extLst>
+              <a:ext uri="{FF2B5EF4-FFF2-40B4-BE49-F238E27FC236}">
+                <a16:creationId xmlns:a16="http://schemas.microsoft.com/office/drawing/2014/main" id="{DCB42C37-F57D-B744-9B0E-7558DC1CDD0D}"/>
+              </a:ext>
+            </a:extLst>
+          </p:cNvPr>
+          <p:cNvPicPr>
+            <a:picLocks noChangeAspect="1"/>
+          </p:cNvPicPr>
+          <p:nvPr/>
+        </p:nvPicPr>
+        <p:blipFill>
+          <a:blip r:embed="rId6"/>
+          <a:stretch>
+            <a:fillRect/>
+          </a:stretch>
+        </p:blipFill>
+        <p:spPr>
+          <a:xfrm>
+            <a:off x="4346017" y="2355884"/>
+            <a:ext cx="563440" cy="542951"/>
+          </a:xfrm>
+          <a:prstGeom prst="rect">
+            <a:avLst/>
+          </a:prstGeom>
+        </p:spPr>
+      </p:pic>
+      <p:sp>
+        <p:nvSpPr>
+          <p:cNvPr id="31" name="TextBox 30">
+            <a:extLst>
+              <a:ext uri="{FF2B5EF4-FFF2-40B4-BE49-F238E27FC236}">
+                <a16:creationId xmlns:a16="http://schemas.microsoft.com/office/drawing/2014/main" id="{6EE50C48-891D-4740-B8A3-31D9663B3966}"/>
+              </a:ext>
+            </a:extLst>
+          </p:cNvPr>
+          <p:cNvSpPr txBox="1"/>
+          <p:nvPr/>
+        </p:nvSpPr>
+        <p:spPr>
+          <a:xfrm>
+            <a:off x="4221215" y="2777629"/>
+            <a:ext cx="813044" cy="215444"/>
+          </a:xfrm>
+          <a:prstGeom prst="rect">
+            <a:avLst/>
+          </a:prstGeom>
+          <a:noFill/>
+        </p:spPr>
+        <p:txBody>
+          <a:bodyPr wrap="none" rtlCol="0">
+            <a:spAutoFit/>
+          </a:bodyPr>
+          <a:lstStyle>
+            <a:defPPr>
+              <a:defRPr lang="en-US"/>
+            </a:defPPr>
+            <a:lvl1pPr algn="ctr">
+              <a:defRPr sz="800"/>
+            </a:lvl1pPr>
+          </a:lstStyle>
+          <a:p>
+            <a:r>
+              <a:rPr lang="en-US" dirty="0"/>
+              <a:t>Azure Function</a:t>
+            </a:r>
+          </a:p>
+        </p:txBody>
+      </p:sp>
+      <p:cxnSp>
+        <p:nvCxnSpPr>
+          <p:cNvPr id="37" name="Elbow Connector 36">
+            <a:extLst>
+              <a:ext uri="{FF2B5EF4-FFF2-40B4-BE49-F238E27FC236}">
+                <a16:creationId xmlns:a16="http://schemas.microsoft.com/office/drawing/2014/main" id="{77967A9D-28C7-3F4C-944D-61CAB2A7B758}"/>
+              </a:ext>
+            </a:extLst>
+          </p:cNvPr>
+          <p:cNvCxnSpPr>
+            <a:cxnSpLocks/>
+            <a:stCxn id="32" idx="3"/>
+            <a:endCxn id="25" idx="2"/>
+          </p:cNvCxnSpPr>
+          <p:nvPr/>
+        </p:nvCxnSpPr>
+        <p:spPr>
+          <a:xfrm flipV="1">
+            <a:off x="5990279" y="3900299"/>
+            <a:ext cx="1142486" cy="349139"/>
+          </a:xfrm>
+          <a:prstGeom prst="bentConnector2">
+            <a:avLst/>
           </a:prstGeom>
           <a:ln w="6350">
             <a:solidFill>
@@ -6184,6 +4998,449 @@
               </a:schemeClr>
             </a:solidFill>
             <a:headEnd type="none" w="med" len="med"/>
+            <a:tailEnd type="triangle" w="med" len="med"/>
+          </a:ln>
+        </p:spPr>
+        <p:style>
+          <a:lnRef idx="2">
+            <a:schemeClr val="accent1"/>
+          </a:lnRef>
+          <a:fillRef idx="0">
+            <a:schemeClr val="accent1"/>
+          </a:fillRef>
+          <a:effectRef idx="1">
+            <a:schemeClr val="accent1"/>
+          </a:effectRef>
+          <a:fontRef idx="minor">
+            <a:schemeClr val="tx1"/>
+          </a:fontRef>
+        </p:style>
+      </p:cxnSp>
+      <p:pic>
+        <p:nvPicPr>
+          <p:cNvPr id="32" name="Picture 31">
+            <a:extLst>
+              <a:ext uri="{FF2B5EF4-FFF2-40B4-BE49-F238E27FC236}">
+                <a16:creationId xmlns:a16="http://schemas.microsoft.com/office/drawing/2014/main" id="{D172FA46-6264-6E48-BACB-CC58F554EAA7}"/>
+              </a:ext>
+            </a:extLst>
+          </p:cNvPr>
+          <p:cNvPicPr>
+            <a:picLocks noChangeAspect="1"/>
+          </p:cNvPicPr>
+          <p:nvPr/>
+        </p:nvPicPr>
+        <p:blipFill>
+          <a:blip r:embed="rId7"/>
+          <a:stretch>
+            <a:fillRect/>
+          </a:stretch>
+        </p:blipFill>
+        <p:spPr>
+          <a:xfrm>
+            <a:off x="5500202" y="4004399"/>
+            <a:ext cx="490077" cy="490077"/>
+          </a:xfrm>
+          <a:prstGeom prst="rect">
+            <a:avLst/>
+          </a:prstGeom>
+        </p:spPr>
+      </p:pic>
+      <p:cxnSp>
+        <p:nvCxnSpPr>
+          <p:cNvPr id="48" name="Elbow Connector 47">
+            <a:extLst>
+              <a:ext uri="{FF2B5EF4-FFF2-40B4-BE49-F238E27FC236}">
+                <a16:creationId xmlns:a16="http://schemas.microsoft.com/office/drawing/2014/main" id="{86C7FDD6-1D2F-2B49-B88F-60E1CD5FAAE0}"/>
+              </a:ext>
+            </a:extLst>
+          </p:cNvPr>
+          <p:cNvCxnSpPr>
+            <a:cxnSpLocks/>
+            <a:stCxn id="31" idx="2"/>
+            <a:endCxn id="32" idx="1"/>
+          </p:cNvCxnSpPr>
+          <p:nvPr/>
+        </p:nvCxnSpPr>
+        <p:spPr>
+          <a:xfrm rot="16200000" flipH="1">
+            <a:off x="4435787" y="3185022"/>
+            <a:ext cx="1256365" cy="872465"/>
+          </a:xfrm>
+          <a:prstGeom prst="bentConnector2">
+            <a:avLst/>
+          </a:prstGeom>
+          <a:ln w="6350">
+            <a:solidFill>
+              <a:schemeClr val="bg1">
+                <a:lumMod val="65000"/>
+              </a:schemeClr>
+            </a:solidFill>
+            <a:headEnd type="none" w="med" len="med"/>
+            <a:tailEnd type="triangle" w="med" len="med"/>
+          </a:ln>
+        </p:spPr>
+        <p:style>
+          <a:lnRef idx="2">
+            <a:schemeClr val="accent1"/>
+          </a:lnRef>
+          <a:fillRef idx="0">
+            <a:schemeClr val="accent1"/>
+          </a:fillRef>
+          <a:effectRef idx="1">
+            <a:schemeClr val="accent1"/>
+          </a:effectRef>
+          <a:fontRef idx="minor">
+            <a:schemeClr val="tx1"/>
+          </a:fontRef>
+        </p:style>
+      </p:cxnSp>
+      <p:sp>
+        <p:nvSpPr>
+          <p:cNvPr id="51" name="TextBox 50">
+            <a:extLst>
+              <a:ext uri="{FF2B5EF4-FFF2-40B4-BE49-F238E27FC236}">
+                <a16:creationId xmlns:a16="http://schemas.microsoft.com/office/drawing/2014/main" id="{A5CDC3FF-9264-684A-99E8-29ACCBE9063C}"/>
+              </a:ext>
+            </a:extLst>
+          </p:cNvPr>
+          <p:cNvSpPr txBox="1"/>
+          <p:nvPr/>
+        </p:nvSpPr>
+        <p:spPr>
+          <a:xfrm>
+            <a:off x="5376844" y="4494476"/>
+            <a:ext cx="679098" cy="338554"/>
+          </a:xfrm>
+          <a:prstGeom prst="rect">
+            <a:avLst/>
+          </a:prstGeom>
+          <a:noFill/>
+        </p:spPr>
+        <p:txBody>
+          <a:bodyPr wrap="square" rtlCol="0">
+            <a:spAutoFit/>
+          </a:bodyPr>
+          <a:lstStyle/>
+          <a:p>
+            <a:pPr algn="ctr"/>
+            <a:r>
+              <a:rPr lang="en-US" sz="800" dirty="0"/>
+              <a:t>Notification Hub</a:t>
+            </a:r>
+          </a:p>
+        </p:txBody>
+      </p:sp>
+      <p:cxnSp>
+        <p:nvCxnSpPr>
+          <p:cNvPr id="27" name="Elbow Connector 26">
+            <a:extLst>
+              <a:ext uri="{FF2B5EF4-FFF2-40B4-BE49-F238E27FC236}">
+                <a16:creationId xmlns:a16="http://schemas.microsoft.com/office/drawing/2014/main" id="{861BA5BD-1463-AD45-A793-7B81513ECE1D}"/>
+              </a:ext>
+            </a:extLst>
+          </p:cNvPr>
+          <p:cNvCxnSpPr>
+            <a:cxnSpLocks/>
+            <a:stCxn id="23" idx="0"/>
+            <a:endCxn id="10" idx="0"/>
+          </p:cNvCxnSpPr>
+          <p:nvPr/>
+        </p:nvCxnSpPr>
+        <p:spPr>
+          <a:xfrm rot="16200000" flipV="1">
+            <a:off x="5453597" y="1530024"/>
+            <a:ext cx="821720" cy="2473439"/>
+          </a:xfrm>
+          <a:prstGeom prst="bentConnector3">
+            <a:avLst>
+              <a:gd name="adj1" fmla="val 183459"/>
+            </a:avLst>
+          </a:prstGeom>
+          <a:ln w="6350">
+            <a:solidFill>
+              <a:schemeClr val="bg1">
+                <a:lumMod val="65000"/>
+              </a:schemeClr>
+            </a:solidFill>
+            <a:headEnd type="triangle" w="med" len="med"/>
+            <a:tailEnd type="triangle" w="med" len="med"/>
+          </a:ln>
+        </p:spPr>
+        <p:style>
+          <a:lnRef idx="2">
+            <a:schemeClr val="accent1"/>
+          </a:lnRef>
+          <a:fillRef idx="0">
+            <a:schemeClr val="accent1"/>
+          </a:fillRef>
+          <a:effectRef idx="1">
+            <a:schemeClr val="accent1"/>
+          </a:effectRef>
+          <a:fontRef idx="minor">
+            <a:schemeClr val="tx1"/>
+          </a:fontRef>
+        </p:style>
+      </p:cxnSp>
+      <p:sp>
+        <p:nvSpPr>
+          <p:cNvPr id="28" name="TextBox 27">
+            <a:extLst>
+              <a:ext uri="{FF2B5EF4-FFF2-40B4-BE49-F238E27FC236}">
+                <a16:creationId xmlns:a16="http://schemas.microsoft.com/office/drawing/2014/main" id="{BF31344E-BF1D-C942-9CEF-236FFC14B9FB}"/>
+              </a:ext>
+            </a:extLst>
+          </p:cNvPr>
+          <p:cNvSpPr txBox="1"/>
+          <p:nvPr/>
+        </p:nvSpPr>
+        <p:spPr>
+          <a:xfrm>
+            <a:off x="4691860" y="1692277"/>
+            <a:ext cx="684804" cy="215444"/>
+          </a:xfrm>
+          <a:prstGeom prst="rect">
+            <a:avLst/>
+          </a:prstGeom>
+          <a:noFill/>
+        </p:spPr>
+        <p:txBody>
+          <a:bodyPr wrap="none" rtlCol="0">
+            <a:spAutoFit/>
+          </a:bodyPr>
+          <a:lstStyle>
+            <a:defPPr>
+              <a:defRPr lang="en-US"/>
+            </a:defPPr>
+            <a:lvl1pPr algn="ctr">
+              <a:defRPr sz="800"/>
+            </a:lvl1pPr>
+          </a:lstStyle>
+          <a:p>
+            <a:r>
+              <a:rPr lang="en-US" dirty="0"/>
+              <a:t>Http Trigger</a:t>
+            </a:r>
+          </a:p>
+        </p:txBody>
+      </p:sp>
+      <p:sp>
+        <p:nvSpPr>
+          <p:cNvPr id="29" name="TextBox 28">
+            <a:extLst>
+              <a:ext uri="{FF2B5EF4-FFF2-40B4-BE49-F238E27FC236}">
+                <a16:creationId xmlns:a16="http://schemas.microsoft.com/office/drawing/2014/main" id="{A8C4D19F-48AD-A644-A323-1CA45F9E1CA6}"/>
+              </a:ext>
+            </a:extLst>
+          </p:cNvPr>
+          <p:cNvSpPr txBox="1"/>
+          <p:nvPr/>
+        </p:nvSpPr>
+        <p:spPr>
+          <a:xfrm>
+            <a:off x="5096444" y="2892682"/>
+            <a:ext cx="688010" cy="215444"/>
+          </a:xfrm>
+          <a:prstGeom prst="rect">
+            <a:avLst/>
+          </a:prstGeom>
+          <a:noFill/>
+        </p:spPr>
+        <p:txBody>
+          <a:bodyPr wrap="none" rtlCol="0">
+            <a:spAutoFit/>
+          </a:bodyPr>
+          <a:lstStyle>
+            <a:defPPr>
+              <a:defRPr lang="en-US"/>
+            </a:defPPr>
+            <a:lvl1pPr algn="ctr">
+              <a:defRPr sz="800"/>
+            </a:lvl1pPr>
+          </a:lstStyle>
+          <a:p>
+            <a:r>
+              <a:rPr lang="en-US" dirty="0"/>
+              <a:t>Blob Trigger</a:t>
+            </a:r>
+          </a:p>
+        </p:txBody>
+      </p:sp>
+      <p:sp>
+        <p:nvSpPr>
+          <p:cNvPr id="30" name="TextBox 29">
+            <a:extLst>
+              <a:ext uri="{FF2B5EF4-FFF2-40B4-BE49-F238E27FC236}">
+                <a16:creationId xmlns:a16="http://schemas.microsoft.com/office/drawing/2014/main" id="{93A26A12-472D-604C-8B1C-C58FBFF26DC5}"/>
+              </a:ext>
+            </a:extLst>
+          </p:cNvPr>
+          <p:cNvSpPr txBox="1"/>
+          <p:nvPr/>
+        </p:nvSpPr>
+        <p:spPr>
+          <a:xfrm>
+            <a:off x="3847616" y="2193989"/>
+            <a:ext cx="740908" cy="215444"/>
+          </a:xfrm>
+          <a:prstGeom prst="rect">
+            <a:avLst/>
+          </a:prstGeom>
+          <a:noFill/>
+        </p:spPr>
+        <p:txBody>
+          <a:bodyPr wrap="none" rtlCol="0">
+            <a:spAutoFit/>
+          </a:bodyPr>
+          <a:lstStyle>
+            <a:defPPr>
+              <a:defRPr lang="en-US"/>
+            </a:defPPr>
+            <a:lvl1pPr algn="ctr">
+              <a:defRPr sz="800"/>
+            </a:lvl1pPr>
+          </a:lstStyle>
+          <a:p>
+            <a:r>
+              <a:rPr lang="en-US" dirty="0"/>
+              <a:t>Timer Trigger</a:t>
+            </a:r>
+          </a:p>
+        </p:txBody>
+      </p:sp>
+      <p:pic>
+        <p:nvPicPr>
+          <p:cNvPr id="2" name="Picture 1">
+            <a:extLst>
+              <a:ext uri="{FF2B5EF4-FFF2-40B4-BE49-F238E27FC236}">
+                <a16:creationId xmlns:a16="http://schemas.microsoft.com/office/drawing/2014/main" id="{F1D299F3-53DA-5649-9106-41D89DC9A582}"/>
+              </a:ext>
+            </a:extLst>
+          </p:cNvPr>
+          <p:cNvPicPr>
+            <a:picLocks noChangeAspect="1"/>
+          </p:cNvPicPr>
+          <p:nvPr/>
+        </p:nvPicPr>
+        <p:blipFill>
+          <a:blip r:embed="rId8"/>
+          <a:stretch>
+            <a:fillRect/>
+          </a:stretch>
+        </p:blipFill>
+        <p:spPr>
+          <a:xfrm>
+            <a:off x="6910398" y="4798640"/>
+            <a:ext cx="442000" cy="442000"/>
+          </a:xfrm>
+          <a:prstGeom prst="rect">
+            <a:avLst/>
+          </a:prstGeom>
+        </p:spPr>
+      </p:pic>
+      <p:pic>
+        <p:nvPicPr>
+          <p:cNvPr id="5" name="Picture 4">
+            <a:extLst>
+              <a:ext uri="{FF2B5EF4-FFF2-40B4-BE49-F238E27FC236}">
+                <a16:creationId xmlns:a16="http://schemas.microsoft.com/office/drawing/2014/main" id="{DF517F90-9540-D843-B01E-2562B8D1C115}"/>
+              </a:ext>
+            </a:extLst>
+          </p:cNvPr>
+          <p:cNvPicPr>
+            <a:picLocks noChangeAspect="1"/>
+          </p:cNvPicPr>
+          <p:nvPr/>
+        </p:nvPicPr>
+        <p:blipFill>
+          <a:blip r:embed="rId9"/>
+          <a:stretch>
+            <a:fillRect/>
+          </a:stretch>
+        </p:blipFill>
+        <p:spPr>
+          <a:xfrm>
+            <a:off x="3067846" y="3111910"/>
+            <a:ext cx="1037728" cy="546537"/>
+          </a:xfrm>
+          <a:prstGeom prst="rect">
+            <a:avLst/>
+          </a:prstGeom>
+        </p:spPr>
+      </p:pic>
+      <p:sp>
+        <p:nvSpPr>
+          <p:cNvPr id="38" name="TextBox 37">
+            <a:extLst>
+              <a:ext uri="{FF2B5EF4-FFF2-40B4-BE49-F238E27FC236}">
+                <a16:creationId xmlns:a16="http://schemas.microsoft.com/office/drawing/2014/main" id="{79D77A89-508B-0B4D-BB93-217C77322121}"/>
+              </a:ext>
+            </a:extLst>
+          </p:cNvPr>
+          <p:cNvSpPr txBox="1"/>
+          <p:nvPr/>
+        </p:nvSpPr>
+        <p:spPr>
+          <a:xfrm>
+            <a:off x="3233320" y="3715300"/>
+            <a:ext cx="651140" cy="215444"/>
+          </a:xfrm>
+          <a:prstGeom prst="rect">
+            <a:avLst/>
+          </a:prstGeom>
+          <a:noFill/>
+        </p:spPr>
+        <p:txBody>
+          <a:bodyPr wrap="none" rtlCol="0">
+            <a:spAutoFit/>
+          </a:bodyPr>
+          <a:lstStyle>
+            <a:defPPr>
+              <a:defRPr lang="en-US"/>
+            </a:defPPr>
+            <a:lvl1pPr algn="ctr">
+              <a:defRPr sz="800"/>
+            </a:lvl1pPr>
+          </a:lstStyle>
+          <a:p>
+            <a:r>
+              <a:rPr lang="en-US" dirty="0"/>
+              <a:t>Cosmos DB</a:t>
+            </a:r>
+          </a:p>
+        </p:txBody>
+      </p:sp>
+      <p:cxnSp>
+        <p:nvCxnSpPr>
+          <p:cNvPr id="39" name="Elbow Connector 38">
+            <a:extLst>
+              <a:ext uri="{FF2B5EF4-FFF2-40B4-BE49-F238E27FC236}">
+                <a16:creationId xmlns:a16="http://schemas.microsoft.com/office/drawing/2014/main" id="{A4578CFA-FC71-244D-B436-47BAFE19F9CE}"/>
+              </a:ext>
+            </a:extLst>
+          </p:cNvPr>
+          <p:cNvCxnSpPr>
+            <a:cxnSpLocks/>
+            <a:stCxn id="5" idx="0"/>
+            <a:endCxn id="10" idx="1"/>
+          </p:cNvCxnSpPr>
+          <p:nvPr/>
+        </p:nvCxnSpPr>
+        <p:spPr>
+          <a:xfrm rot="5400000" flipH="1" flipV="1">
+            <a:off x="3724088" y="2489982"/>
+            <a:ext cx="484550" cy="759307"/>
+          </a:xfrm>
+          <a:prstGeom prst="bentConnector2">
+            <a:avLst/>
+          </a:prstGeom>
+          <a:ln w="6350">
+            <a:solidFill>
+              <a:schemeClr val="bg1">
+                <a:lumMod val="65000"/>
+              </a:schemeClr>
+            </a:solidFill>
+            <a:headEnd type="triangle" w="med" len="med"/>
             <a:tailEnd type="triangle" w="med" len="med"/>
           </a:ln>
         </p:spPr>
@@ -6205,7 +5462,7 @@
     </p:spTree>
     <p:extLst>
       <p:ext uri="{BB962C8B-B14F-4D97-AF65-F5344CB8AC3E}">
-        <p14:creationId xmlns:p14="http://schemas.microsoft.com/office/powerpoint/2010/main" val="1566849022"/>
+        <p14:creationId xmlns:p14="http://schemas.microsoft.com/office/powerpoint/2010/main" val="4058128014"/>
       </p:ext>
     </p:extLst>
   </p:cSld>

--- a/docs/high-level-architecture.pptx
+++ b/docs/high-level-architecture.pptx
@@ -198,7 +198,7 @@
           <a:p>
             <a:fld id="{2712D60C-53E1-EB4B-A0D4-1C1DBEDFE290}" type="datetimeFigureOut">
               <a:rPr lang="en-US" smtClean="0"/>
-              <a:t>11/1/17</a:t>
+              <a:t>11/18/17</a:t>
             </a:fld>
             <a:endParaRPr lang="en-US"/>
           </a:p>
@@ -594,7 +594,7 @@
           <a:p>
             <a:fld id="{7A578F14-283A-954B-93B6-F5883A28CC6E}" type="datetimeFigureOut">
               <a:rPr lang="en-US" smtClean="0"/>
-              <a:t>11/1/17</a:t>
+              <a:t>11/18/17</a:t>
             </a:fld>
             <a:endParaRPr lang="en-US"/>
           </a:p>
@@ -762,7 +762,7 @@
           <a:p>
             <a:fld id="{7A578F14-283A-954B-93B6-F5883A28CC6E}" type="datetimeFigureOut">
               <a:rPr lang="en-US" smtClean="0"/>
-              <a:t>11/1/17</a:t>
+              <a:t>11/18/17</a:t>
             </a:fld>
             <a:endParaRPr lang="en-US"/>
           </a:p>
@@ -940,7 +940,7 @@
           <a:p>
             <a:fld id="{7A578F14-283A-954B-93B6-F5883A28CC6E}" type="datetimeFigureOut">
               <a:rPr lang="en-US" smtClean="0"/>
-              <a:t>11/1/17</a:t>
+              <a:t>11/18/17</a:t>
             </a:fld>
             <a:endParaRPr lang="en-US"/>
           </a:p>
@@ -1108,7 +1108,7 @@
           <a:p>
             <a:fld id="{7A578F14-283A-954B-93B6-F5883A28CC6E}" type="datetimeFigureOut">
               <a:rPr lang="en-US" smtClean="0"/>
-              <a:t>11/1/17</a:t>
+              <a:t>11/18/17</a:t>
             </a:fld>
             <a:endParaRPr lang="en-US"/>
           </a:p>
@@ -1353,7 +1353,7 @@
           <a:p>
             <a:fld id="{7A578F14-283A-954B-93B6-F5883A28CC6E}" type="datetimeFigureOut">
               <a:rPr lang="en-US" smtClean="0"/>
-              <a:t>11/1/17</a:t>
+              <a:t>11/18/17</a:t>
             </a:fld>
             <a:endParaRPr lang="en-US"/>
           </a:p>
@@ -1582,7 +1582,7 @@
           <a:p>
             <a:fld id="{7A578F14-283A-954B-93B6-F5883A28CC6E}" type="datetimeFigureOut">
               <a:rPr lang="en-US" smtClean="0"/>
-              <a:t>11/1/17</a:t>
+              <a:t>11/18/17</a:t>
             </a:fld>
             <a:endParaRPr lang="en-US"/>
           </a:p>
@@ -1946,7 +1946,7 @@
           <a:p>
             <a:fld id="{7A578F14-283A-954B-93B6-F5883A28CC6E}" type="datetimeFigureOut">
               <a:rPr lang="en-US" smtClean="0"/>
-              <a:t>11/1/17</a:t>
+              <a:t>11/18/17</a:t>
             </a:fld>
             <a:endParaRPr lang="en-US"/>
           </a:p>
@@ -2063,7 +2063,7 @@
           <a:p>
             <a:fld id="{7A578F14-283A-954B-93B6-F5883A28CC6E}" type="datetimeFigureOut">
               <a:rPr lang="en-US" smtClean="0"/>
-              <a:t>11/1/17</a:t>
+              <a:t>11/18/17</a:t>
             </a:fld>
             <a:endParaRPr lang="en-US"/>
           </a:p>
@@ -2158,7 +2158,7 @@
           <a:p>
             <a:fld id="{7A578F14-283A-954B-93B6-F5883A28CC6E}" type="datetimeFigureOut">
               <a:rPr lang="en-US" smtClean="0"/>
-              <a:t>11/1/17</a:t>
+              <a:t>11/18/17</a:t>
             </a:fld>
             <a:endParaRPr lang="en-US"/>
           </a:p>
@@ -2433,7 +2433,7 @@
           <a:p>
             <a:fld id="{7A578F14-283A-954B-93B6-F5883A28CC6E}" type="datetimeFigureOut">
               <a:rPr lang="en-US" smtClean="0"/>
-              <a:t>11/1/17</a:t>
+              <a:t>11/18/17</a:t>
             </a:fld>
             <a:endParaRPr lang="en-US"/>
           </a:p>
@@ -2685,7 +2685,7 @@
           <a:p>
             <a:fld id="{7A578F14-283A-954B-93B6-F5883A28CC6E}" type="datetimeFigureOut">
               <a:rPr lang="en-US" smtClean="0"/>
-              <a:t>11/1/17</a:t>
+              <a:t>11/18/17</a:t>
             </a:fld>
             <a:endParaRPr lang="en-US"/>
           </a:p>
@@ -2896,7 +2896,7 @@
           <a:p>
             <a:fld id="{7A578F14-283A-954B-93B6-F5883A28CC6E}" type="datetimeFigureOut">
               <a:rPr lang="en-US" smtClean="0"/>
-              <a:t>11/1/17</a:t>
+              <a:t>11/18/17</a:t>
             </a:fld>
             <a:endParaRPr lang="en-US"/>
           </a:p>
@@ -5142,20 +5142,18 @@
           </p:cNvPr>
           <p:cNvCxnSpPr>
             <a:cxnSpLocks/>
-            <a:stCxn id="23" idx="0"/>
+            <a:stCxn id="6" idx="1"/>
             <a:endCxn id="10" idx="0"/>
           </p:cNvCxnSpPr>
           <p:nvPr/>
         </p:nvCxnSpPr>
         <p:spPr>
-          <a:xfrm rot="16200000" flipV="1">
-            <a:off x="5453597" y="1530024"/>
-            <a:ext cx="821720" cy="2473439"/>
-          </a:xfrm>
-          <a:prstGeom prst="bentConnector3">
-            <a:avLst>
-              <a:gd name="adj1" fmla="val 183459"/>
-            </a:avLst>
+          <a:xfrm rot="10800000" flipV="1">
+            <a:off x="4627737" y="1981434"/>
+            <a:ext cx="2233868" cy="374449"/>
+          </a:xfrm>
+          <a:prstGeom prst="bentConnector2">
+            <a:avLst/>
           </a:prstGeom>
           <a:ln w="6350">
             <a:solidFill>
@@ -5196,8 +5194,8 @@
         </p:nvSpPr>
         <p:spPr>
           <a:xfrm>
-            <a:off x="4691860" y="1692277"/>
-            <a:ext cx="684804" cy="215444"/>
+            <a:off x="4627737" y="1757580"/>
+            <a:ext cx="684803" cy="215444"/>
           </a:xfrm>
           <a:prstGeom prst="rect">
             <a:avLst/>
@@ -5459,6 +5457,133 @@
           </a:fontRef>
         </p:style>
       </p:cxnSp>
+      <p:pic>
+        <p:nvPicPr>
+          <p:cNvPr id="6" name="Picture 5">
+            <a:extLst>
+              <a:ext uri="{FF2B5EF4-FFF2-40B4-BE49-F238E27FC236}">
+                <a16:creationId xmlns:a16="http://schemas.microsoft.com/office/drawing/2014/main" id="{E3BBF76C-AE58-744E-8819-0FE6345237D5}"/>
+              </a:ext>
+            </a:extLst>
+          </p:cNvPr>
+          <p:cNvPicPr>
+            <a:picLocks noChangeAspect="1"/>
+          </p:cNvPicPr>
+          <p:nvPr/>
+        </p:nvPicPr>
+        <p:blipFill>
+          <a:blip r:embed="rId10"/>
+          <a:stretch>
+            <a:fillRect/>
+          </a:stretch>
+        </p:blipFill>
+        <p:spPr>
+          <a:xfrm>
+            <a:off x="6861605" y="1790935"/>
+            <a:ext cx="476250" cy="381000"/>
+          </a:xfrm>
+          <a:prstGeom prst="rect">
+            <a:avLst/>
+          </a:prstGeom>
+        </p:spPr>
+      </p:pic>
+      <p:cxnSp>
+        <p:nvCxnSpPr>
+          <p:cNvPr id="40" name="Straight Arrow Connector 39">
+            <a:extLst>
+              <a:ext uri="{FF2B5EF4-FFF2-40B4-BE49-F238E27FC236}">
+                <a16:creationId xmlns:a16="http://schemas.microsoft.com/office/drawing/2014/main" id="{9F9FBADF-A149-7847-ACAF-B6B32B97E58E}"/>
+              </a:ext>
+            </a:extLst>
+          </p:cNvPr>
+          <p:cNvCxnSpPr>
+            <a:cxnSpLocks/>
+            <a:stCxn id="23" idx="0"/>
+            <a:endCxn id="42" idx="2"/>
+          </p:cNvCxnSpPr>
+          <p:nvPr/>
+        </p:nvCxnSpPr>
+        <p:spPr>
+          <a:xfrm flipH="1" flipV="1">
+            <a:off x="7099730" y="2484926"/>
+            <a:ext cx="1446" cy="692678"/>
+          </a:xfrm>
+          <a:prstGeom prst="straightConnector1">
+            <a:avLst/>
+          </a:prstGeom>
+          <a:ln w="6350">
+            <a:solidFill>
+              <a:schemeClr val="bg1">
+                <a:lumMod val="65000"/>
+              </a:schemeClr>
+            </a:solidFill>
+            <a:headEnd type="none" w="med" len="med"/>
+            <a:tailEnd type="triangle"/>
+          </a:ln>
+        </p:spPr>
+        <p:style>
+          <a:lnRef idx="2">
+            <a:schemeClr val="accent1"/>
+          </a:lnRef>
+          <a:fillRef idx="0">
+            <a:schemeClr val="accent1"/>
+          </a:fillRef>
+          <a:effectRef idx="1">
+            <a:schemeClr val="accent1"/>
+          </a:effectRef>
+          <a:fontRef idx="minor">
+            <a:schemeClr val="tx1"/>
+          </a:fontRef>
+        </p:style>
+      </p:cxnSp>
+      <p:sp>
+        <p:nvSpPr>
+          <p:cNvPr id="42" name="TextBox 41">
+            <a:extLst>
+              <a:ext uri="{FF2B5EF4-FFF2-40B4-BE49-F238E27FC236}">
+                <a16:creationId xmlns:a16="http://schemas.microsoft.com/office/drawing/2014/main" id="{DE9C4643-B5F6-0344-8BA9-8BDBF74C5462}"/>
+              </a:ext>
+            </a:extLst>
+          </p:cNvPr>
+          <p:cNvSpPr txBox="1"/>
+          <p:nvPr/>
+        </p:nvSpPr>
+        <p:spPr>
+          <a:xfrm>
+            <a:off x="6694811" y="2146372"/>
+            <a:ext cx="809837" cy="338554"/>
+          </a:xfrm>
+          <a:prstGeom prst="rect">
+            <a:avLst/>
+          </a:prstGeom>
+          <a:noFill/>
+        </p:spPr>
+        <p:txBody>
+          <a:bodyPr wrap="none" rtlCol="0">
+            <a:spAutoFit/>
+          </a:bodyPr>
+          <a:lstStyle>
+            <a:defPPr>
+              <a:defRPr lang="en-US"/>
+            </a:defPPr>
+            <a:lvl1pPr algn="ctr">
+              <a:defRPr sz="800"/>
+            </a:lvl1pPr>
+          </a:lstStyle>
+          <a:p>
+            <a:r>
+              <a:rPr lang="en-US" dirty="0"/>
+              <a:t>Facebook </a:t>
+            </a:r>
+          </a:p>
+          <a:p>
+            <a:r>
+              <a:rPr lang="en-US" dirty="0"/>
+              <a:t>Authentication</a:t>
+            </a:r>
+          </a:p>
+        </p:txBody>
+      </p:sp>
     </p:spTree>
     <p:extLst>
       <p:ext uri="{BB962C8B-B14F-4D97-AF65-F5344CB8AC3E}">
